--- a/Personal loan Campaign.pptx
+++ b/Personal loan Campaign.pptx
@@ -5,31 +5,37 @@
     <p:sldMasterId id="2147483648" r:id="rId1"/>
   </p:sldMasterIdLst>
   <p:notesMasterIdLst>
-    <p:notesMasterId r:id="rId17"/>
+    <p:notesMasterId r:id="rId30"/>
   </p:notesMasterIdLst>
   <p:sldIdLst>
-    <p:sldId id="256" r:id="rId3"/>
-    <p:sldId id="259" r:id="rId4"/>
-    <p:sldId id="260" r:id="rId5"/>
-    <p:sldId id="261" r:id="rId6"/>
-    <p:sldId id="262" r:id="rId7"/>
-    <p:sldId id="263" r:id="rId8"/>
-    <p:sldId id="264" r:id="rId9"/>
-    <p:sldId id="266" r:id="rId10"/>
-    <p:sldId id="267" r:id="rId11"/>
-    <p:sldId id="268" r:id="rId12"/>
-    <p:sldId id="269" r:id="rId13"/>
-    <p:sldId id="270" r:id="rId14"/>
-    <p:sldId id="271" r:id="rId15"/>
-    <p:sldId id="272" r:id="rId16"/>
-    <p:sldId id="275" r:id="rId18"/>
-    <p:sldId id="274" r:id="rId19"/>
-    <p:sldId id="277" r:id="rId20"/>
-    <p:sldId id="276" r:id="rId21"/>
-    <p:sldId id="273" r:id="rId22"/>
-    <p:sldId id="278" r:id="rId23"/>
-    <p:sldId id="258" r:id="rId24"/>
-    <p:sldId id="257" r:id="rId25"/>
+    <p:sldId id="256" r:id="rId2"/>
+    <p:sldId id="259" r:id="rId3"/>
+    <p:sldId id="260" r:id="rId4"/>
+    <p:sldId id="261" r:id="rId5"/>
+    <p:sldId id="262" r:id="rId6"/>
+    <p:sldId id="263" r:id="rId7"/>
+    <p:sldId id="264" r:id="rId8"/>
+    <p:sldId id="266" r:id="rId9"/>
+    <p:sldId id="267" r:id="rId10"/>
+    <p:sldId id="268" r:id="rId11"/>
+    <p:sldId id="269" r:id="rId12"/>
+    <p:sldId id="270" r:id="rId13"/>
+    <p:sldId id="271" r:id="rId14"/>
+    <p:sldId id="272" r:id="rId15"/>
+    <p:sldId id="275" r:id="rId16"/>
+    <p:sldId id="274" r:id="rId17"/>
+    <p:sldId id="277" r:id="rId18"/>
+    <p:sldId id="279" r:id="rId19"/>
+    <p:sldId id="276" r:id="rId20"/>
+    <p:sldId id="273" r:id="rId21"/>
+    <p:sldId id="278" r:id="rId22"/>
+    <p:sldId id="280" r:id="rId23"/>
+    <p:sldId id="281" r:id="rId24"/>
+    <p:sldId id="282" r:id="rId25"/>
+    <p:sldId id="283" r:id="rId26"/>
+    <p:sldId id="284" r:id="rId27"/>
+    <p:sldId id="285" r:id="rId28"/>
+    <p:sldId id="286" r:id="rId29"/>
   </p:sldIdLst>
   <p:sldSz cx="12188825" cy="6858000"/>
   <p:notesSz cx="6858000" cy="9144000"/>
@@ -213,6 +219,8 @@
           <a:p>
             <a:fld id="{FAB94D2E-2B55-4D40-B82B-D409E1D25E78}" type="datetimeFigureOut">
               <a:rPr lang="en-US" smtClean="0"/>
+              <a:pPr/>
+              <a:t>8/9/2021</a:t>
             </a:fld>
             <a:endParaRPr lang="en-US"/>
           </a:p>
@@ -281,7 +289,6 @@
               <a:rPr lang="en-US" smtClean="0"/>
               <a:t>Click to edit Master text styles</a:t>
             </a:r>
-            <a:endParaRPr lang="en-US" smtClean="0"/>
           </a:p>
           <a:p>
             <a:pPr lvl="1"/>
@@ -289,7 +296,6 @@
               <a:rPr lang="en-US" smtClean="0"/>
               <a:t>Second level</a:t>
             </a:r>
-            <a:endParaRPr lang="en-US" smtClean="0"/>
           </a:p>
           <a:p>
             <a:pPr lvl="2"/>
@@ -297,7 +303,6 @@
               <a:rPr lang="en-US" smtClean="0"/>
               <a:t>Third level</a:t>
             </a:r>
-            <a:endParaRPr lang="en-US" smtClean="0"/>
           </a:p>
           <a:p>
             <a:pPr lvl="3"/>
@@ -305,7 +310,6 @@
               <a:rPr lang="en-US" smtClean="0"/>
               <a:t>Fourth level</a:t>
             </a:r>
-            <a:endParaRPr lang="en-US" smtClean="0"/>
           </a:p>
           <a:p>
             <a:pPr lvl="4"/>
@@ -377,6 +381,8 @@
           <a:p>
             <a:fld id="{0DD37880-BF50-47D7-A805-DE8A0AC97DC2}" type="slidenum">
               <a:rPr lang="en-US" smtClean="0"/>
+              <a:pPr/>
+              <a:t>‹#›</a:t>
             </a:fld>
             <a:endParaRPr lang="en-US"/>
           </a:p>
@@ -624,6 +630,8 @@
           <a:p>
             <a:fld id="{0DD37880-BF50-47D7-A805-DE8A0AC97DC2}" type="slidenum">
               <a:rPr lang="en-US" smtClean="0"/>
+              <a:pPr/>
+              <a:t>14</a:t>
             </a:fld>
             <a:endParaRPr lang="en-US"/>
           </a:p>
@@ -638,7 +646,7 @@
 </file>
 
 <file path=ppt/slideLayouts/slideLayout1.xml><?xml version="1.0" encoding="utf-8"?>
-<p:sldLayout xmlns:a="http://schemas.openxmlformats.org/drawingml/2006/main" xmlns:r="http://schemas.openxmlformats.org/officeDocument/2006/relationships" xmlns:p="http://schemas.openxmlformats.org/presentationml/2006/main" type="title" preserve="1" showMasterSp="0">
+<p:sldLayout xmlns:a="http://schemas.openxmlformats.org/drawingml/2006/main" xmlns:r="http://schemas.openxmlformats.org/officeDocument/2006/relationships" xmlns:p="http://schemas.openxmlformats.org/presentationml/2006/main" showMasterSp="0" type="title" preserve="1">
   <p:cSld name="Title Slide">
     <p:bg>
       <p:bgRef idx="1001">
@@ -774,6 +782,8 @@
           <a:p>
             <a:fld id="{6BF7A8B7-D5C6-40FF-915C-16C28D68FE6D}" type="datetimeFigureOut">
               <a:rPr lang="en-US" smtClean="0"/>
+              <a:pPr/>
+              <a:t>8/9/2021</a:t>
             </a:fld>
             <a:endParaRPr lang="en-US"/>
           </a:p>
@@ -1519,6 +1529,8 @@
           <a:p>
             <a:fld id="{F0D5048F-E515-4015-9843-E58EEDF6A9FF}" type="slidenum">
               <a:rPr lang="en-US" smtClean="0"/>
+              <a:pPr/>
+              <a:t>‹#›</a:t>
             </a:fld>
             <a:endParaRPr lang="en-US"/>
           </a:p>
@@ -1592,7 +1604,6 @@
               <a:rPr lang="en-US" smtClean="0"/>
               <a:t>Click to edit Master text styles</a:t>
             </a:r>
-            <a:endParaRPr lang="en-US" smtClean="0"/>
           </a:p>
           <a:p>
             <a:pPr lvl="1" eaLnBrk="1" latinLnBrk="0" hangingPunct="1"/>
@@ -1600,7 +1611,6 @@
               <a:rPr lang="en-US" smtClean="0"/>
               <a:t>Second level</a:t>
             </a:r>
-            <a:endParaRPr lang="en-US" smtClean="0"/>
           </a:p>
           <a:p>
             <a:pPr lvl="2" eaLnBrk="1" latinLnBrk="0" hangingPunct="1"/>
@@ -1608,7 +1618,6 @@
               <a:rPr lang="en-US" smtClean="0"/>
               <a:t>Third level</a:t>
             </a:r>
-            <a:endParaRPr lang="en-US" smtClean="0"/>
           </a:p>
           <a:p>
             <a:pPr lvl="3" eaLnBrk="1" latinLnBrk="0" hangingPunct="1"/>
@@ -1616,7 +1625,6 @@
               <a:rPr lang="en-US" smtClean="0"/>
               <a:t>Fourth level</a:t>
             </a:r>
-            <a:endParaRPr lang="en-US" smtClean="0"/>
           </a:p>
           <a:p>
             <a:pPr lvl="4" eaLnBrk="1" latinLnBrk="0" hangingPunct="1"/>
@@ -1645,6 +1653,8 @@
           <a:p>
             <a:fld id="{6BF7A8B7-D5C6-40FF-915C-16C28D68FE6D}" type="datetimeFigureOut">
               <a:rPr lang="en-US" smtClean="0"/>
+              <a:pPr/>
+              <a:t>8/9/2021</a:t>
             </a:fld>
             <a:endParaRPr lang="en-US"/>
           </a:p>
@@ -1686,6 +1696,8 @@
           <a:p>
             <a:fld id="{F0D5048F-E515-4015-9843-E58EEDF6A9FF}" type="slidenum">
               <a:rPr lang="en-US" smtClean="0"/>
+              <a:pPr/>
+              <a:t>‹#›</a:t>
             </a:fld>
             <a:endParaRPr lang="en-US"/>
           </a:p>
@@ -1769,7 +1781,6 @@
               <a:rPr lang="en-US" smtClean="0"/>
               <a:t>Click to edit Master text styles</a:t>
             </a:r>
-            <a:endParaRPr lang="en-US" smtClean="0"/>
           </a:p>
           <a:p>
             <a:pPr lvl="1" eaLnBrk="1" latinLnBrk="0" hangingPunct="1"/>
@@ -1777,7 +1788,6 @@
               <a:rPr lang="en-US" smtClean="0"/>
               <a:t>Second level</a:t>
             </a:r>
-            <a:endParaRPr lang="en-US" smtClean="0"/>
           </a:p>
           <a:p>
             <a:pPr lvl="2" eaLnBrk="1" latinLnBrk="0" hangingPunct="1"/>
@@ -1785,7 +1795,6 @@
               <a:rPr lang="en-US" smtClean="0"/>
               <a:t>Third level</a:t>
             </a:r>
-            <a:endParaRPr lang="en-US" smtClean="0"/>
           </a:p>
           <a:p>
             <a:pPr lvl="3" eaLnBrk="1" latinLnBrk="0" hangingPunct="1"/>
@@ -1793,7 +1802,6 @@
               <a:rPr lang="en-US" smtClean="0"/>
               <a:t>Fourth level</a:t>
             </a:r>
-            <a:endParaRPr lang="en-US" smtClean="0"/>
           </a:p>
           <a:p>
             <a:pPr lvl="4" eaLnBrk="1" latinLnBrk="0" hangingPunct="1"/>
@@ -1822,6 +1830,8 @@
           <a:p>
             <a:fld id="{6BF7A8B7-D5C6-40FF-915C-16C28D68FE6D}" type="datetimeFigureOut">
               <a:rPr lang="en-US" smtClean="0"/>
+              <a:pPr/>
+              <a:t>8/9/2021</a:t>
             </a:fld>
             <a:endParaRPr lang="en-US"/>
           </a:p>
@@ -1863,6 +1873,8 @@
           <a:p>
             <a:fld id="{F0D5048F-E515-4015-9843-E58EEDF6A9FF}" type="slidenum">
               <a:rPr lang="en-US" smtClean="0"/>
+              <a:pPr/>
+              <a:t>‹#›</a:t>
             </a:fld>
             <a:endParaRPr lang="en-US"/>
           </a:p>
@@ -1941,7 +1953,6 @@
               <a:rPr lang="en-US" smtClean="0"/>
               <a:t>Click to edit Master text styles</a:t>
             </a:r>
-            <a:endParaRPr lang="en-US" smtClean="0"/>
           </a:p>
           <a:p>
             <a:pPr lvl="1" eaLnBrk="1" latinLnBrk="0" hangingPunct="1"/>
@@ -1949,7 +1960,6 @@
               <a:rPr lang="en-US" smtClean="0"/>
               <a:t>Second level</a:t>
             </a:r>
-            <a:endParaRPr lang="en-US" smtClean="0"/>
           </a:p>
           <a:p>
             <a:pPr lvl="2" eaLnBrk="1" latinLnBrk="0" hangingPunct="1"/>
@@ -1957,7 +1967,6 @@
               <a:rPr lang="en-US" smtClean="0"/>
               <a:t>Third level</a:t>
             </a:r>
-            <a:endParaRPr lang="en-US" smtClean="0"/>
           </a:p>
           <a:p>
             <a:pPr lvl="3" eaLnBrk="1" latinLnBrk="0" hangingPunct="1"/>
@@ -1965,7 +1974,6 @@
               <a:rPr lang="en-US" smtClean="0"/>
               <a:t>Fourth level</a:t>
             </a:r>
-            <a:endParaRPr lang="en-US" smtClean="0"/>
           </a:p>
           <a:p>
             <a:pPr lvl="4" eaLnBrk="1" latinLnBrk="0" hangingPunct="1"/>
@@ -1994,6 +2002,8 @@
           <a:p>
             <a:fld id="{6BF7A8B7-D5C6-40FF-915C-16C28D68FE6D}" type="datetimeFigureOut">
               <a:rPr lang="en-US" smtClean="0"/>
+              <a:pPr/>
+              <a:t>8/9/2021</a:t>
             </a:fld>
             <a:endParaRPr lang="en-US"/>
           </a:p>
@@ -2016,6 +2026,8 @@
           <a:p>
             <a:fld id="{F0D5048F-E515-4015-9843-E58EEDF6A9FF}" type="slidenum">
               <a:rPr lang="en-US" smtClean="0"/>
+              <a:pPr/>
+              <a:t>‹#›</a:t>
             </a:fld>
             <a:endParaRPr lang="en-US"/>
           </a:p>
@@ -2049,7 +2061,7 @@
 </file>
 
 <file path=ppt/slideLayouts/slideLayout3.xml><?xml version="1.0" encoding="utf-8"?>
-<p:sldLayout xmlns:a="http://schemas.openxmlformats.org/drawingml/2006/main" xmlns:r="http://schemas.openxmlformats.org/officeDocument/2006/relationships" xmlns:p="http://schemas.openxmlformats.org/presentationml/2006/main" type="secHead" preserve="1" showMasterSp="0">
+<p:sldLayout xmlns:a="http://schemas.openxmlformats.org/drawingml/2006/main" xmlns:r="http://schemas.openxmlformats.org/officeDocument/2006/relationships" xmlns:p="http://schemas.openxmlformats.org/presentationml/2006/main" showMasterSp="0" type="secHead" preserve="1">
   <p:cSld name="Section Header">
     <p:bg>
       <p:bgRef idx="1001">
@@ -2177,7 +2189,6 @@
               <a:rPr kumimoji="0" lang="en-US" smtClean="0"/>
               <a:t>Click to edit Master text styles</a:t>
             </a:r>
-            <a:endParaRPr kumimoji="0" lang="en-US" smtClean="0"/>
           </a:p>
         </p:txBody>
       </p:sp>
@@ -2203,6 +2214,8 @@
           <a:p>
             <a:fld id="{6BF7A8B7-D5C6-40FF-915C-16C28D68FE6D}" type="datetimeFigureOut">
               <a:rPr lang="en-US" smtClean="0"/>
+              <a:pPr/>
+              <a:t>8/9/2021</a:t>
             </a:fld>
             <a:endParaRPr lang="en-US"/>
           </a:p>
@@ -2945,6 +2958,8 @@
           <a:p>
             <a:fld id="{F0D5048F-E515-4015-9843-E58EEDF6A9FF}" type="slidenum">
               <a:rPr lang="en-US" smtClean="0"/>
+              <a:pPr/>
+              <a:t>‹#›</a:t>
             </a:fld>
             <a:endParaRPr lang="en-US"/>
           </a:p>
@@ -3015,6 +3030,8 @@
           <a:p>
             <a:fld id="{6BF7A8B7-D5C6-40FF-915C-16C28D68FE6D}" type="datetimeFigureOut">
               <a:rPr lang="en-US" smtClean="0"/>
+              <a:pPr/>
+              <a:t>8/9/2021</a:t>
             </a:fld>
             <a:endParaRPr lang="en-US"/>
           </a:p>
@@ -3056,6 +3073,8 @@
           <a:p>
             <a:fld id="{F0D5048F-E515-4015-9843-E58EEDF6A9FF}" type="slidenum">
               <a:rPr lang="en-US" smtClean="0"/>
+              <a:pPr/>
+              <a:t>‹#›</a:t>
             </a:fld>
             <a:endParaRPr lang="en-US"/>
           </a:p>
@@ -3086,7 +3105,6 @@
               <a:rPr lang="en-US" smtClean="0"/>
               <a:t>Click to edit Master text styles</a:t>
             </a:r>
-            <a:endParaRPr lang="en-US" smtClean="0"/>
           </a:p>
           <a:p>
             <a:pPr lvl="1" eaLnBrk="1" latinLnBrk="0" hangingPunct="1"/>
@@ -3094,7 +3112,6 @@
               <a:rPr lang="en-US" smtClean="0"/>
               <a:t>Second level</a:t>
             </a:r>
-            <a:endParaRPr lang="en-US" smtClean="0"/>
           </a:p>
           <a:p>
             <a:pPr lvl="2" eaLnBrk="1" latinLnBrk="0" hangingPunct="1"/>
@@ -3102,7 +3119,6 @@
               <a:rPr lang="en-US" smtClean="0"/>
               <a:t>Third level</a:t>
             </a:r>
-            <a:endParaRPr lang="en-US" smtClean="0"/>
           </a:p>
           <a:p>
             <a:pPr lvl="3" eaLnBrk="1" latinLnBrk="0" hangingPunct="1"/>
@@ -3110,7 +3126,6 @@
               <a:rPr lang="en-US" smtClean="0"/>
               <a:t>Fourth level</a:t>
             </a:r>
-            <a:endParaRPr lang="en-US" smtClean="0"/>
           </a:p>
           <a:p>
             <a:pPr lvl="4" eaLnBrk="1" latinLnBrk="0" hangingPunct="1"/>
@@ -3147,7 +3162,6 @@
               <a:rPr lang="en-US" smtClean="0"/>
               <a:t>Click to edit Master text styles</a:t>
             </a:r>
-            <a:endParaRPr lang="en-US" smtClean="0"/>
           </a:p>
           <a:p>
             <a:pPr lvl="1" eaLnBrk="1" latinLnBrk="0" hangingPunct="1"/>
@@ -3155,7 +3169,6 @@
               <a:rPr lang="en-US" smtClean="0"/>
               <a:t>Second level</a:t>
             </a:r>
-            <a:endParaRPr lang="en-US" smtClean="0"/>
           </a:p>
           <a:p>
             <a:pPr lvl="2" eaLnBrk="1" latinLnBrk="0" hangingPunct="1"/>
@@ -3163,7 +3176,6 @@
               <a:rPr lang="en-US" smtClean="0"/>
               <a:t>Third level</a:t>
             </a:r>
-            <a:endParaRPr lang="en-US" smtClean="0"/>
           </a:p>
           <a:p>
             <a:pPr lvl="3" eaLnBrk="1" latinLnBrk="0" hangingPunct="1"/>
@@ -3171,7 +3183,6 @@
               <a:rPr lang="en-US" smtClean="0"/>
               <a:t>Fourth level</a:t>
             </a:r>
-            <a:endParaRPr lang="en-US" smtClean="0"/>
           </a:p>
           <a:p>
             <a:pPr lvl="4" eaLnBrk="1" latinLnBrk="0" hangingPunct="1"/>
@@ -3257,6 +3268,8 @@
           <a:p>
             <a:fld id="{6BF7A8B7-D5C6-40FF-915C-16C28D68FE6D}" type="datetimeFigureOut">
               <a:rPr lang="en-US" smtClean="0"/>
+              <a:pPr/>
+              <a:t>8/9/2021</a:t>
             </a:fld>
             <a:endParaRPr lang="en-US"/>
           </a:p>
@@ -3298,6 +3311,8 @@
           <a:p>
             <a:fld id="{F0D5048F-E515-4015-9843-E58EEDF6A9FF}" type="slidenum">
               <a:rPr lang="en-US" smtClean="0"/>
+              <a:pPr/>
+              <a:t>‹#›</a:t>
             </a:fld>
             <a:endParaRPr lang="en-US"/>
           </a:p>
@@ -3328,7 +3343,6 @@
               <a:rPr lang="en-US" smtClean="0"/>
               <a:t>Click to edit Master text styles</a:t>
             </a:r>
-            <a:endParaRPr lang="en-US" smtClean="0"/>
           </a:p>
           <a:p>
             <a:pPr lvl="1" eaLnBrk="1" latinLnBrk="0" hangingPunct="1"/>
@@ -3336,7 +3350,6 @@
               <a:rPr lang="en-US" smtClean="0"/>
               <a:t>Second level</a:t>
             </a:r>
-            <a:endParaRPr lang="en-US" smtClean="0"/>
           </a:p>
           <a:p>
             <a:pPr lvl="2" eaLnBrk="1" latinLnBrk="0" hangingPunct="1"/>
@@ -3344,7 +3357,6 @@
               <a:rPr lang="en-US" smtClean="0"/>
               <a:t>Third level</a:t>
             </a:r>
-            <a:endParaRPr lang="en-US" smtClean="0"/>
           </a:p>
           <a:p>
             <a:pPr lvl="3" eaLnBrk="1" latinLnBrk="0" hangingPunct="1"/>
@@ -3352,7 +3364,6 @@
               <a:rPr lang="en-US" smtClean="0"/>
               <a:t>Fourth level</a:t>
             </a:r>
-            <a:endParaRPr lang="en-US" smtClean="0"/>
           </a:p>
           <a:p>
             <a:pPr lvl="4" eaLnBrk="1" latinLnBrk="0" hangingPunct="1"/>
@@ -3389,7 +3400,6 @@
               <a:rPr lang="en-US" smtClean="0"/>
               <a:t>Click to edit Master text styles</a:t>
             </a:r>
-            <a:endParaRPr lang="en-US" smtClean="0"/>
           </a:p>
           <a:p>
             <a:pPr lvl="1" eaLnBrk="1" latinLnBrk="0" hangingPunct="1"/>
@@ -3397,7 +3407,6 @@
               <a:rPr lang="en-US" smtClean="0"/>
               <a:t>Second level</a:t>
             </a:r>
-            <a:endParaRPr lang="en-US" smtClean="0"/>
           </a:p>
           <a:p>
             <a:pPr lvl="2" eaLnBrk="1" latinLnBrk="0" hangingPunct="1"/>
@@ -3405,7 +3414,6 @@
               <a:rPr lang="en-US" smtClean="0"/>
               <a:t>Third level</a:t>
             </a:r>
-            <a:endParaRPr lang="en-US" smtClean="0"/>
           </a:p>
           <a:p>
             <a:pPr lvl="3" eaLnBrk="1" latinLnBrk="0" hangingPunct="1"/>
@@ -3413,7 +3421,6 @@
               <a:rPr lang="en-US" smtClean="0"/>
               <a:t>Fourth level</a:t>
             </a:r>
-            <a:endParaRPr lang="en-US" smtClean="0"/>
           </a:p>
           <a:p>
             <a:pPr lvl="4" eaLnBrk="1" latinLnBrk="0" hangingPunct="1"/>
@@ -3470,7 +3477,6 @@
               <a:rPr kumimoji="0" lang="en-US" smtClean="0"/>
               <a:t>Click to edit Master text styles</a:t>
             </a:r>
-            <a:endParaRPr kumimoji="0" lang="en-US" smtClean="0"/>
           </a:p>
         </p:txBody>
       </p:sp>
@@ -3519,7 +3525,6 @@
               <a:rPr kumimoji="0" lang="en-US" smtClean="0"/>
               <a:t>Click to edit Master text styles</a:t>
             </a:r>
-            <a:endParaRPr kumimoji="0" lang="en-US" smtClean="0"/>
           </a:p>
         </p:txBody>
       </p:sp>
@@ -3588,6 +3593,8 @@
           <a:p>
             <a:fld id="{6BF7A8B7-D5C6-40FF-915C-16C28D68FE6D}" type="datetimeFigureOut">
               <a:rPr lang="en-US" smtClean="0"/>
+              <a:pPr/>
+              <a:t>8/9/2021</a:t>
             </a:fld>
             <a:endParaRPr lang="en-US"/>
           </a:p>
@@ -3610,6 +3617,8 @@
           <a:p>
             <a:fld id="{F0D5048F-E515-4015-9843-E58EEDF6A9FF}" type="slidenum">
               <a:rPr lang="en-US" smtClean="0"/>
+              <a:pPr/>
+              <a:t>‹#›</a:t>
             </a:fld>
             <a:endParaRPr lang="en-US"/>
           </a:p>
@@ -3676,6 +3685,8 @@
           <a:p>
             <a:fld id="{6BF7A8B7-D5C6-40FF-915C-16C28D68FE6D}" type="datetimeFigureOut">
               <a:rPr lang="en-US" smtClean="0"/>
+              <a:pPr/>
+              <a:t>8/9/2021</a:t>
             </a:fld>
             <a:endParaRPr lang="en-US"/>
           </a:p>
@@ -3717,6 +3728,8 @@
           <a:p>
             <a:fld id="{F0D5048F-E515-4015-9843-E58EEDF6A9FF}" type="slidenum">
               <a:rPr lang="en-US" smtClean="0"/>
+              <a:pPr/>
+              <a:t>‹#›</a:t>
             </a:fld>
             <a:endParaRPr lang="en-US"/>
           </a:p>
@@ -3731,7 +3744,7 @@
 </file>
 
 <file path=ppt/slideLayouts/slideLayout8.xml><?xml version="1.0" encoding="utf-8"?>
-<p:sldLayout xmlns:a="http://schemas.openxmlformats.org/drawingml/2006/main" xmlns:r="http://schemas.openxmlformats.org/officeDocument/2006/relationships" xmlns:p="http://schemas.openxmlformats.org/presentationml/2006/main" type="objTx" preserve="1" showMasterSp="0">
+<p:sldLayout xmlns:a="http://schemas.openxmlformats.org/drawingml/2006/main" xmlns:r="http://schemas.openxmlformats.org/officeDocument/2006/relationships" xmlns:p="http://schemas.openxmlformats.org/presentationml/2006/main" showMasterSp="0" type="objTx" preserve="1">
   <p:cSld name="Content with Caption">
     <p:bg>
       <p:bgRef idx="1001">
@@ -3876,7 +3889,6 @@
               <a:rPr kumimoji="0" lang="en-US" smtClean="0"/>
               <a:t>Click to edit Master text styles</a:t>
             </a:r>
-            <a:endParaRPr kumimoji="0" lang="en-US" smtClean="0"/>
           </a:p>
         </p:txBody>
       </p:sp>
@@ -4143,7 +4155,6 @@
               <a:rPr lang="en-US" smtClean="0"/>
               <a:t>Click to edit Master text styles</a:t>
             </a:r>
-            <a:endParaRPr lang="en-US" smtClean="0"/>
           </a:p>
           <a:p>
             <a:pPr lvl="1" eaLnBrk="1" latinLnBrk="0" hangingPunct="1"/>
@@ -4151,7 +4162,6 @@
               <a:rPr lang="en-US" smtClean="0"/>
               <a:t>Second level</a:t>
             </a:r>
-            <a:endParaRPr lang="en-US" smtClean="0"/>
           </a:p>
           <a:p>
             <a:pPr lvl="2" eaLnBrk="1" latinLnBrk="0" hangingPunct="1"/>
@@ -4159,7 +4169,6 @@
               <a:rPr lang="en-US" smtClean="0"/>
               <a:t>Third level</a:t>
             </a:r>
-            <a:endParaRPr lang="en-US" smtClean="0"/>
           </a:p>
           <a:p>
             <a:pPr lvl="3" eaLnBrk="1" latinLnBrk="0" hangingPunct="1"/>
@@ -4167,7 +4176,6 @@
               <a:rPr lang="en-US" smtClean="0"/>
               <a:t>Fourth level</a:t>
             </a:r>
-            <a:endParaRPr lang="en-US" smtClean="0"/>
           </a:p>
           <a:p>
             <a:pPr lvl="4" eaLnBrk="1" latinLnBrk="0" hangingPunct="1"/>
@@ -4196,6 +4204,8 @@
           <a:p>
             <a:fld id="{6BF7A8B7-D5C6-40FF-915C-16C28D68FE6D}" type="datetimeFigureOut">
               <a:rPr lang="en-US" smtClean="0"/>
+              <a:pPr/>
+              <a:t>8/9/2021</a:t>
             </a:fld>
             <a:endParaRPr lang="en-US"/>
           </a:p>
@@ -4218,6 +4228,8 @@
           <a:p>
             <a:fld id="{F0D5048F-E515-4015-9843-E58EEDF6A9FF}" type="slidenum">
               <a:rPr lang="en-US" smtClean="0"/>
+              <a:pPr/>
+              <a:t>‹#›</a:t>
             </a:fld>
             <a:endParaRPr lang="en-US"/>
           </a:p>
@@ -4251,7 +4263,7 @@
 </file>
 
 <file path=ppt/slideLayouts/slideLayout9.xml><?xml version="1.0" encoding="utf-8"?>
-<p:sldLayout xmlns:a="http://schemas.openxmlformats.org/drawingml/2006/main" xmlns:r="http://schemas.openxmlformats.org/officeDocument/2006/relationships" xmlns:p="http://schemas.openxmlformats.org/presentationml/2006/main" type="picTx" preserve="1" showMasterSp="0">
+<p:sldLayout xmlns:a="http://schemas.openxmlformats.org/drawingml/2006/main" xmlns:r="http://schemas.openxmlformats.org/officeDocument/2006/relationships" xmlns:p="http://schemas.openxmlformats.org/presentationml/2006/main" showMasterSp="0" type="picTx" preserve="1">
   <p:cSld name="Picture with Caption">
     <p:spTree>
       <p:nvGrpSpPr>
@@ -4491,7 +4503,6 @@
               <a:rPr kumimoji="0" lang="en-US" smtClean="0"/>
               <a:t>Click to edit Master text styles</a:t>
             </a:r>
-            <a:endParaRPr kumimoji="0" lang="en-US" smtClean="0"/>
           </a:p>
         </p:txBody>
       </p:sp>
@@ -4706,6 +4717,8 @@
           <a:p>
             <a:fld id="{6BF7A8B7-D5C6-40FF-915C-16C28D68FE6D}" type="datetimeFigureOut">
               <a:rPr lang="en-US" smtClean="0"/>
+              <a:pPr/>
+              <a:t>8/9/2021</a:t>
             </a:fld>
             <a:endParaRPr lang="en-US"/>
           </a:p>
@@ -4728,6 +4741,8 @@
           <a:p>
             <a:fld id="{F0D5048F-E515-4015-9843-E58EEDF6A9FF}" type="slidenum">
               <a:rPr lang="en-US" smtClean="0"/>
+              <a:pPr/>
+              <a:t>‹#›</a:t>
             </a:fld>
             <a:endParaRPr lang="en-US"/>
           </a:p>
@@ -4884,7 +4899,6 @@
               <a:rPr kumimoji="0" lang="en-US" smtClean="0"/>
               <a:t>Click to edit Master text styles</a:t>
             </a:r>
-            <a:endParaRPr kumimoji="0" lang="en-US" smtClean="0"/>
           </a:p>
           <a:p>
             <a:pPr lvl="1" eaLnBrk="1" latinLnBrk="0" hangingPunct="1"/>
@@ -4892,7 +4906,6 @@
               <a:rPr kumimoji="0" lang="en-US" smtClean="0"/>
               <a:t>Second level</a:t>
             </a:r>
-            <a:endParaRPr kumimoji="0" lang="en-US" smtClean="0"/>
           </a:p>
           <a:p>
             <a:pPr lvl="2" eaLnBrk="1" latinLnBrk="0" hangingPunct="1"/>
@@ -4900,7 +4913,6 @@
               <a:rPr kumimoji="0" lang="en-US" smtClean="0"/>
               <a:t>Third level</a:t>
             </a:r>
-            <a:endParaRPr kumimoji="0" lang="en-US" smtClean="0"/>
           </a:p>
           <a:p>
             <a:pPr lvl="3" eaLnBrk="1" latinLnBrk="0" hangingPunct="1"/>
@@ -4908,7 +4920,6 @@
               <a:rPr kumimoji="0" lang="en-US" smtClean="0"/>
               <a:t>Fourth level</a:t>
             </a:r>
-            <a:endParaRPr kumimoji="0" lang="en-US" smtClean="0"/>
           </a:p>
           <a:p>
             <a:pPr lvl="4" eaLnBrk="1" latinLnBrk="0" hangingPunct="1"/>
@@ -4953,6 +4964,8 @@
           <a:p>
             <a:fld id="{6BF7A8B7-D5C6-40FF-915C-16C28D68FE6D}" type="datetimeFigureOut">
               <a:rPr lang="en-US" smtClean="0"/>
+              <a:pPr/>
+              <a:t>8/9/2021</a:t>
             </a:fld>
             <a:endParaRPr lang="en-US"/>
           </a:p>
@@ -5228,6 +5241,8 @@
           <a:p>
             <a:fld id="{F0D5048F-E515-4015-9843-E58EEDF6A9FF}" type="slidenum">
               <a:rPr lang="en-US" smtClean="0"/>
+              <a:pPr/>
+              <a:t>‹#›</a:t>
             </a:fld>
             <a:endParaRPr lang="en-US"/>
           </a:p>
@@ -5585,6 +5600,15 @@
               </a:rPr>
               <a:t>Personal Loan Campaign</a:t>
             </a:r>
+            <a:r>
+              <a:rPr lang="zh-CN" altLang="en-US" sz="3200" dirty="0" smtClean="0">
+                <a:solidFill>
+                  <a:schemeClr val="tx1"/>
+                </a:solidFill>
+                <a:latin typeface="Century" panose="02040604050505020304" pitchFamily="18" charset="0"/>
+              </a:rPr>
+              <a:t/>
+            </a:r>
             <a:br>
               <a:rPr lang="zh-CN" altLang="en-US" sz="3200" dirty="0" smtClean="0">
                 <a:solidFill>
@@ -5629,9 +5653,6 @@
               </a:rPr>
               <a:t>CoderGirl Data Science </a:t>
             </a:r>
-            <a:endParaRPr lang="en-US" sz="2800" dirty="0" smtClean="0">
-              <a:latin typeface="Century" panose="02040604050505020304" pitchFamily="18" charset="0"/>
-            </a:endParaRPr>
           </a:p>
           <a:p>
             <a:pPr algn="ctr"/>
@@ -5675,9 +5696,6 @@
               </a:rPr>
               <a:t>Tanisha Kapoor</a:t>
             </a:r>
-            <a:endParaRPr lang="en-US" sz="2800" dirty="0" smtClean="0">
-              <a:latin typeface="Century" panose="02040604050505020304" pitchFamily="18" charset="0"/>
-            </a:endParaRPr>
           </a:p>
           <a:p>
             <a:pPr lvl="2"/>
@@ -5702,7 +5720,7 @@
           <p:nvPr/>
         </p:nvPicPr>
         <p:blipFill>
-          <a:blip r:embed="rId1"/>
+          <a:blip r:embed="rId2"/>
           <a:stretch>
             <a:fillRect/>
           </a:stretch>
@@ -5791,7 +5809,7 @@
           <p:nvPr/>
         </p:nvPicPr>
         <p:blipFill>
-          <a:blip r:embed="rId1"/>
+          <a:blip r:embed="rId2"/>
           <a:stretch>
             <a:fillRect/>
           </a:stretch>
@@ -5833,9 +5851,6 @@
               </a:rPr>
               <a:t>Observation :</a:t>
             </a:r>
-            <a:endParaRPr lang="en-US" b="1" dirty="0" smtClean="0">
-              <a:latin typeface="Century" panose="02040604050505020304" pitchFamily="18" charset="0"/>
-            </a:endParaRPr>
           </a:p>
           <a:p>
             <a:endParaRPr lang="en-US" b="1" dirty="0" smtClean="0">
@@ -5954,10 +5969,6 @@
               </a:rPr>
               <a:t>Personal loan doesn't seems to have any major correlation with experience. </a:t>
             </a:r>
-            <a:endParaRPr lang="en-US" sz="1600" dirty="0">
-              <a:latin typeface="Calibri" panose="020F0502020204030204" pitchFamily="34" charset="0"/>
-              <a:cs typeface="Calibri" panose="020F0502020204030204" pitchFamily="34" charset="0"/>
-            </a:endParaRPr>
           </a:p>
           <a:p>
             <a:pPr>
@@ -5971,10 +5982,6 @@
               </a:rPr>
               <a:t>Income and CCAvg have a positive correlation with Mortgage.</a:t>
             </a:r>
-            <a:endParaRPr lang="en-US" sz="1600" dirty="0">
-              <a:latin typeface="Calibri" panose="020F0502020204030204" pitchFamily="34" charset="0"/>
-              <a:cs typeface="Calibri" panose="020F0502020204030204" pitchFamily="34" charset="0"/>
-            </a:endParaRPr>
           </a:p>
           <a:p>
             <a:endParaRPr lang="en-GB" altLang="zh-CN" b="1" dirty="0">
@@ -6080,7 +6087,6 @@
               <a:rPr lang="en-US" altLang="zh-CN" sz="2000" u="sng" dirty="0" smtClean="0"/>
               <a:t>:</a:t>
             </a:r>
-            <a:endParaRPr lang="en-US" altLang="zh-CN" sz="2000" u="sng" dirty="0" smtClean="0"/>
           </a:p>
           <a:p>
             <a:pPr marL="342900" indent="-342900">
@@ -6093,6 +6099,48 @@
               </a:rPr>
               <a:t>Duplicates entries where checked in data set and no duplicate rows were found which indicates Data is clean</a:t>
             </a:r>
+          </a:p>
+          <a:p>
+            <a:pPr marL="342900" indent="-342900">
+              <a:buFont typeface="+mj-lt"/>
+              <a:buAutoNum type="arabicPeriod"/>
+            </a:pPr>
+            <a:r>
+              <a:rPr lang="en-US" altLang="zh-CN" sz="1400" dirty="0" smtClean="0">
+                <a:latin typeface="Century" panose="02040604050505020304" pitchFamily="18" charset="0"/>
+              </a:rPr>
+              <a:t>Zip code was dropped as it doesn’t had any significant impact on target variable </a:t>
+            </a:r>
+          </a:p>
+          <a:p>
+            <a:pPr marL="342900" indent="-342900">
+              <a:buFont typeface="+mj-lt"/>
+              <a:buAutoNum type="arabicPeriod"/>
+            </a:pPr>
+            <a:r>
+              <a:rPr lang="en-US" altLang="zh-CN" sz="1400" dirty="0" smtClean="0">
+                <a:latin typeface="Century" panose="02040604050505020304" pitchFamily="18" charset="0"/>
+              </a:rPr>
+              <a:t>ID also doesn’t had any significant impact on Personal loan, so it was used as Index for Data Frame</a:t>
+            </a:r>
+          </a:p>
+          <a:p>
+            <a:pPr marL="342900" indent="-342900">
+              <a:buFont typeface="+mj-lt"/>
+              <a:buAutoNum type="arabicPeriod"/>
+            </a:pPr>
+            <a:r>
+              <a:rPr lang="en-US" altLang="zh-CN" sz="1400" dirty="0">
+                <a:latin typeface="Century" panose="02040604050505020304" pitchFamily="18" charset="0"/>
+              </a:rPr>
+              <a:t>R</a:t>
+            </a:r>
+            <a:r>
+              <a:rPr lang="en-US" altLang="zh-CN" sz="1400" dirty="0" smtClean="0">
+                <a:latin typeface="Century" panose="02040604050505020304" pitchFamily="18" charset="0"/>
+              </a:rPr>
+              <a:t>emoved outliers from Income,CCAvg, Mortgage and Age variables using IQR </a:t>
+            </a:r>
             <a:endParaRPr lang="en-US" altLang="zh-CN" sz="1400" dirty="0" smtClean="0">
               <a:latin typeface="Century" panose="02040604050505020304" pitchFamily="18" charset="0"/>
             </a:endParaRPr>
@@ -6102,62 +6150,11 @@
               <a:buFont typeface="+mj-lt"/>
               <a:buAutoNum type="arabicPeriod"/>
             </a:pPr>
-            <a:r>
-              <a:rPr lang="en-US" altLang="zh-CN" sz="1400" dirty="0" smtClean="0">
-                <a:latin typeface="Century" panose="02040604050505020304" pitchFamily="18" charset="0"/>
-              </a:rPr>
-              <a:t>Zip code was dropped as it doesn’t had any significant impact on target variable </a:t>
-            </a:r>
             <a:endParaRPr lang="en-US" altLang="zh-CN" sz="1400" dirty="0" smtClean="0">
               <a:latin typeface="Century" panose="02040604050505020304" pitchFamily="18" charset="0"/>
             </a:endParaRPr>
           </a:p>
           <a:p>
-            <a:pPr marL="342900" indent="-342900">
-              <a:buFont typeface="+mj-lt"/>
-              <a:buAutoNum type="arabicPeriod"/>
-            </a:pPr>
-            <a:r>
-              <a:rPr lang="en-US" altLang="zh-CN" sz="1400" dirty="0" smtClean="0">
-                <a:latin typeface="Century" panose="02040604050505020304" pitchFamily="18" charset="0"/>
-              </a:rPr>
-              <a:t>ID also doesn’t had any significant impact on Personal loan, so it was used as Index for Data Frame</a:t>
-            </a:r>
-            <a:endParaRPr lang="en-US" altLang="zh-CN" sz="1400" dirty="0" smtClean="0">
-              <a:latin typeface="Century" panose="02040604050505020304" pitchFamily="18" charset="0"/>
-            </a:endParaRPr>
-          </a:p>
-          <a:p>
-            <a:pPr marL="342900" indent="-342900">
-              <a:buFont typeface="+mj-lt"/>
-              <a:buAutoNum type="arabicPeriod"/>
-            </a:pPr>
-            <a:r>
-              <a:rPr lang="en-US" altLang="zh-CN" sz="1400" dirty="0">
-                <a:latin typeface="Century" panose="02040604050505020304" pitchFamily="18" charset="0"/>
-              </a:rPr>
-              <a:t>R</a:t>
-            </a:r>
-            <a:r>
-              <a:rPr lang="en-US" altLang="zh-CN" sz="1400" dirty="0" smtClean="0">
-                <a:latin typeface="Century" panose="02040604050505020304" pitchFamily="18" charset="0"/>
-              </a:rPr>
-              <a:t>emoved outliers from Income,CCAvg, Mortgage and Age variables using IQR </a:t>
-            </a:r>
-            <a:endParaRPr lang="en-US" altLang="zh-CN" sz="1400" dirty="0" smtClean="0">
-              <a:latin typeface="Century" panose="02040604050505020304" pitchFamily="18" charset="0"/>
-            </a:endParaRPr>
-          </a:p>
-          <a:p>
-            <a:pPr marL="342900" indent="-342900">
-              <a:buFont typeface="+mj-lt"/>
-              <a:buAutoNum type="arabicPeriod"/>
-            </a:pPr>
-            <a:endParaRPr lang="en-US" altLang="zh-CN" sz="1400" dirty="0" smtClean="0">
-              <a:latin typeface="Century" panose="02040604050505020304" pitchFamily="18" charset="0"/>
-            </a:endParaRPr>
-          </a:p>
-          <a:p>
             <a:r>
               <a:rPr lang="en-US" altLang="zh-CN" b="1" u="sng" dirty="0" smtClean="0"/>
               <a:t>Feature Engineering</a:t>
@@ -6166,7 +6163,6 @@
               <a:rPr lang="en-US" altLang="zh-CN" dirty="0" smtClean="0"/>
               <a:t>:</a:t>
             </a:r>
-            <a:endParaRPr lang="en-US" altLang="zh-CN" dirty="0" smtClean="0"/>
           </a:p>
           <a:p>
             <a:r>
@@ -6175,9 +6171,6 @@
               </a:rPr>
               <a:t>New Feature Bank_Services was used:</a:t>
             </a:r>
-            <a:endParaRPr lang="en-US" altLang="zh-CN" sz="1400" dirty="0" smtClean="0">
-              <a:latin typeface="Century" panose="02040604050505020304" pitchFamily="18" charset="0"/>
-            </a:endParaRPr>
           </a:p>
           <a:p>
             <a:pPr marL="285750" indent="-285750">
@@ -6190,9 +6183,6 @@
               </a:rPr>
               <a:t>Variable Bank_Services  was created combining Online and Credit card Variable &amp; correlation with Personal loan was checked</a:t>
             </a:r>
-            <a:endParaRPr lang="en-US" altLang="zh-CN" sz="1400" dirty="0" smtClean="0">
-              <a:latin typeface="Century" panose="02040604050505020304" pitchFamily="18" charset="0"/>
-            </a:endParaRPr>
           </a:p>
           <a:p>
             <a:pPr marL="285750" indent="-285750">
@@ -6205,9 +6195,6 @@
               </a:rPr>
               <a:t>New variable had better correlation with personal loan as compared to online and Credit card, so we dropped Online &amp; CreditCard</a:t>
             </a:r>
-            <a:endParaRPr lang="en-US" altLang="zh-CN" sz="1400" dirty="0" smtClean="0">
-              <a:latin typeface="Century" panose="02040604050505020304" pitchFamily="18" charset="0"/>
-            </a:endParaRPr>
           </a:p>
           <a:p>
             <a:pPr marL="285750" indent="-285750">
@@ -6230,7 +6217,6 @@
               <a:rPr lang="en-US" altLang="zh-CN" dirty="0" smtClean="0"/>
               <a:t>(Variance –Inflation factor)</a:t>
             </a:r>
-            <a:endParaRPr lang="en-US" altLang="zh-CN" dirty="0" smtClean="0"/>
           </a:p>
           <a:p>
             <a:pPr marL="285750" indent="-285750">
@@ -6306,9 +6292,6 @@
               </a:rPr>
               <a:t> and also age was more </a:t>
             </a:r>
-            <a:endParaRPr lang="en-US" sz="1400" dirty="0" smtClean="0">
-              <a:latin typeface="Century" panose="02040604050505020304" pitchFamily="18" charset="0"/>
-            </a:endParaRPr>
           </a:p>
           <a:p>
             <a:pPr marL="285750" indent="-285750"/>
@@ -6318,9 +6301,6 @@
               </a:rPr>
               <a:t>     better at predicting the target variable</a:t>
             </a:r>
-            <a:endParaRPr lang="en-US" altLang="zh-CN" sz="1400" dirty="0" smtClean="0">
-              <a:latin typeface="Century" panose="02040604050505020304" pitchFamily="18" charset="0"/>
-            </a:endParaRPr>
           </a:p>
           <a:p>
             <a:pPr marL="285750" indent="-285750"/>
@@ -6334,7 +6314,6 @@
               <a:rPr lang="en-US" altLang="zh-CN" b="1" u="sng" dirty="0" smtClean="0"/>
               <a:t>Feature Selection:</a:t>
             </a:r>
-            <a:endParaRPr lang="en-US" altLang="zh-CN" b="1" u="sng" dirty="0" smtClean="0"/>
           </a:p>
           <a:p>
             <a:pPr marL="285750" indent="-285750">
@@ -6347,9 +6326,6 @@
               </a:rPr>
               <a:t>Selected features using RFE technique </a:t>
             </a:r>
-            <a:endParaRPr lang="en-US" altLang="zh-CN" sz="1400" dirty="0" smtClean="0">
-              <a:latin typeface="Century" panose="02040604050505020304" pitchFamily="18" charset="0"/>
-            </a:endParaRPr>
           </a:p>
           <a:p>
             <a:pPr marL="285750" indent="-285750">
@@ -6429,7 +6405,7 @@
           <p:nvPr/>
         </p:nvPicPr>
         <p:blipFill>
-          <a:blip r:embed="rId1"/>
+          <a:blip r:embed="rId2"/>
           <a:stretch>
             <a:fillRect/>
           </a:stretch>
@@ -6485,7 +6461,7 @@
         <p:spPr>
           <a:xfrm>
             <a:off x="406294" y="152400"/>
-            <a:ext cx="10157354" cy="8433078"/>
+            <a:ext cx="10157354" cy="8863965"/>
           </a:xfrm>
           <a:prstGeom prst="rect">
             <a:avLst/>
@@ -6533,9 +6509,6 @@
               </a:rPr>
               <a:t>:</a:t>
             </a:r>
-            <a:endParaRPr lang="en-US" sz="1400" b="1" dirty="0" smtClean="0">
-              <a:latin typeface="Century" panose="02040604050505020304" pitchFamily="18" charset="0"/>
-            </a:endParaRPr>
           </a:p>
           <a:p>
             <a:pPr algn="just">
@@ -6546,7 +6519,31 @@
               <a:rPr lang="en-US" sz="1400" dirty="0" smtClean="0">
                 <a:latin typeface="Century" panose="02040604050505020304" pitchFamily="18" charset="0"/>
               </a:rPr>
-              <a:t>Logistic Regression </a:t>
+              <a:t> Logistic </a:t>
+            </a:r>
+            <a:r>
+              <a:rPr lang="en-US" sz="1400" dirty="0" smtClean="0">
+                <a:latin typeface="Century" panose="02040604050505020304" pitchFamily="18" charset="0"/>
+              </a:rPr>
+              <a:t>Regression </a:t>
+            </a:r>
+          </a:p>
+          <a:p>
+            <a:pPr algn="just">
+              <a:buFont typeface="Arial" panose="020B0604020202020204" pitchFamily="34" charset="0"/>
+              <a:buChar char="•"/>
+            </a:pPr>
+            <a:r>
+              <a:rPr lang="en-US" sz="1400" dirty="0" smtClean="0">
+                <a:latin typeface="Century" panose="02040604050505020304" pitchFamily="18" charset="0"/>
+              </a:rPr>
+              <a:t> K-Nearest </a:t>
+            </a:r>
+            <a:r>
+              <a:rPr lang="en-US" sz="1400" dirty="0" err="1" smtClean="0">
+                <a:latin typeface="Century" panose="02040604050505020304" pitchFamily="18" charset="0"/>
+              </a:rPr>
+              <a:t>Neighbours</a:t>
             </a:r>
             <a:endParaRPr lang="en-US" sz="1400" dirty="0" smtClean="0">
               <a:latin typeface="Century" panose="02040604050505020304" pitchFamily="18" charset="0"/>
@@ -6561,70 +6558,64 @@
               <a:rPr lang="en-US" sz="1400" dirty="0" smtClean="0">
                 <a:latin typeface="Century" panose="02040604050505020304" pitchFamily="18" charset="0"/>
               </a:rPr>
-              <a:t>K-Nearest </a:t>
+              <a:t> Decision </a:t>
+            </a:r>
+            <a:r>
+              <a:rPr lang="en-US" sz="1400" dirty="0" smtClean="0">
+                <a:latin typeface="Century" panose="02040604050505020304" pitchFamily="18" charset="0"/>
+              </a:rPr>
+              <a:t>Trees Classifier</a:t>
+            </a:r>
+          </a:p>
+          <a:p>
+            <a:pPr algn="just">
+              <a:buFont typeface="Arial" panose="020B0604020202020204" pitchFamily="34" charset="0"/>
+              <a:buChar char="•"/>
+            </a:pPr>
+            <a:r>
+              <a:rPr lang="en-US" sz="1400" dirty="0" smtClean="0">
+                <a:latin typeface="Century" panose="02040604050505020304" pitchFamily="18" charset="0"/>
+              </a:rPr>
+              <a:t> Random </a:t>
+            </a:r>
+            <a:r>
+              <a:rPr lang="en-US" sz="1400" dirty="0" smtClean="0">
+                <a:latin typeface="Century" panose="02040604050505020304" pitchFamily="18" charset="0"/>
+              </a:rPr>
+              <a:t>Forest Classifier</a:t>
+            </a:r>
+          </a:p>
+          <a:p>
+            <a:pPr algn="just">
+              <a:buFont typeface="Arial" panose="020B0604020202020204" pitchFamily="34" charset="0"/>
+              <a:buChar char="•"/>
+            </a:pPr>
+            <a:r>
+              <a:rPr lang="en-US" sz="1400" dirty="0" smtClean="0">
+                <a:latin typeface="Century" panose="02040604050505020304" pitchFamily="18" charset="0"/>
+              </a:rPr>
+              <a:t> </a:t>
             </a:r>
             <a:r>
               <a:rPr lang="en-US" sz="1400" dirty="0" err="1" smtClean="0">
                 <a:latin typeface="Century" panose="02040604050505020304" pitchFamily="18" charset="0"/>
               </a:rPr>
-              <a:t>Neighbours</a:t>
-            </a:r>
+              <a:t>Xgboost</a:t>
+            </a:r>
+            <a:r>
+              <a:rPr lang="en-US" sz="1400" dirty="0" smtClean="0">
+                <a:latin typeface="Century" panose="02040604050505020304" pitchFamily="18" charset="0"/>
+              </a:rPr>
+              <a:t> Classifier</a:t>
+            </a:r>
+          </a:p>
+          <a:p>
+            <a:pPr algn="just"/>
             <a:endParaRPr lang="en-US" sz="1400" dirty="0" smtClean="0">
               <a:latin typeface="Century" panose="02040604050505020304" pitchFamily="18" charset="0"/>
             </a:endParaRPr>
           </a:p>
           <a:p>
-            <a:pPr algn="just">
-              <a:buFont typeface="Arial" panose="020B0604020202020204" pitchFamily="34" charset="0"/>
-              <a:buChar char="•"/>
-            </a:pPr>
-            <a:r>
-              <a:rPr lang="en-US" sz="1400" dirty="0" smtClean="0">
-                <a:latin typeface="Century" panose="02040604050505020304" pitchFamily="18" charset="0"/>
-              </a:rPr>
-              <a:t>Decision Trees Classifier</a:t>
-            </a:r>
-            <a:endParaRPr lang="en-US" sz="1400" dirty="0" smtClean="0">
-              <a:latin typeface="Century" panose="02040604050505020304" pitchFamily="18" charset="0"/>
-            </a:endParaRPr>
-          </a:p>
-          <a:p>
-            <a:pPr algn="just">
-              <a:buFont typeface="Arial" panose="020B0604020202020204" pitchFamily="34" charset="0"/>
-              <a:buChar char="•"/>
-            </a:pPr>
-            <a:r>
-              <a:rPr lang="en-US" sz="1400" dirty="0" smtClean="0">
-                <a:latin typeface="Century" panose="02040604050505020304" pitchFamily="18" charset="0"/>
-              </a:rPr>
-              <a:t>Random Forest Classifier</a:t>
-            </a:r>
-            <a:endParaRPr lang="en-US" sz="1400" dirty="0" smtClean="0">
-              <a:latin typeface="Century" panose="02040604050505020304" pitchFamily="18" charset="0"/>
-            </a:endParaRPr>
-          </a:p>
-          <a:p>
-            <a:pPr algn="just">
-              <a:buFont typeface="Arial" panose="020B0604020202020204" pitchFamily="34" charset="0"/>
-              <a:buChar char="•"/>
-            </a:pPr>
-            <a:r>
-              <a:rPr lang="en-US" sz="1400" dirty="0" err="1" smtClean="0">
-                <a:latin typeface="Century" panose="02040604050505020304" pitchFamily="18" charset="0"/>
-              </a:rPr>
-              <a:t>Xgboost</a:t>
-            </a:r>
-            <a:r>
-              <a:rPr lang="en-US" sz="1400" dirty="0" smtClean="0">
-                <a:latin typeface="Century" panose="02040604050505020304" pitchFamily="18" charset="0"/>
-              </a:rPr>
-              <a:t> Classifier</a:t>
-            </a:r>
-            <a:endParaRPr lang="en-US" sz="1400" dirty="0" smtClean="0">
-              <a:latin typeface="Century" panose="02040604050505020304" pitchFamily="18" charset="0"/>
-            </a:endParaRPr>
-          </a:p>
-          <a:p>
             <a:r>
               <a:rPr lang="en-US" sz="2000" b="1" u="sng" dirty="0" smtClean="0">
                 <a:latin typeface="Century" panose="02040604050505020304" pitchFamily="18" charset="0"/>
@@ -6640,9 +6631,12 @@
             </a:pPr>
             <a:r>
               <a:rPr lang="en-US" sz="1400" dirty="0" smtClean="0"/>
-              <a:t>Recall would be our evaluation metric as we would not like to miss customer who wanted to take personal loan but was identified as not interested customer by the model.</a:t>
-            </a:r>
-            <a:endParaRPr lang="en-US" sz="1400" dirty="0" smtClean="0"/>
+              <a:t> Recall </a:t>
+            </a:r>
+            <a:r>
+              <a:rPr lang="en-US" sz="1400" dirty="0" smtClean="0"/>
+              <a:t>would be our evaluation metric as we would not like to miss customer who wanted to take personal loan but was identified as not interested customer by the model.</a:t>
+            </a:r>
           </a:p>
           <a:p>
             <a:pPr>
@@ -6651,9 +6645,12 @@
             </a:pPr>
             <a:r>
               <a:rPr lang="en-US" sz="1400" dirty="0" smtClean="0"/>
-              <a:t>This would be a huge loss for the bank.</a:t>
-            </a:r>
-            <a:endParaRPr lang="en-US" sz="1400" dirty="0" smtClean="0"/>
+              <a:t> This </a:t>
+            </a:r>
+            <a:r>
+              <a:rPr lang="en-US" sz="1400" dirty="0" smtClean="0"/>
+              <a:t>would be a huge loss for the bank.</a:t>
+            </a:r>
           </a:p>
           <a:p>
             <a:pPr>
@@ -6662,81 +6659,101 @@
             </a:pPr>
             <a:r>
               <a:rPr lang="en-US" sz="1400" dirty="0" smtClean="0"/>
-              <a:t>The whole purpose of the campaign was to target such customers.</a:t>
-            </a:r>
+              <a:t> The </a:t>
+            </a:r>
+            <a:r>
+              <a:rPr lang="en-US" sz="1400" dirty="0" smtClean="0"/>
+              <a:t>whole purpose of the campaign was to target such customers</a:t>
+            </a:r>
+            <a:r>
+              <a:rPr lang="en-US" sz="1400" dirty="0" smtClean="0"/>
+              <a:t>.</a:t>
+            </a:r>
+          </a:p>
+          <a:p>
+            <a:pPr>
+              <a:buFont typeface="Arial" panose="020B0604020202020204" pitchFamily="34" charset="0"/>
+              <a:buChar char="•"/>
+            </a:pPr>
             <a:endParaRPr lang="en-US" sz="1400" dirty="0" smtClean="0"/>
           </a:p>
           <a:p>
             <a:r>
-              <a:rPr lang="en-US" altLang="zh-CN" sz="2000" b="1" u="sng" dirty="0" err="1" smtClean="0">
-                <a:latin typeface="Century" panose="02040604050505020304" pitchFamily="18" charset="0"/>
-              </a:rPr>
-              <a:t>Modelling</a:t>
-            </a:r>
-            <a:r>
               <a:rPr lang="en-US" altLang="zh-CN" sz="2000" b="1" u="sng" dirty="0" smtClean="0">
                 <a:latin typeface="Century" panose="02040604050505020304" pitchFamily="18" charset="0"/>
               </a:rPr>
-              <a:t> Steps:</a:t>
+              <a:t>Modelling Steps</a:t>
+            </a:r>
+            <a:r>
+              <a:rPr lang="en-US" altLang="zh-CN" sz="2000" b="1" u="sng" dirty="0" smtClean="0">
+                <a:latin typeface="Century" panose="02040604050505020304" pitchFamily="18" charset="0"/>
+              </a:rPr>
+              <a:t>:</a:t>
             </a:r>
             <a:endParaRPr lang="en-US" altLang="zh-CN" dirty="0" smtClean="0"/>
           </a:p>
           <a:p>
             <a:pPr marL="342900" indent="-342900">
-              <a:buFont typeface="Arial" panose="020B0604020202020204" pitchFamily="34" charset="0"/>
+              <a:buFont typeface="Arial" pitchFamily="34" charset="0"/>
               <a:buChar char="•"/>
             </a:pPr>
             <a:r>
               <a:rPr lang="en-US" altLang="zh-CN" sz="1400" dirty="0" smtClean="0"/>
               <a:t>Identify the Dependent and Independent variables. Personal Loan will be dependent/target variable in our case</a:t>
             </a:r>
-            <a:endParaRPr lang="en-US" altLang="zh-CN" sz="1400" dirty="0" smtClean="0"/>
           </a:p>
           <a:p>
             <a:pPr marL="342900" indent="-342900">
-              <a:buFont typeface="Arial" panose="020B0604020202020204" pitchFamily="34" charset="0"/>
+              <a:buFont typeface="Arial" pitchFamily="34" charset="0"/>
               <a:buChar char="•"/>
             </a:pPr>
             <a:r>
               <a:rPr lang="en-US" altLang="zh-CN" sz="1400" dirty="0" smtClean="0"/>
               <a:t>Split the Data into Train and test</a:t>
             </a:r>
-            <a:endParaRPr lang="en-US" altLang="zh-CN" sz="1400" dirty="0" smtClean="0"/>
           </a:p>
           <a:p>
             <a:pPr marL="342900" indent="-342900">
-              <a:buFont typeface="Arial" panose="020B0604020202020204" pitchFamily="34" charset="0"/>
+              <a:buFont typeface="Arial" pitchFamily="34" charset="0"/>
               <a:buChar char="•"/>
             </a:pPr>
             <a:r>
               <a:rPr lang="en-US" altLang="zh-CN" sz="1400" dirty="0" smtClean="0"/>
               <a:t>Standardize the data using StandardScaler</a:t>
             </a:r>
-            <a:endParaRPr lang="en-US" altLang="zh-CN" sz="1400" dirty="0" smtClean="0"/>
           </a:p>
           <a:p>
             <a:pPr marL="342900" indent="-342900">
-              <a:buFont typeface="Arial" panose="020B0604020202020204" pitchFamily="34" charset="0"/>
+              <a:buFont typeface="Arial" pitchFamily="34" charset="0"/>
               <a:buChar char="•"/>
             </a:pPr>
             <a:r>
               <a:rPr lang="en-US" altLang="zh-CN" sz="1400" dirty="0" smtClean="0"/>
               <a:t>Model Building</a:t>
             </a:r>
+          </a:p>
+          <a:p>
+            <a:pPr marL="342900" indent="-342900">
+              <a:buFont typeface="Arial" pitchFamily="34" charset="0"/>
+              <a:buChar char="•"/>
+            </a:pPr>
+            <a:r>
+              <a:rPr lang="en-US" altLang="zh-CN" sz="1400" dirty="0" smtClean="0"/>
+              <a:t>Evaluating model performance using different </a:t>
+            </a:r>
+            <a:r>
+              <a:rPr lang="en-US" altLang="zh-CN" sz="1400" dirty="0" smtClean="0"/>
+              <a:t>metrics</a:t>
+            </a:r>
+          </a:p>
+          <a:p>
+            <a:pPr marL="342900" indent="-342900">
+              <a:buFont typeface="Arial" pitchFamily="34" charset="0"/>
+              <a:buChar char="•"/>
+            </a:pPr>
             <a:endParaRPr lang="en-US" altLang="zh-CN" sz="1400" dirty="0" smtClean="0"/>
           </a:p>
           <a:p>
-            <a:pPr marL="342900" indent="-342900">
-              <a:buFont typeface="Arial" panose="020B0604020202020204" pitchFamily="34" charset="0"/>
-              <a:buChar char="•"/>
-            </a:pPr>
-            <a:r>
-              <a:rPr lang="en-US" altLang="zh-CN" sz="1400" dirty="0" smtClean="0"/>
-              <a:t>Evaluating model performance using different metrics</a:t>
-            </a:r>
-            <a:endParaRPr lang="en-US" altLang="zh-CN" sz="1400" dirty="0" smtClean="0"/>
-          </a:p>
-          <a:p>
             <a:pPr marL="342900" indent="-342900"/>
             <a:r>
               <a:rPr lang="en-US" altLang="zh-CN" sz="2000" b="1" u="sng" dirty="0" smtClean="0">
@@ -6744,9 +6761,6 @@
               </a:rPr>
               <a:t>Target Visualization :</a:t>
             </a:r>
-            <a:endParaRPr lang="en-US" altLang="zh-CN" sz="2000" b="1" u="sng" dirty="0" smtClean="0">
-              <a:latin typeface="Century" panose="02040604050505020304" pitchFamily="18" charset="0"/>
-            </a:endParaRPr>
           </a:p>
           <a:p>
             <a:pPr>
@@ -6757,11 +6771,14 @@
               <a:rPr lang="en-US" sz="1400" dirty="0" smtClean="0">
                 <a:latin typeface="Century" panose="02040604050505020304" pitchFamily="18" charset="0"/>
               </a:rPr>
-              <a:t>Target variable(Personal_Loan)  has highly imbalanced class distribution. </a:t>
-            </a:r>
-            <a:endParaRPr lang="en-US" sz="1400" dirty="0" smtClean="0">
-              <a:latin typeface="Century" panose="02040604050505020304" pitchFamily="18" charset="0"/>
-            </a:endParaRPr>
+              <a:t> Target </a:t>
+            </a:r>
+            <a:r>
+              <a:rPr lang="en-US" sz="1400" dirty="0" smtClean="0">
+                <a:latin typeface="Century" panose="02040604050505020304" pitchFamily="18" charset="0"/>
+              </a:rPr>
+              <a:t>variable(Personal_Loan)  has highly imbalanced class distribution. </a:t>
+            </a:r>
           </a:p>
           <a:p>
             <a:pPr>
@@ -6772,11 +6789,14 @@
               <a:rPr lang="en-US" sz="1400" dirty="0" smtClean="0">
                 <a:latin typeface="Century" panose="02040604050505020304" pitchFamily="18" charset="0"/>
               </a:rPr>
-              <a:t>Negative class (Personal_Loan=0) is much high than </a:t>
-            </a:r>
-            <a:endParaRPr lang="en-US" sz="1400" dirty="0" smtClean="0">
-              <a:latin typeface="Century" panose="02040604050505020304" pitchFamily="18" charset="0"/>
-            </a:endParaRPr>
+              <a:t> Negative </a:t>
+            </a:r>
+            <a:r>
+              <a:rPr lang="en-US" sz="1400" dirty="0" smtClean="0">
+                <a:latin typeface="Century" panose="02040604050505020304" pitchFamily="18" charset="0"/>
+              </a:rPr>
+              <a:t>class (Personal_Loan=0) is much high than </a:t>
+            </a:r>
           </a:p>
           <a:p>
             <a:r>
@@ -6785,9 +6805,6 @@
               </a:rPr>
               <a:t> positive class (Personal_Loan=1).</a:t>
             </a:r>
-            <a:endParaRPr lang="en-US" sz="1400" dirty="0" smtClean="0">
-              <a:latin typeface="Century" panose="02040604050505020304" pitchFamily="18" charset="0"/>
-            </a:endParaRPr>
           </a:p>
           <a:p>
             <a:pPr>
@@ -6798,11 +6815,14 @@
               <a:rPr lang="en-US" sz="1400" dirty="0" smtClean="0">
                 <a:latin typeface="Century" panose="02040604050505020304" pitchFamily="18" charset="0"/>
               </a:rPr>
-              <a:t>Imbalanced class distributions influence the performance of a machine</a:t>
-            </a:r>
-            <a:endParaRPr lang="en-US" sz="1400" dirty="0" smtClean="0">
-              <a:latin typeface="Century" panose="02040604050505020304" pitchFamily="18" charset="0"/>
-            </a:endParaRPr>
+              <a:t> Imbalanced </a:t>
+            </a:r>
+            <a:r>
+              <a:rPr lang="en-US" sz="1400" dirty="0" smtClean="0">
+                <a:latin typeface="Century" panose="02040604050505020304" pitchFamily="18" charset="0"/>
+              </a:rPr>
+              <a:t>class distributions influence the performance of a machine</a:t>
+            </a:r>
           </a:p>
           <a:p>
             <a:r>
@@ -6811,9 +6831,6 @@
               </a:rPr>
               <a:t> learning model negatively.</a:t>
             </a:r>
-            <a:endParaRPr lang="en-US" sz="1400" dirty="0" smtClean="0">
-              <a:latin typeface="Century" panose="02040604050505020304" pitchFamily="18" charset="0"/>
-            </a:endParaRPr>
           </a:p>
           <a:p>
             <a:pPr>
@@ -6824,11 +6841,14 @@
               <a:rPr lang="en-US" sz="1400" dirty="0" smtClean="0">
                 <a:latin typeface="Century" panose="02040604050505020304" pitchFamily="18" charset="0"/>
               </a:rPr>
-              <a:t>We used oversampling techniques to overcome this issue</a:t>
-            </a:r>
-            <a:endParaRPr lang="en-US" sz="1400" dirty="0" smtClean="0">
-              <a:latin typeface="Century" panose="02040604050505020304" pitchFamily="18" charset="0"/>
-            </a:endParaRPr>
+              <a:t> We </a:t>
+            </a:r>
+            <a:r>
+              <a:rPr lang="en-US" sz="1400" dirty="0" smtClean="0">
+                <a:latin typeface="Century" panose="02040604050505020304" pitchFamily="18" charset="0"/>
+              </a:rPr>
+              <a:t>used oversampling techniques to overcome this issue</a:t>
+            </a:r>
           </a:p>
           <a:p>
             <a:r>
@@ -6849,9 +6869,6 @@
               </a:rPr>
               <a:t>.</a:t>
             </a:r>
-            <a:endParaRPr lang="en-US" sz="1400" dirty="0" smtClean="0">
-              <a:latin typeface="Century" panose="02040604050505020304" pitchFamily="18" charset="0"/>
-            </a:endParaRPr>
           </a:p>
           <a:p>
             <a:endParaRPr lang="en-US" sz="2000" dirty="0" smtClean="0">
@@ -6897,7 +6914,7 @@
           <p:nvPr/>
         </p:nvPicPr>
         <p:blipFill>
-          <a:blip r:embed="rId1"/>
+          <a:blip r:embed="rId2"/>
           <a:stretch>
             <a:fillRect/>
           </a:stretch>
@@ -6963,17 +6980,8 @@
               <a:rPr lang="en-US" b="1" u="sng" dirty="0" smtClean="0">
                 <a:latin typeface="Century" panose="02040604050505020304" pitchFamily="18" charset="0"/>
               </a:rPr>
-              <a:t>Logistic Regression  </a:t>
-            </a:r>
-            <a:r>
-              <a:rPr lang="en-US" b="1" u="sng" dirty="0" smtClean="0">
-                <a:latin typeface="Century" panose="02040604050505020304" pitchFamily="18" charset="0"/>
-              </a:rPr>
-              <a:t>Overview :</a:t>
-            </a:r>
-            <a:endParaRPr lang="en-US" b="1" u="sng" dirty="0" smtClean="0">
-              <a:latin typeface="Century" panose="02040604050505020304" pitchFamily="18" charset="0"/>
-            </a:endParaRPr>
+              <a:t>Logistic Regression  Overview :</a:t>
+            </a:r>
           </a:p>
           <a:p>
             <a:pPr>
@@ -6998,9 +7006,6 @@
               </a:rPr>
               <a:t> is used when the dependent variable is not a number but something else (e.g., a "yes/no" response). </a:t>
             </a:r>
-            <a:endParaRPr lang="en-US" sz="1400" dirty="0" smtClean="0">
-              <a:latin typeface="Century" panose="02040604050505020304" pitchFamily="18" charset="0"/>
-            </a:endParaRPr>
           </a:p>
           <a:p>
             <a:pPr>
@@ -7013,9 +7018,6 @@
               </a:rPr>
               <a:t>It's called regression but performs classification based on the regression and it classifies the dependent variable into either of the classes.</a:t>
             </a:r>
-            <a:endParaRPr lang="en-US" sz="1400" dirty="0" smtClean="0">
-              <a:latin typeface="Century" panose="02040604050505020304" pitchFamily="18" charset="0"/>
-            </a:endParaRPr>
           </a:p>
           <a:p>
             <a:r>
@@ -7024,9 +7026,6 @@
               </a:rPr>
               <a:t>Reasons for choosing :</a:t>
             </a:r>
-            <a:endParaRPr lang="en-US" b="1" u="sng" dirty="0" smtClean="0">
-              <a:latin typeface="Century" panose="02040604050505020304" pitchFamily="18" charset="0"/>
-            </a:endParaRPr>
           </a:p>
           <a:p>
             <a:pPr>
@@ -7045,7 +7044,6 @@
               <a:rPr lang="en-US" sz="1400" dirty="0" smtClean="0"/>
               <a:t>.</a:t>
             </a:r>
-            <a:endParaRPr lang="en-US" sz="1400" dirty="0" smtClean="0"/>
           </a:p>
           <a:p>
             <a:pPr>
@@ -7064,7 +7062,6 @@
               <a:rPr lang="en-US" sz="1400" dirty="0" smtClean="0"/>
               <a:t>prevented the model from overfitting. </a:t>
             </a:r>
-            <a:endParaRPr lang="en-US" sz="1400" dirty="0" smtClean="0"/>
           </a:p>
           <a:p>
             <a:pPr>
@@ -7083,7 +7080,6 @@
               <a:rPr lang="en-US" sz="1400" dirty="0" smtClean="0"/>
               <a:t>.</a:t>
             </a:r>
-            <a:endParaRPr lang="en-US" sz="1400" dirty="0" smtClean="0"/>
           </a:p>
           <a:p>
             <a:pPr>
@@ -7118,7 +7114,6 @@
               <a:rPr lang="en-US" sz="1400" dirty="0" smtClean="0"/>
               <a:t>variable.</a:t>
             </a:r>
-            <a:endParaRPr lang="en-US" sz="1400" dirty="0" smtClean="0"/>
           </a:p>
           <a:p>
             <a:r>
@@ -7127,9 +7122,6 @@
               </a:rPr>
               <a:t>Different variations :</a:t>
             </a:r>
-            <a:endParaRPr lang="en-US" b="1" u="sng" dirty="0" smtClean="0">
-              <a:latin typeface="Century" panose="02040604050505020304" pitchFamily="18" charset="0"/>
-            </a:endParaRPr>
           </a:p>
           <a:p>
             <a:pPr>
@@ -7146,9 +7138,6 @@
               </a:rPr>
               <a:t>LR_Model_1 (Without balancing the classes) </a:t>
             </a:r>
-            <a:endParaRPr lang="en-US" sz="1400" dirty="0" smtClean="0">
-              <a:latin typeface="Century" panose="02040604050505020304" pitchFamily="18" charset="0"/>
-            </a:endParaRPr>
           </a:p>
           <a:p>
             <a:pPr>
@@ -7191,9 +7180,6 @@
               </a:rPr>
               <a:t>)</a:t>
             </a:r>
-            <a:endParaRPr lang="en-US" sz="1400" dirty="0">
-              <a:latin typeface="Century" panose="02040604050505020304" pitchFamily="18" charset="0"/>
-            </a:endParaRPr>
           </a:p>
           <a:p>
             <a:pPr>
@@ -7219,16 +7205,12 @@
               </a:rPr>
               <a:t>Observations on these models:</a:t>
             </a:r>
-            <a:endParaRPr lang="en-US" b="1" u="sng" dirty="0" smtClean="0">
-              <a:latin typeface="Century" panose="02040604050505020304" pitchFamily="18" charset="0"/>
-            </a:endParaRPr>
           </a:p>
           <a:p>
             <a:r>
               <a:rPr lang="en-US" sz="1400" dirty="0"/>
               <a:t>LR_Model_1:</a:t>
             </a:r>
-            <a:endParaRPr lang="en-US" sz="1400" dirty="0"/>
           </a:p>
           <a:p>
             <a:pPr>
@@ -7255,14 +7237,12 @@
               <a:rPr lang="en-US" sz="1400" dirty="0"/>
               <a:t>balanced.</a:t>
             </a:r>
-            <a:endParaRPr lang="en-US" sz="1400" dirty="0"/>
           </a:p>
           <a:p>
             <a:r>
               <a:rPr lang="en-US" sz="1400" dirty="0"/>
               <a:t>LR_Model_2:</a:t>
             </a:r>
-            <a:endParaRPr lang="en-US" sz="1400" dirty="0"/>
           </a:p>
           <a:p>
             <a:pPr>
@@ -7324,7 +7304,6 @@
               <a:rPr lang="en-US" sz="1400" dirty="0"/>
               <a:t>LR_Model_3:</a:t>
             </a:r>
-            <a:endParaRPr lang="en-US" sz="1400" dirty="0"/>
           </a:p>
           <a:p>
             <a:pPr>
@@ -7379,7 +7358,6 @@
               <a:rPr lang="en-US" sz="1400" dirty="0" smtClean="0"/>
               <a:t>.</a:t>
             </a:r>
-            <a:endParaRPr lang="en-US" sz="1400" dirty="0" smtClean="0"/>
           </a:p>
           <a:p>
             <a:r>
@@ -7425,7 +7403,6 @@
               <a:rPr lang="en-US" sz="1400" dirty="0"/>
               <a:t>Therefore, we would be considering this model for further analysis.</a:t>
             </a:r>
-            <a:endParaRPr lang="en-US" sz="1400" dirty="0"/>
           </a:p>
           <a:p>
             <a:pPr>
@@ -7608,98 +7585,6 @@
           <a:chExt cx="0" cy="0"/>
         </a:xfrm>
       </p:grpSpPr>
-      <p:graphicFrame>
-        <p:nvGraphicFramePr>
-          <p:cNvPr id="7" name="Table 6"/>
-          <p:cNvGraphicFramePr>
-            <a:graphicFrameLocks noGrp="1"/>
-          </p:cNvGraphicFramePr>
-          <p:nvPr/>
-        </p:nvGraphicFramePr>
-        <p:xfrm>
-          <a:off x="531812" y="533400"/>
-          <a:ext cx="10972800" cy="3352800"/>
-        </p:xfrm>
-        <a:graphic>
-          <a:graphicData uri="http://schemas.openxmlformats.org/drawingml/2006/table">
-            <a:tbl>
-              <a:tblPr firstRow="1" bandRow="1">
-                <a:tableStyleId>{5C22544A-7EE6-4342-B048-85BDC9FD1C3A}</a:tableStyleId>
-              </a:tblPr>
-              <a:tblGrid>
-                <a:gridCol w="4867615"/>
-                <a:gridCol w="6105185"/>
-              </a:tblGrid>
-              <a:tr h="417314">
-                <a:tc>
-                  <a:txBody>
-                    <a:bodyPr/>
-                    <a:lstStyle/>
-                    <a:p>
-                      <a:pPr algn="ctr"/>
-                      <a:r>
-                        <a:rPr lang="en-US" altLang="zh-CN" dirty="0" smtClean="0"/>
-                        <a:t>Prediction</a:t>
-                      </a:r>
-                      <a:r>
-                        <a:rPr lang="en-US" altLang="zh-CN" baseline="0" dirty="0" smtClean="0"/>
-                        <a:t> on Train Data Set</a:t>
-                      </a:r>
-                      <a:endParaRPr lang="zh-CN" altLang="en-US" dirty="0"/>
-                    </a:p>
-                  </a:txBody>
-                  <a:tcPr/>
-                </a:tc>
-                <a:tc>
-                  <a:txBody>
-                    <a:bodyPr/>
-                    <a:lstStyle/>
-                    <a:p>
-                      <a:pPr algn="ctr"/>
-                      <a:r>
-                        <a:rPr lang="en-US" altLang="zh-CN" dirty="0" smtClean="0"/>
-                        <a:t>Prediction on Test Data Set</a:t>
-                      </a:r>
-                      <a:endParaRPr lang="zh-CN" altLang="en-US" dirty="0"/>
-                    </a:p>
-                  </a:txBody>
-                  <a:tcPr/>
-                </a:tc>
-              </a:tr>
-              <a:tr h="2935486">
-                <a:tc>
-                  <a:txBody>
-                    <a:bodyPr/>
-                    <a:lstStyle/>
-                    <a:p>
-                      <a:endParaRPr lang="zh-CN" altLang="en-US" dirty="0"/>
-                    </a:p>
-                  </a:txBody>
-                  <a:tcPr>
-                    <a:solidFill>
-                      <a:schemeClr val="bg1"/>
-                    </a:solidFill>
-                  </a:tcPr>
-                </a:tc>
-                <a:tc>
-                  <a:txBody>
-                    <a:bodyPr/>
-                    <a:lstStyle/>
-                    <a:p>
-                      <a:endParaRPr lang="zh-CN" altLang="en-US" dirty="0"/>
-                    </a:p>
-                  </a:txBody>
-                  <a:tcPr>
-                    <a:solidFill>
-                      <a:schemeClr val="bg1"/>
-                    </a:solidFill>
-                  </a:tcPr>
-                </a:tc>
-              </a:tr>
-            </a:tbl>
-          </a:graphicData>
-        </a:graphic>
-      </p:graphicFrame>
       <p:sp>
         <p:nvSpPr>
           <p:cNvPr id="2" name="TextBox 1"/>
@@ -7708,7 +7593,7 @@
         </p:nvSpPr>
         <p:spPr>
           <a:xfrm>
-            <a:off x="507868" y="152400"/>
+            <a:off x="531812" y="0"/>
             <a:ext cx="7934925" cy="400110"/>
           </a:xfrm>
           <a:prstGeom prst="rect">
@@ -7739,266 +7624,483 @@
           </a:p>
         </p:txBody>
       </p:sp>
+      <p:sp>
+        <p:nvSpPr>
+          <p:cNvPr id="9" name="TextBox 8"/>
+          <p:cNvSpPr txBox="1"/>
+          <p:nvPr/>
+        </p:nvSpPr>
+        <p:spPr>
+          <a:xfrm>
+            <a:off x="303212" y="4114800"/>
+            <a:ext cx="7924800" cy="3847207"/>
+          </a:xfrm>
+          <a:prstGeom prst="rect">
+            <a:avLst/>
+          </a:prstGeom>
+          <a:noFill/>
+        </p:spPr>
+        <p:txBody>
+          <a:bodyPr wrap="square" rtlCol="0">
+            <a:spAutoFit/>
+          </a:bodyPr>
+          <a:lstStyle/>
+          <a:p>
+            <a:r>
+              <a:rPr lang="en-US" sz="2000" b="1" u="sng" dirty="0" smtClean="0">
+                <a:latin typeface="Century" panose="02040604050505020304" pitchFamily="18" charset="0"/>
+              </a:rPr>
+              <a:t>Interpretation </a:t>
+            </a:r>
+            <a:r>
+              <a:rPr lang="en-US" sz="2000" b="1" u="sng" dirty="0">
+                <a:latin typeface="Century" panose="02040604050505020304" pitchFamily="18" charset="0"/>
+              </a:rPr>
+              <a:t>of </a:t>
+            </a:r>
+            <a:r>
+              <a:rPr lang="en-US" sz="2000" b="1" u="sng" dirty="0" smtClean="0">
+                <a:latin typeface="Century" panose="02040604050505020304" pitchFamily="18" charset="0"/>
+              </a:rPr>
+              <a:t>test confusion </a:t>
+            </a:r>
+            <a:r>
+              <a:rPr lang="en-US" sz="2000" b="1" u="sng" dirty="0">
+                <a:latin typeface="Century" panose="02040604050505020304" pitchFamily="18" charset="0"/>
+              </a:rPr>
+              <a:t>matrix: </a:t>
+            </a:r>
+            <a:endParaRPr lang="en-US" sz="2000" b="1" u="sng" dirty="0" smtClean="0">
+              <a:latin typeface="Century" panose="02040604050505020304" pitchFamily="18" charset="0"/>
+            </a:endParaRPr>
+          </a:p>
+          <a:p>
+            <a:r>
+              <a:rPr lang="en-US" sz="1200" dirty="0" smtClean="0">
+                <a:latin typeface="Century" panose="02040604050505020304" pitchFamily="18" charset="0"/>
+              </a:rPr>
+              <a:t>Diagonal </a:t>
+            </a:r>
+            <a:r>
+              <a:rPr lang="en-US" sz="1200" dirty="0">
+                <a:latin typeface="Century" panose="02040604050505020304" pitchFamily="18" charset="0"/>
+              </a:rPr>
+              <a:t>values represent accurate predictions, while non-diagonal predictions are not accurate. In the output, </a:t>
+            </a:r>
+            <a:r>
+              <a:rPr lang="en-US" sz="1200" dirty="0" smtClean="0">
+                <a:latin typeface="Century" panose="02040604050505020304" pitchFamily="18" charset="0"/>
+              </a:rPr>
+              <a:t>1098 and 73 are </a:t>
+            </a:r>
+            <a:r>
+              <a:rPr lang="en-US" sz="1200" dirty="0">
+                <a:latin typeface="Century" panose="02040604050505020304" pitchFamily="18" charset="0"/>
+              </a:rPr>
+              <a:t>actual predictions and </a:t>
+            </a:r>
+            <a:r>
+              <a:rPr lang="en-US" sz="1200" dirty="0" smtClean="0">
+                <a:latin typeface="Century" panose="02040604050505020304" pitchFamily="18" charset="0"/>
+              </a:rPr>
+              <a:t>130and 7 are </a:t>
+            </a:r>
+            <a:r>
+              <a:rPr lang="en-US" sz="1200" dirty="0">
+                <a:latin typeface="Century" panose="02040604050505020304" pitchFamily="18" charset="0"/>
+              </a:rPr>
+              <a:t>innacurate predictions</a:t>
+            </a:r>
+            <a:r>
+              <a:rPr lang="en-US" sz="1200" dirty="0" smtClean="0">
+                <a:latin typeface="Century" panose="02040604050505020304" pitchFamily="18" charset="0"/>
+              </a:rPr>
+              <a:t>.</a:t>
+            </a:r>
+            <a:endParaRPr lang="en-US" sz="1200" dirty="0">
+              <a:latin typeface="Century" panose="02040604050505020304" pitchFamily="18" charset="0"/>
+            </a:endParaRPr>
+          </a:p>
+          <a:p>
+            <a:r>
+              <a:rPr lang="en-US" sz="1200" dirty="0" smtClean="0">
+                <a:latin typeface="Century" panose="02040604050505020304" pitchFamily="18" charset="0"/>
+              </a:rPr>
+              <a:t>True </a:t>
+            </a:r>
+            <a:r>
+              <a:rPr lang="en-US" sz="1200" dirty="0">
+                <a:latin typeface="Century" panose="02040604050505020304" pitchFamily="18" charset="0"/>
+              </a:rPr>
+              <a:t>Positive from our matrix :</a:t>
+            </a:r>
+            <a:r>
+              <a:rPr lang="en-US" sz="1200" dirty="0" smtClean="0">
+                <a:latin typeface="Century" panose="02040604050505020304" pitchFamily="18" charset="0"/>
+              </a:rPr>
+              <a:t>73</a:t>
+            </a:r>
+            <a:endParaRPr lang="en-US" sz="1200" dirty="0">
+              <a:latin typeface="Century" panose="02040604050505020304" pitchFamily="18" charset="0"/>
+            </a:endParaRPr>
+          </a:p>
+          <a:p>
+            <a:r>
+              <a:rPr lang="en-US" sz="1200" dirty="0" smtClean="0">
+                <a:latin typeface="Century" panose="02040604050505020304" pitchFamily="18" charset="0"/>
+              </a:rPr>
+              <a:t>True </a:t>
+            </a:r>
+            <a:r>
+              <a:rPr lang="en-US" sz="1200" dirty="0">
+                <a:latin typeface="Century" panose="02040604050505020304" pitchFamily="18" charset="0"/>
+              </a:rPr>
+              <a:t>Negative from our matrix </a:t>
+            </a:r>
+            <a:r>
+              <a:rPr lang="en-US" sz="1200" dirty="0" smtClean="0">
+                <a:latin typeface="Century" panose="02040604050505020304" pitchFamily="18" charset="0"/>
+              </a:rPr>
+              <a:t>:1098</a:t>
+            </a:r>
+            <a:endParaRPr lang="en-US" sz="1200" dirty="0">
+              <a:latin typeface="Century" panose="02040604050505020304" pitchFamily="18" charset="0"/>
+            </a:endParaRPr>
+          </a:p>
+          <a:p>
+            <a:r>
+              <a:rPr lang="en-US" sz="1200" dirty="0" smtClean="0">
+                <a:latin typeface="Century" panose="02040604050505020304" pitchFamily="18" charset="0"/>
+              </a:rPr>
+              <a:t>False </a:t>
+            </a:r>
+            <a:r>
+              <a:rPr lang="en-US" sz="1200" dirty="0">
+                <a:latin typeface="Century" panose="02040604050505020304" pitchFamily="18" charset="0"/>
+              </a:rPr>
+              <a:t>Positive from our matrix </a:t>
+            </a:r>
+            <a:r>
+              <a:rPr lang="en-US" sz="1200" dirty="0" smtClean="0">
+                <a:latin typeface="Century" panose="02040604050505020304" pitchFamily="18" charset="0"/>
+              </a:rPr>
+              <a:t>:</a:t>
+            </a:r>
+            <a:r>
+              <a:rPr lang="en-US" sz="1200" dirty="0" smtClean="0">
+                <a:latin typeface="Century" panose="02040604050505020304" pitchFamily="18" charset="0"/>
+              </a:rPr>
+              <a:t>130</a:t>
+            </a:r>
+            <a:endParaRPr lang="en-US" sz="1200" dirty="0" smtClean="0">
+              <a:latin typeface="Century" panose="02040604050505020304" pitchFamily="18" charset="0"/>
+            </a:endParaRPr>
+          </a:p>
+          <a:p>
+            <a:r>
+              <a:rPr lang="en-US" sz="1200" dirty="0" smtClean="0">
+                <a:latin typeface="Century" panose="02040604050505020304" pitchFamily="18" charset="0"/>
+              </a:rPr>
+              <a:t>False </a:t>
+            </a:r>
+            <a:r>
+              <a:rPr lang="en-US" sz="1200" dirty="0">
+                <a:latin typeface="Century" panose="02040604050505020304" pitchFamily="18" charset="0"/>
+              </a:rPr>
+              <a:t>Negative from our matrix </a:t>
+            </a:r>
+            <a:r>
+              <a:rPr lang="en-US" sz="1200" dirty="0" smtClean="0">
+                <a:latin typeface="Century" panose="02040604050505020304" pitchFamily="18" charset="0"/>
+              </a:rPr>
+              <a:t>:</a:t>
+            </a:r>
+            <a:r>
+              <a:rPr lang="en-US" sz="1200" dirty="0" smtClean="0">
+                <a:latin typeface="Century" panose="02040604050505020304" pitchFamily="18" charset="0"/>
+              </a:rPr>
+              <a:t>7</a:t>
+            </a:r>
+            <a:endParaRPr lang="en-US" sz="1200" dirty="0" smtClean="0">
+              <a:latin typeface="Century" panose="02040604050505020304" pitchFamily="18" charset="0"/>
+            </a:endParaRPr>
+          </a:p>
+          <a:p>
+            <a:r>
+              <a:rPr lang="en-US" sz="2000" b="1" u="sng" dirty="0" smtClean="0">
+                <a:latin typeface="Century" panose="02040604050505020304" pitchFamily="18" charset="0"/>
+              </a:rPr>
+              <a:t>Recall </a:t>
+            </a:r>
+            <a:r>
+              <a:rPr lang="en-US" sz="2000" b="1" u="sng" dirty="0" smtClean="0">
+                <a:latin typeface="Century" panose="02040604050505020304" pitchFamily="18" charset="0"/>
+              </a:rPr>
+              <a:t>:</a:t>
+            </a:r>
+          </a:p>
+          <a:p>
+            <a:pPr marL="285750" indent="-285750">
+              <a:buFont typeface="Arial" panose="020B0604020202020204" pitchFamily="34" charset="0"/>
+              <a:buChar char="•"/>
+            </a:pPr>
+            <a:r>
+              <a:rPr lang="en-US" altLang="zh-CN" sz="1400" dirty="0" smtClean="0">
+                <a:latin typeface="Century" panose="02040604050505020304" pitchFamily="18" charset="0"/>
+              </a:rPr>
+              <a:t>Train Data : </a:t>
+            </a:r>
+            <a:r>
+              <a:rPr lang="en-US" altLang="zh-CN" sz="1400" dirty="0" smtClean="0">
+                <a:latin typeface="Century" panose="02040604050505020304" pitchFamily="18" charset="0"/>
+              </a:rPr>
+              <a:t>0.93</a:t>
+            </a:r>
+            <a:endParaRPr lang="en-US" altLang="zh-CN" sz="1400" dirty="0" smtClean="0">
+              <a:latin typeface="Century" panose="02040604050505020304" pitchFamily="18" charset="0"/>
+            </a:endParaRPr>
+          </a:p>
+          <a:p>
+            <a:pPr marL="285750" indent="-285750">
+              <a:buFont typeface="Arial" panose="020B0604020202020204" pitchFamily="34" charset="0"/>
+              <a:buChar char="•"/>
+            </a:pPr>
+            <a:r>
+              <a:rPr lang="en-US" altLang="zh-CN" sz="1400" dirty="0" smtClean="0">
+                <a:latin typeface="Century" panose="02040604050505020304" pitchFamily="18" charset="0"/>
+              </a:rPr>
+              <a:t>Test Data :</a:t>
+            </a:r>
+            <a:r>
+              <a:rPr lang="en-US" altLang="zh-CN" sz="1400" dirty="0" smtClean="0">
+                <a:latin typeface="Century" panose="02040604050505020304" pitchFamily="18" charset="0"/>
+              </a:rPr>
+              <a:t>0.91</a:t>
+            </a:r>
+            <a:endParaRPr lang="en-US" altLang="zh-CN" sz="1400" dirty="0" smtClean="0">
+              <a:latin typeface="Century" panose="02040604050505020304" pitchFamily="18" charset="0"/>
+            </a:endParaRPr>
+          </a:p>
+          <a:p>
+            <a:r>
+              <a:rPr lang="en-US" altLang="zh-CN" sz="1400" dirty="0" smtClean="0">
+                <a:latin typeface="Century" panose="02040604050505020304" pitchFamily="18" charset="0"/>
+              </a:rPr>
+              <a:t>We can see that Recall </a:t>
+            </a:r>
+            <a:r>
+              <a:rPr lang="en-US" altLang="zh-CN" sz="1400" dirty="0" smtClean="0">
+                <a:latin typeface="Century" panose="02040604050505020304" pitchFamily="18" charset="0"/>
+              </a:rPr>
+              <a:t>for both </a:t>
+            </a:r>
+            <a:r>
+              <a:rPr lang="en-US" altLang="zh-CN" sz="1400" dirty="0" smtClean="0">
+                <a:latin typeface="Century" panose="02040604050505020304" pitchFamily="18" charset="0"/>
+              </a:rPr>
+              <a:t>Train and </a:t>
+            </a:r>
+            <a:r>
+              <a:rPr lang="en-US" altLang="zh-CN" sz="1400" dirty="0" smtClean="0">
+                <a:latin typeface="Century" panose="02040604050505020304" pitchFamily="18" charset="0"/>
+              </a:rPr>
+              <a:t>Test </a:t>
+            </a:r>
+            <a:r>
+              <a:rPr lang="en-US" altLang="zh-CN" sz="1400" dirty="0" smtClean="0">
+                <a:latin typeface="Century" panose="02040604050505020304" pitchFamily="18" charset="0"/>
+              </a:rPr>
+              <a:t>is same. Hence</a:t>
+            </a:r>
+            <a:r>
+              <a:rPr lang="en-US" altLang="zh-CN" sz="1400" dirty="0" smtClean="0">
+                <a:latin typeface="Century" panose="02040604050505020304" pitchFamily="18" charset="0"/>
+              </a:rPr>
+              <a:t>, model </a:t>
+            </a:r>
+            <a:r>
+              <a:rPr lang="en-US" altLang="zh-CN" sz="1400" dirty="0" smtClean="0">
+                <a:latin typeface="Century" panose="02040604050505020304" pitchFamily="18" charset="0"/>
+              </a:rPr>
+              <a:t>build is not </a:t>
+            </a:r>
+            <a:r>
+              <a:rPr lang="en-US" altLang="zh-CN" sz="1400" dirty="0" err="1" smtClean="0">
+                <a:latin typeface="Century" panose="02040604050505020304" pitchFamily="18" charset="0"/>
+              </a:rPr>
+              <a:t>overfittted</a:t>
+            </a:r>
+            <a:r>
+              <a:rPr lang="en-US" altLang="zh-CN" sz="1400" dirty="0" smtClean="0">
+                <a:latin typeface="Century" panose="02040604050505020304" pitchFamily="18" charset="0"/>
+              </a:rPr>
+              <a:t>. </a:t>
+            </a:r>
+          </a:p>
+          <a:p>
+            <a:endParaRPr lang="en-US" sz="2000" b="1" u="sng" dirty="0">
+              <a:latin typeface="Century" panose="02040604050505020304" pitchFamily="18" charset="0"/>
+            </a:endParaRPr>
+          </a:p>
+          <a:p>
+            <a:endParaRPr lang="en-US" sz="1400" dirty="0">
+              <a:latin typeface="Century" panose="02040604050505020304" pitchFamily="18" charset="0"/>
+            </a:endParaRPr>
+          </a:p>
+          <a:p>
+            <a:endParaRPr lang="en-US" sz="1400" dirty="0" smtClean="0">
+              <a:latin typeface="Century" panose="02040604050505020304" pitchFamily="18" charset="0"/>
+            </a:endParaRPr>
+          </a:p>
+          <a:p>
+            <a:endParaRPr lang="en-US" sz="1400" dirty="0">
+              <a:latin typeface="Century" panose="02040604050505020304" pitchFamily="18" charset="0"/>
+            </a:endParaRPr>
+          </a:p>
+          <a:p>
+            <a:endParaRPr lang="en-US" sz="1400" dirty="0" smtClean="0">
+              <a:latin typeface="Century" panose="02040604050505020304" pitchFamily="18" charset="0"/>
+            </a:endParaRPr>
+          </a:p>
+          <a:p>
+            <a:endParaRPr lang="en-US" sz="1400" dirty="0">
+              <a:latin typeface="Century" panose="02040604050505020304" pitchFamily="18" charset="0"/>
+            </a:endParaRPr>
+          </a:p>
+        </p:txBody>
+      </p:sp>
       <p:pic>
         <p:nvPicPr>
-          <p:cNvPr id="8" name="Picture 7" descr="cm_test.PNG"/>
+          <p:cNvPr id="1026" name="Picture 2"/>
           <p:cNvPicPr>
-            <a:picLocks noChangeAspect="1"/>
+            <a:picLocks noChangeAspect="1" noChangeArrowheads="1"/>
           </p:cNvPicPr>
           <p:nvPr/>
         </p:nvPicPr>
         <p:blipFill>
-          <a:blip r:embed="rId1"/>
+          <a:blip r:embed="rId3"/>
+          <a:srcRect/>
           <a:stretch>
             <a:fillRect/>
           </a:stretch>
         </p:blipFill>
-        <p:spPr>
-          <a:xfrm>
-            <a:off x="6246812" y="990600"/>
-            <a:ext cx="4495800" cy="2819400"/>
+        <p:spPr bwMode="auto">
+          <a:xfrm>
+            <a:off x="7770812" y="0"/>
+            <a:ext cx="3771900" cy="2514600"/>
           </a:xfrm>
           <a:prstGeom prst="rect">
             <a:avLst/>
           </a:prstGeom>
+          <a:noFill/>
+          <a:ln w="9525">
+            <a:noFill/>
+            <a:miter lim="800000"/>
+            <a:headEnd/>
+            <a:tailEnd/>
+          </a:ln>
+          <a:effectLst/>
         </p:spPr>
       </p:pic>
-      <p:sp>
-        <p:nvSpPr>
-          <p:cNvPr id="9" name="TextBox 8"/>
-          <p:cNvSpPr txBox="1"/>
+      <p:pic>
+        <p:nvPicPr>
+          <p:cNvPr id="1029" name="Picture 5"/>
+          <p:cNvPicPr>
+            <a:picLocks noChangeAspect="1" noChangeArrowheads="1"/>
+          </p:cNvPicPr>
           <p:nvPr/>
-        </p:nvSpPr>
-        <p:spPr>
-          <a:xfrm>
-            <a:off x="531812" y="3733800"/>
-            <a:ext cx="10820400" cy="4247317"/>
+        </p:nvPicPr>
+        <p:blipFill>
+          <a:blip r:embed="rId4"/>
+          <a:srcRect/>
+          <a:stretch>
+            <a:fillRect/>
+          </a:stretch>
+        </p:blipFill>
+        <p:spPr bwMode="auto">
+          <a:xfrm>
+            <a:off x="5789612" y="2819400"/>
+            <a:ext cx="3733102" cy="1524000"/>
           </a:xfrm>
           <a:prstGeom prst="rect">
             <a:avLst/>
           </a:prstGeom>
           <a:noFill/>
-        </p:spPr>
-        <p:txBody>
-          <a:bodyPr wrap="square" rtlCol="0">
-            <a:spAutoFit/>
-          </a:bodyPr>
-          <a:lstStyle/>
-          <a:p>
-            <a:r>
-              <a:rPr lang="en-US" sz="2000" b="1" u="sng" dirty="0">
-                <a:latin typeface="Century" panose="02040604050505020304" pitchFamily="18" charset="0"/>
-              </a:rPr>
-              <a:t>Interpretation of confusion matrix: </a:t>
-            </a:r>
-            <a:endParaRPr lang="en-US" sz="2000" b="1" u="sng" dirty="0" smtClean="0">
-              <a:latin typeface="Century" panose="02040604050505020304" pitchFamily="18" charset="0"/>
-            </a:endParaRPr>
-          </a:p>
-          <a:p>
-            <a:r>
-              <a:rPr lang="en-US" sz="1400" dirty="0" smtClean="0">
-                <a:latin typeface="Century" panose="02040604050505020304" pitchFamily="18" charset="0"/>
-              </a:rPr>
-              <a:t>Diagonal </a:t>
-            </a:r>
-            <a:r>
-              <a:rPr lang="en-US" sz="1400" dirty="0">
-                <a:latin typeface="Century" panose="02040604050505020304" pitchFamily="18" charset="0"/>
-              </a:rPr>
-              <a:t>values represent accurate predictions, while non-diagonal predictions are not accurate. In the output, 1219 and 42 are actual predictions and 38 and 9 are innacurate predictions.</a:t>
-            </a:r>
-            <a:endParaRPr lang="en-US" sz="1400" dirty="0">
-              <a:latin typeface="Century" panose="02040604050505020304" pitchFamily="18" charset="0"/>
-            </a:endParaRPr>
-          </a:p>
-          <a:p>
-            <a:r>
-              <a:rPr lang="en-US" sz="1400" dirty="0" smtClean="0">
-                <a:latin typeface="Century" panose="02040604050505020304" pitchFamily="18" charset="0"/>
-              </a:rPr>
-              <a:t>True </a:t>
-            </a:r>
-            <a:r>
-              <a:rPr lang="en-US" sz="1400" dirty="0">
-                <a:latin typeface="Century" panose="02040604050505020304" pitchFamily="18" charset="0"/>
-              </a:rPr>
-              <a:t>Positive from our matrix :74</a:t>
-            </a:r>
-            <a:endParaRPr lang="en-US" sz="1400" dirty="0">
-              <a:latin typeface="Century" panose="02040604050505020304" pitchFamily="18" charset="0"/>
-            </a:endParaRPr>
-          </a:p>
-          <a:p>
-            <a:r>
-              <a:rPr lang="en-US" sz="1400" dirty="0" smtClean="0">
-                <a:latin typeface="Century" panose="02040604050505020304" pitchFamily="18" charset="0"/>
-              </a:rPr>
-              <a:t>True </a:t>
-            </a:r>
-            <a:r>
-              <a:rPr lang="en-US" sz="1400" dirty="0">
-                <a:latin typeface="Century" panose="02040604050505020304" pitchFamily="18" charset="0"/>
-              </a:rPr>
-              <a:t>Negative from our matrix :1094</a:t>
-            </a:r>
-            <a:endParaRPr lang="en-US" sz="1400" dirty="0">
-              <a:latin typeface="Century" panose="02040604050505020304" pitchFamily="18" charset="0"/>
-            </a:endParaRPr>
-          </a:p>
-          <a:p>
-            <a:r>
-              <a:rPr lang="en-US" sz="1400" dirty="0" smtClean="0">
-                <a:latin typeface="Century" panose="02040604050505020304" pitchFamily="18" charset="0"/>
-              </a:rPr>
-              <a:t>False </a:t>
-            </a:r>
-            <a:r>
-              <a:rPr lang="en-US" sz="1400" dirty="0">
-                <a:latin typeface="Century" panose="02040604050505020304" pitchFamily="18" charset="0"/>
-              </a:rPr>
-              <a:t>Positive from our matrix :9 </a:t>
-            </a:r>
-            <a:endParaRPr lang="en-US" sz="1400" dirty="0" smtClean="0">
-              <a:latin typeface="Century" panose="02040604050505020304" pitchFamily="18" charset="0"/>
-            </a:endParaRPr>
-          </a:p>
-          <a:p>
-            <a:r>
-              <a:rPr lang="en-US" sz="1400" dirty="0" smtClean="0">
-                <a:latin typeface="Century" panose="02040604050505020304" pitchFamily="18" charset="0"/>
-              </a:rPr>
-              <a:t>False </a:t>
-            </a:r>
-            <a:r>
-              <a:rPr lang="en-US" sz="1400" dirty="0">
-                <a:latin typeface="Century" panose="02040604050505020304" pitchFamily="18" charset="0"/>
-              </a:rPr>
-              <a:t>Negative from our matrix :</a:t>
-            </a:r>
-            <a:r>
-              <a:rPr lang="en-US" sz="1400" dirty="0" smtClean="0">
-                <a:latin typeface="Century" panose="02040604050505020304" pitchFamily="18" charset="0"/>
-              </a:rPr>
-              <a:t>6</a:t>
-            </a:r>
-            <a:endParaRPr lang="en-US" sz="1400" dirty="0" smtClean="0">
-              <a:latin typeface="Century" panose="02040604050505020304" pitchFamily="18" charset="0"/>
-            </a:endParaRPr>
-          </a:p>
-          <a:p>
-            <a:endParaRPr lang="en-US" sz="1400" dirty="0" smtClean="0">
-              <a:latin typeface="Century" panose="02040604050505020304" pitchFamily="18" charset="0"/>
-            </a:endParaRPr>
-          </a:p>
-          <a:p>
-            <a:r>
-              <a:rPr lang="en-US" sz="2000" b="1" u="sng" dirty="0" smtClean="0">
-                <a:latin typeface="Century" panose="02040604050505020304" pitchFamily="18" charset="0"/>
-              </a:rPr>
-              <a:t>Recall :</a:t>
-            </a:r>
-            <a:endParaRPr lang="en-US" sz="2000" b="1" u="sng" dirty="0" smtClean="0">
-              <a:latin typeface="Century" panose="02040604050505020304" pitchFamily="18" charset="0"/>
-            </a:endParaRPr>
-          </a:p>
-          <a:p>
-            <a:pPr marL="285750" indent="-285750">
-              <a:buFont typeface="Arial" panose="020B0604020202020204" pitchFamily="34" charset="0"/>
-              <a:buChar char="•"/>
-            </a:pPr>
-            <a:r>
-              <a:rPr lang="en-US" altLang="zh-CN" sz="1400" dirty="0" smtClean="0">
-                <a:latin typeface="Century" panose="02040604050505020304" pitchFamily="18" charset="0"/>
-              </a:rPr>
-              <a:t>Train Data : 0.913</a:t>
-            </a:r>
-            <a:endParaRPr lang="en-US" altLang="zh-CN" sz="1400" dirty="0" smtClean="0">
-              <a:latin typeface="Century" panose="02040604050505020304" pitchFamily="18" charset="0"/>
-            </a:endParaRPr>
-          </a:p>
-          <a:p>
-            <a:pPr marL="285750" indent="-285750">
-              <a:buFont typeface="Arial" panose="020B0604020202020204" pitchFamily="34" charset="0"/>
-              <a:buChar char="•"/>
-            </a:pPr>
-            <a:r>
-              <a:rPr lang="en-US" altLang="zh-CN" sz="1400" dirty="0" smtClean="0">
-                <a:latin typeface="Century" panose="02040604050505020304" pitchFamily="18" charset="0"/>
-              </a:rPr>
-              <a:t>Test Data :0.887</a:t>
-            </a:r>
-            <a:endParaRPr lang="en-US" altLang="zh-CN" sz="1400" dirty="0" smtClean="0">
-              <a:latin typeface="Century" panose="02040604050505020304" pitchFamily="18" charset="0"/>
-            </a:endParaRPr>
-          </a:p>
-          <a:p>
-            <a:r>
-              <a:rPr lang="en-US" altLang="zh-CN" sz="1400" dirty="0" smtClean="0">
-                <a:latin typeface="Century" panose="02040604050505020304" pitchFamily="18" charset="0"/>
-              </a:rPr>
-              <a:t>We can see that Recall on both Train and test is same. </a:t>
-            </a:r>
-            <a:r>
-              <a:rPr lang="en-US" altLang="zh-CN" sz="1400" dirty="0" err="1" smtClean="0">
-                <a:latin typeface="Century" panose="02040604050505020304" pitchFamily="18" charset="0"/>
-              </a:rPr>
-              <a:t>Hence,model</a:t>
-            </a:r>
-            <a:r>
-              <a:rPr lang="en-US" altLang="zh-CN" sz="1400" dirty="0" smtClean="0">
-                <a:latin typeface="Century" panose="02040604050505020304" pitchFamily="18" charset="0"/>
-              </a:rPr>
-              <a:t> build is not </a:t>
-            </a:r>
-            <a:r>
-              <a:rPr lang="en-US" altLang="zh-CN" sz="1400" dirty="0" err="1" smtClean="0">
-                <a:latin typeface="Century" panose="02040604050505020304" pitchFamily="18" charset="0"/>
-              </a:rPr>
-              <a:t>overfittted</a:t>
-            </a:r>
-            <a:r>
-              <a:rPr lang="en-US" altLang="zh-CN" sz="1400" dirty="0" smtClean="0">
-                <a:latin typeface="Century" panose="02040604050505020304" pitchFamily="18" charset="0"/>
-              </a:rPr>
-              <a:t>. </a:t>
-            </a:r>
-            <a:endParaRPr lang="en-US" altLang="zh-CN" sz="1400" dirty="0" smtClean="0">
-              <a:latin typeface="Century" panose="02040604050505020304" pitchFamily="18" charset="0"/>
-            </a:endParaRPr>
-          </a:p>
-          <a:p>
-            <a:endParaRPr lang="en-US" sz="2000" b="1" u="sng" dirty="0">
-              <a:latin typeface="Century" panose="02040604050505020304" pitchFamily="18" charset="0"/>
-            </a:endParaRPr>
-          </a:p>
-          <a:p>
-            <a:endParaRPr lang="en-US" sz="1400" dirty="0">
-              <a:latin typeface="Century" panose="02040604050505020304" pitchFamily="18" charset="0"/>
-            </a:endParaRPr>
-          </a:p>
-          <a:p>
-            <a:endParaRPr lang="en-US" sz="1400" dirty="0" smtClean="0">
-              <a:latin typeface="Century" panose="02040604050505020304" pitchFamily="18" charset="0"/>
-            </a:endParaRPr>
-          </a:p>
-          <a:p>
-            <a:endParaRPr lang="en-US" sz="1400" dirty="0">
-              <a:latin typeface="Century" panose="02040604050505020304" pitchFamily="18" charset="0"/>
-            </a:endParaRPr>
-          </a:p>
-          <a:p>
-            <a:endParaRPr lang="en-US" sz="1400" dirty="0" smtClean="0">
-              <a:latin typeface="Century" panose="02040604050505020304" pitchFamily="18" charset="0"/>
-            </a:endParaRPr>
-          </a:p>
-          <a:p>
-            <a:endParaRPr lang="en-US" sz="1400" dirty="0">
-              <a:latin typeface="Century" panose="02040604050505020304" pitchFamily="18" charset="0"/>
-            </a:endParaRPr>
-          </a:p>
-        </p:txBody>
-      </p:sp>
+          <a:ln w="9525">
+            <a:noFill/>
+            <a:miter lim="800000"/>
+            <a:headEnd/>
+            <a:tailEnd/>
+          </a:ln>
+          <a:effectLst/>
+        </p:spPr>
+      </p:pic>
+      <p:pic>
+        <p:nvPicPr>
+          <p:cNvPr id="1035" name="Picture 11"/>
+          <p:cNvPicPr>
+            <a:picLocks noChangeAspect="1" noChangeArrowheads="1"/>
+          </p:cNvPicPr>
+          <p:nvPr/>
+        </p:nvPicPr>
+        <p:blipFill>
+          <a:blip r:embed="rId5"/>
+          <a:srcRect/>
+          <a:stretch>
+            <a:fillRect/>
+          </a:stretch>
+        </p:blipFill>
+        <p:spPr bwMode="auto">
+          <a:xfrm>
+            <a:off x="379412" y="2667000"/>
+            <a:ext cx="5057775" cy="1524000"/>
+          </a:xfrm>
+          <a:prstGeom prst="rect">
+            <a:avLst/>
+          </a:prstGeom>
+          <a:noFill/>
+          <a:ln w="9525">
+            <a:noFill/>
+            <a:miter lim="800000"/>
+            <a:headEnd/>
+            <a:tailEnd/>
+          </a:ln>
+          <a:effectLst/>
+        </p:spPr>
+      </p:pic>
+      <p:pic>
+        <p:nvPicPr>
+          <p:cNvPr id="1036" name="Picture 12"/>
+          <p:cNvPicPr>
+            <a:picLocks noChangeAspect="1" noChangeArrowheads="1"/>
+          </p:cNvPicPr>
+          <p:nvPr/>
+        </p:nvPicPr>
+        <p:blipFill>
+          <a:blip r:embed="rId6"/>
+          <a:srcRect/>
+          <a:stretch>
+            <a:fillRect/>
+          </a:stretch>
+        </p:blipFill>
+        <p:spPr bwMode="auto">
+          <a:xfrm>
+            <a:off x="303212" y="381000"/>
+            <a:ext cx="7315200" cy="1981200"/>
+          </a:xfrm>
+          <a:prstGeom prst="rect">
+            <a:avLst/>
+          </a:prstGeom>
+          <a:noFill/>
+          <a:ln w="9525">
+            <a:noFill/>
+            <a:miter lim="800000"/>
+            <a:headEnd/>
+            <a:tailEnd/>
+          </a:ln>
+          <a:effectLst/>
+        </p:spPr>
+      </p:pic>
     </p:spTree>
   </p:cSld>
   <p:clrMapOvr>
@@ -8078,7 +8180,7 @@
         <p:spPr>
           <a:xfrm>
             <a:off x="455612" y="4800600"/>
-            <a:ext cx="9372600" cy="2308324"/>
+            <a:ext cx="9372600" cy="2677656"/>
           </a:xfrm>
           <a:prstGeom prst="rect">
             <a:avLst/>
@@ -8090,15 +8192,6 @@
           </a:bodyPr>
           <a:lstStyle/>
           <a:p>
-            <a:r>
-              <a:rPr lang="en-US" altLang="zh-CN" dirty="0" smtClean="0">
-                <a:solidFill>
-                  <a:srgbClr val="000000"/>
-                </a:solidFill>
-                <a:latin typeface="Helvetica Neue"/>
-              </a:rPr>
-              <a:t>From ROC curve we have value of 0.96, which means that our model is good</a:t>
-            </a:r>
             <a:endParaRPr lang="en-US" altLang="zh-CN" dirty="0" smtClean="0">
               <a:solidFill>
                 <a:srgbClr val="000000"/>
@@ -8107,7 +8200,7 @@
             </a:endParaRPr>
           </a:p>
           <a:p>
-            <a:endParaRPr lang="en-US" altLang="zh-CN" dirty="0">
+            <a:endParaRPr lang="en-US" altLang="zh-CN" dirty="0" smtClean="0">
               <a:solidFill>
                 <a:srgbClr val="000000"/>
               </a:solidFill>
@@ -8116,19 +8209,89 @@
           </a:p>
           <a:p>
             <a:r>
-              <a:rPr lang="en-US" altLang="zh-CN" dirty="0" smtClean="0">
+              <a:rPr lang="en-US" altLang="zh-CN" sz="1400" dirty="0" smtClean="0">
                 <a:solidFill>
                   <a:srgbClr val="000000"/>
                 </a:solidFill>
-                <a:latin typeface="Helvetica Neue"/>
-              </a:rPr>
-              <a:t>Cross Validation  Recall score :0.916</a:t>
-            </a:r>
-            <a:endParaRPr lang="en-US" altLang="zh-CN" dirty="0" smtClean="0">
+                <a:latin typeface="Century" pitchFamily="18" charset="0"/>
+              </a:rPr>
+              <a:t>From </a:t>
+            </a:r>
+            <a:r>
+              <a:rPr lang="en-US" altLang="zh-CN" sz="1400" dirty="0" smtClean="0">
+                <a:solidFill>
+                  <a:srgbClr val="000000"/>
+                </a:solidFill>
+                <a:latin typeface="Century" pitchFamily="18" charset="0"/>
+              </a:rPr>
+              <a:t>ROC curve we have value of </a:t>
+            </a:r>
+            <a:r>
+              <a:rPr lang="en-US" altLang="zh-CN" sz="1400" dirty="0" smtClean="0">
+                <a:solidFill>
+                  <a:srgbClr val="000000"/>
+                </a:solidFill>
+                <a:latin typeface="Century" pitchFamily="18" charset="0"/>
+              </a:rPr>
+              <a:t>0.97, </a:t>
+            </a:r>
+            <a:r>
+              <a:rPr lang="en-US" altLang="zh-CN" sz="1400" dirty="0" smtClean="0">
+                <a:solidFill>
+                  <a:srgbClr val="000000"/>
+                </a:solidFill>
+                <a:latin typeface="Century" pitchFamily="18" charset="0"/>
+              </a:rPr>
+              <a:t>which means that our model is </a:t>
+            </a:r>
+            <a:r>
+              <a:rPr lang="en-US" altLang="zh-CN" sz="1400" dirty="0" smtClean="0">
+                <a:solidFill>
+                  <a:srgbClr val="000000"/>
+                </a:solidFill>
+                <a:latin typeface="Century" pitchFamily="18" charset="0"/>
+              </a:rPr>
+              <a:t>good at predicting.</a:t>
+            </a:r>
+            <a:endParaRPr lang="en-US" altLang="zh-CN" sz="1400" dirty="0" smtClean="0">
               <a:solidFill>
                 <a:srgbClr val="000000"/>
               </a:solidFill>
-              <a:latin typeface="Helvetica Neue"/>
+              <a:latin typeface="Century" pitchFamily="18" charset="0"/>
+            </a:endParaRPr>
+          </a:p>
+          <a:p>
+            <a:endParaRPr lang="en-US" altLang="zh-CN" sz="1400" dirty="0">
+              <a:solidFill>
+                <a:srgbClr val="000000"/>
+              </a:solidFill>
+              <a:latin typeface="Century" pitchFamily="18" charset="0"/>
+            </a:endParaRPr>
+          </a:p>
+          <a:p>
+            <a:r>
+              <a:rPr lang="en-US" altLang="zh-CN" sz="1400" dirty="0" smtClean="0">
+                <a:solidFill>
+                  <a:srgbClr val="000000"/>
+                </a:solidFill>
+                <a:latin typeface="Century" pitchFamily="18" charset="0"/>
+              </a:rPr>
+              <a:t>Cross Validation  Recall score :</a:t>
+            </a:r>
+            <a:r>
+              <a:rPr lang="en-US" altLang="zh-CN" sz="1400" dirty="0" smtClean="0">
+                <a:solidFill>
+                  <a:srgbClr val="000000"/>
+                </a:solidFill>
+                <a:latin typeface="Century" pitchFamily="18" charset="0"/>
+              </a:rPr>
+              <a:t>0.92</a:t>
+            </a:r>
+            <a:endParaRPr lang="en-US" altLang="zh-CN" sz="1400" dirty="0" smtClean="0">
+              <a:solidFill>
+                <a:srgbClr val="000000"/>
+              </a:solidFill>
+              <a:latin typeface="Century" pitchFamily="18" charset="0"/>
             </a:endParaRPr>
           </a:p>
           <a:p>
@@ -8178,50 +8341,101 @@
       </p:sp>
       <p:pic>
         <p:nvPicPr>
-          <p:cNvPr id="8" name="Picture 7" descr="cv._recall.PNG"/>
+          <p:cNvPr id="2050" name="Picture 2"/>
           <p:cNvPicPr>
-            <a:picLocks noChangeAspect="1"/>
-          </p:cNvPicPr>
-          <p:nvPr/>
-        </p:nvPicPr>
-        <p:blipFill>
-          <a:blip r:embed="rId1"/>
-          <a:stretch>
-            <a:fillRect/>
-          </a:stretch>
-        </p:blipFill>
-        <p:spPr>
-          <a:xfrm>
-            <a:off x="6094412" y="1524000"/>
-            <a:ext cx="5484813" cy="2164268"/>
-          </a:xfrm>
-          <a:prstGeom prst="rect">
-            <a:avLst/>
-          </a:prstGeom>
-        </p:spPr>
-      </p:pic>
-      <p:pic>
-        <p:nvPicPr>
-          <p:cNvPr id="9" name="Picture 8" descr="auc1.PNG"/>
-          <p:cNvPicPr>
-            <a:picLocks noChangeAspect="1"/>
+            <a:picLocks noChangeAspect="1" noChangeArrowheads="1"/>
           </p:cNvPicPr>
           <p:nvPr/>
         </p:nvPicPr>
         <p:blipFill>
           <a:blip r:embed="rId2"/>
+          <a:srcRect/>
           <a:stretch>
             <a:fillRect/>
           </a:stretch>
         </p:blipFill>
-        <p:spPr>
-          <a:xfrm>
-            <a:off x="608012" y="838200"/>
-            <a:ext cx="5105400" cy="3619814"/>
+        <p:spPr bwMode="auto">
+          <a:xfrm>
+            <a:off x="531812" y="838201"/>
+            <a:ext cx="5334000" cy="2133600"/>
           </a:xfrm>
           <a:prstGeom prst="rect">
             <a:avLst/>
           </a:prstGeom>
+          <a:noFill/>
+          <a:ln w="9525">
+            <a:noFill/>
+            <a:miter lim="800000"/>
+            <a:headEnd/>
+            <a:tailEnd/>
+          </a:ln>
+          <a:effectLst/>
+        </p:spPr>
+      </p:pic>
+      <p:pic>
+        <p:nvPicPr>
+          <p:cNvPr id="2051" name="Picture 3"/>
+          <p:cNvPicPr>
+            <a:picLocks noChangeAspect="1" noChangeArrowheads="1"/>
+          </p:cNvPicPr>
+          <p:nvPr/>
+        </p:nvPicPr>
+        <p:blipFill>
+          <a:blip r:embed="rId3"/>
+          <a:srcRect/>
+          <a:stretch>
+            <a:fillRect/>
+          </a:stretch>
+        </p:blipFill>
+        <p:spPr bwMode="auto">
+          <a:xfrm>
+            <a:off x="455612" y="3200400"/>
+            <a:ext cx="5943600" cy="1981200"/>
+          </a:xfrm>
+          <a:prstGeom prst="rect">
+            <a:avLst/>
+          </a:prstGeom>
+          <a:noFill/>
+          <a:ln w="9525">
+            <a:noFill/>
+            <a:miter lim="800000"/>
+            <a:headEnd/>
+            <a:tailEnd/>
+          </a:ln>
+          <a:effectLst/>
+        </p:spPr>
+      </p:pic>
+      <p:pic>
+        <p:nvPicPr>
+          <p:cNvPr id="2052" name="Picture 4"/>
+          <p:cNvPicPr>
+            <a:picLocks noChangeAspect="1" noChangeArrowheads="1"/>
+          </p:cNvPicPr>
+          <p:nvPr/>
+        </p:nvPicPr>
+        <p:blipFill>
+          <a:blip r:embed="rId4"/>
+          <a:srcRect/>
+          <a:stretch>
+            <a:fillRect/>
+          </a:stretch>
+        </p:blipFill>
+        <p:spPr bwMode="auto">
+          <a:xfrm>
+            <a:off x="6704012" y="685800"/>
+            <a:ext cx="4371975" cy="3124200"/>
+          </a:xfrm>
+          <a:prstGeom prst="rect">
+            <a:avLst/>
+          </a:prstGeom>
+          <a:noFill/>
+          <a:ln w="9525">
+            <a:noFill/>
+            <a:miter lim="800000"/>
+            <a:headEnd/>
+            <a:tailEnd/>
+          </a:ln>
+          <a:effectLst/>
         </p:spPr>
       </p:pic>
     </p:spTree>
@@ -8258,7 +8472,7 @@
         <p:spPr>
           <a:xfrm>
             <a:off x="303212" y="304800"/>
-            <a:ext cx="11201400" cy="6771084"/>
+            <a:ext cx="11201400" cy="6124754"/>
           </a:xfrm>
           <a:prstGeom prst="rect">
             <a:avLst/>
@@ -8276,146 +8490,172 @@
               </a:rPr>
               <a:t>KNN  Overview :</a:t>
             </a:r>
+          </a:p>
+          <a:p>
+            <a:pPr>
+              <a:buFont typeface="Arial" panose="020B0604020202020204" pitchFamily="34" charset="0"/>
+              <a:buChar char="•"/>
+            </a:pPr>
+            <a:r>
+              <a:rPr lang="en-US" sz="1400" dirty="0"/>
+              <a:t>K-NN algorithm assumes the similarity between the new case/data and available </a:t>
+            </a:r>
+            <a:r>
+              <a:rPr lang="en-US" sz="1400" dirty="0" smtClean="0"/>
+              <a:t>cases </a:t>
+            </a:r>
+            <a:r>
+              <a:rPr lang="en-US" sz="1400" dirty="0"/>
+              <a:t>and put the new case into the category that is most similar to the available categories</a:t>
+            </a:r>
+            <a:endParaRPr lang="en-US" sz="1400" dirty="0" smtClean="0"/>
+          </a:p>
+          <a:p>
+            <a:pPr>
+              <a:buFont typeface="Arial" panose="020B0604020202020204" pitchFamily="34" charset="0"/>
+              <a:buChar char="•"/>
+            </a:pPr>
+            <a:r>
+              <a:rPr lang="en-US" sz="1400" dirty="0"/>
+              <a:t>K-NN algorithm can be used for Regression as well as for </a:t>
+            </a:r>
+            <a:r>
+              <a:rPr lang="en-US" sz="1400" dirty="0" smtClean="0"/>
+              <a:t>Classification problems</a:t>
+            </a:r>
+          </a:p>
+          <a:p>
+            <a:endParaRPr lang="en-US" sz="1400" dirty="0" smtClean="0"/>
+          </a:p>
+          <a:p>
+            <a:r>
+              <a:rPr lang="en-US" sz="1400" b="1" u="sng" dirty="0" smtClean="0">
+                <a:latin typeface="Century" panose="02040604050505020304" pitchFamily="18" charset="0"/>
+              </a:rPr>
+              <a:t>Reasons for choosing :</a:t>
+            </a:r>
+          </a:p>
+          <a:p>
+            <a:pPr fontAlgn="base">
+              <a:buFont typeface="Arial" panose="020B0604020202020204" pitchFamily="34" charset="0"/>
+              <a:buChar char="•"/>
+            </a:pPr>
+            <a:r>
+              <a:rPr lang="en-US" sz="1400" dirty="0">
+                <a:latin typeface="Century" panose="02040604050505020304" pitchFamily="18" charset="0"/>
+              </a:rPr>
+              <a:t>It’s easy to implement and tune</a:t>
+            </a:r>
+          </a:p>
+          <a:p>
+            <a:pPr>
+              <a:buFont typeface="Arial" panose="020B0604020202020204" pitchFamily="34" charset="0"/>
+              <a:buChar char="•"/>
+            </a:pPr>
+            <a:r>
+              <a:rPr lang="en-US" sz="1400" dirty="0" smtClean="0">
+                <a:latin typeface="Century" panose="02040604050505020304" pitchFamily="18" charset="0"/>
+              </a:rPr>
+              <a:t>Only </a:t>
+            </a:r>
+            <a:r>
+              <a:rPr lang="en-US" sz="1400" dirty="0">
+                <a:latin typeface="Century" panose="02040604050505020304" pitchFamily="18" charset="0"/>
+              </a:rPr>
+              <a:t>one hyper parameter to be set</a:t>
+            </a:r>
+          </a:p>
+          <a:p>
+            <a:pPr>
+              <a:buFont typeface="Arial" panose="020B0604020202020204" pitchFamily="34" charset="0"/>
+              <a:buChar char="•"/>
+            </a:pPr>
+            <a:r>
+              <a:rPr lang="en-US" sz="1400" dirty="0" smtClean="0">
+                <a:latin typeface="Century" panose="02040604050505020304" pitchFamily="18" charset="0"/>
+              </a:rPr>
+              <a:t>Since it is doesn’t </a:t>
+            </a:r>
+            <a:r>
+              <a:rPr lang="en-US" sz="1400" dirty="0">
+                <a:latin typeface="Century" panose="02040604050505020304" pitchFamily="18" charset="0"/>
+              </a:rPr>
+              <a:t>perform well on imbalanced </a:t>
+            </a:r>
+            <a:r>
+              <a:rPr lang="en-US" sz="1400" dirty="0" smtClean="0">
+                <a:latin typeface="Century" panose="02040604050505020304" pitchFamily="18" charset="0"/>
+              </a:rPr>
+              <a:t>data .Random Over Sampling techniques was used  for  handling class imbalance in the target variable.</a:t>
+            </a:r>
+          </a:p>
+          <a:p>
+            <a:endParaRPr lang="en-US" sz="1400" dirty="0" smtClean="0">
+              <a:latin typeface="Century" panose="02040604050505020304" pitchFamily="18" charset="0"/>
+            </a:endParaRPr>
+          </a:p>
+          <a:p>
+            <a:r>
+              <a:rPr lang="en-US" sz="1400" b="1" u="sng" dirty="0" smtClean="0">
+                <a:latin typeface="Century" panose="02040604050505020304" pitchFamily="18" charset="0"/>
+              </a:rPr>
+              <a:t>Different variations </a:t>
+            </a:r>
+            <a:r>
+              <a:rPr lang="en-US" sz="1400" b="1" u="sng" dirty="0" smtClean="0">
+                <a:latin typeface="Century" panose="02040604050505020304" pitchFamily="18" charset="0"/>
+              </a:rPr>
+              <a:t>:</a:t>
+            </a:r>
             <a:endParaRPr lang="en-US" sz="1400" b="1" u="sng" dirty="0" smtClean="0">
               <a:latin typeface="Century" panose="02040604050505020304" pitchFamily="18" charset="0"/>
             </a:endParaRPr>
           </a:p>
           <a:p>
             <a:pPr>
-              <a:buFont typeface="Arial" panose="020B0604020202020204" pitchFamily="34" charset="0"/>
-              <a:buChar char="•"/>
-            </a:pPr>
-            <a:r>
-              <a:rPr lang="en-US" sz="1400" dirty="0"/>
-              <a:t>K-NN algorithm assumes the similarity between the new case/data and available </a:t>
-            </a:r>
+              <a:buFont typeface="Arial" pitchFamily="34" charset="0"/>
+              <a:buChar char="•"/>
+            </a:pPr>
             <a:r>
               <a:rPr lang="en-US" sz="1400" dirty="0" smtClean="0"/>
-              <a:t>cases </a:t>
-            </a:r>
-            <a:r>
-              <a:rPr lang="en-US" sz="1400" dirty="0"/>
-              <a:t>and put the new case into the category that is most similar to the available categories</a:t>
-            </a:r>
-            <a:endParaRPr lang="en-US" sz="1400" dirty="0" smtClean="0"/>
-          </a:p>
-          <a:p>
-            <a:pPr>
-              <a:buFont typeface="Arial" panose="020B0604020202020204" pitchFamily="34" charset="0"/>
-              <a:buChar char="•"/>
-            </a:pPr>
-            <a:r>
-              <a:rPr lang="en-US" sz="1400" dirty="0"/>
-              <a:t>K-NN algorithm can be used for Regression as well as for </a:t>
+              <a:t>KNN_Model_1 </a:t>
             </a:r>
             <a:r>
               <a:rPr lang="en-US" sz="1400" dirty="0" smtClean="0"/>
-              <a:t>Classification problems</a:t>
-            </a:r>
-            <a:endParaRPr lang="en-US" sz="1400" dirty="0" smtClean="0"/>
-          </a:p>
-          <a:p>
-            <a:endParaRPr lang="en-US" sz="1400" dirty="0" smtClean="0"/>
-          </a:p>
-          <a:p>
-            <a:r>
-              <a:rPr lang="en-US" sz="1400" b="1" u="sng" dirty="0" smtClean="0">
-                <a:latin typeface="Century" panose="02040604050505020304" pitchFamily="18" charset="0"/>
-              </a:rPr>
-              <a:t>Reasons for choosing :</a:t>
-            </a:r>
-            <a:endParaRPr lang="en-US" sz="1400" b="1" u="sng" dirty="0" smtClean="0">
-              <a:latin typeface="Century" panose="02040604050505020304" pitchFamily="18" charset="0"/>
-            </a:endParaRPr>
-          </a:p>
-          <a:p>
-            <a:pPr fontAlgn="base">
-              <a:buFont typeface="Arial" panose="020B0604020202020204" pitchFamily="34" charset="0"/>
-              <a:buChar char="•"/>
-            </a:pPr>
-            <a:r>
-              <a:rPr lang="en-US" sz="1400" dirty="0">
-                <a:latin typeface="Century" panose="02040604050505020304" pitchFamily="18" charset="0"/>
-              </a:rPr>
-              <a:t>It’s easy to implement and tune</a:t>
-            </a:r>
-            <a:endParaRPr lang="en-US" sz="1400" dirty="0">
-              <a:latin typeface="Century" panose="02040604050505020304" pitchFamily="18" charset="0"/>
-            </a:endParaRPr>
-          </a:p>
-          <a:p>
-            <a:pPr>
-              <a:buFont typeface="Arial" panose="020B0604020202020204" pitchFamily="34" charset="0"/>
-              <a:buChar char="•"/>
-            </a:pPr>
-            <a:r>
-              <a:rPr lang="en-US" sz="1400" dirty="0" smtClean="0">
-                <a:latin typeface="Century" panose="02040604050505020304" pitchFamily="18" charset="0"/>
-              </a:rPr>
-              <a:t>Only </a:t>
-            </a:r>
-            <a:r>
-              <a:rPr lang="en-US" sz="1400" dirty="0">
-                <a:latin typeface="Century" panose="02040604050505020304" pitchFamily="18" charset="0"/>
-              </a:rPr>
-              <a:t>one hyper parameter to be set</a:t>
-            </a:r>
-            <a:endParaRPr lang="en-US" sz="1400" dirty="0">
-              <a:latin typeface="Century" panose="02040604050505020304" pitchFamily="18" charset="0"/>
-            </a:endParaRPr>
-          </a:p>
-          <a:p>
-            <a:pPr>
-              <a:buFont typeface="Arial" panose="020B0604020202020204" pitchFamily="34" charset="0"/>
-              <a:buChar char="•"/>
-            </a:pPr>
-            <a:r>
-              <a:rPr lang="en-US" sz="1400" dirty="0" smtClean="0">
-                <a:latin typeface="Century" panose="02040604050505020304" pitchFamily="18" charset="0"/>
-              </a:rPr>
-              <a:t>Since it is d</a:t>
-            </a:r>
-            <a:r>
-              <a:rPr lang="en-US" sz="1400" dirty="0" smtClean="0">
-                <a:latin typeface="Century" panose="02040604050505020304" pitchFamily="18" charset="0"/>
-              </a:rPr>
-              <a:t>oesn’t </a:t>
-            </a:r>
-            <a:r>
-              <a:rPr lang="en-US" sz="1400" dirty="0">
-                <a:latin typeface="Century" panose="02040604050505020304" pitchFamily="18" charset="0"/>
-              </a:rPr>
-              <a:t>perform well on imbalanced </a:t>
-            </a:r>
-            <a:r>
-              <a:rPr lang="en-US" sz="1400" dirty="0" smtClean="0">
-                <a:latin typeface="Century" panose="02040604050505020304" pitchFamily="18" charset="0"/>
-              </a:rPr>
-              <a:t>data .</a:t>
-            </a:r>
-            <a:r>
-              <a:rPr lang="en-US" sz="1400" dirty="0" smtClean="0">
-                <a:latin typeface="Century" panose="02040604050505020304" pitchFamily="18" charset="0"/>
-              </a:rPr>
-              <a:t>Random Over Sampling techniques </a:t>
-            </a:r>
-            <a:r>
-              <a:rPr lang="en-US" sz="1400" dirty="0" smtClean="0">
-                <a:latin typeface="Century" panose="02040604050505020304" pitchFamily="18" charset="0"/>
-              </a:rPr>
-              <a:t>was </a:t>
-            </a:r>
-            <a:r>
-              <a:rPr lang="en-US" sz="1400" dirty="0" smtClean="0">
-                <a:latin typeface="Century" panose="02040604050505020304" pitchFamily="18" charset="0"/>
-              </a:rPr>
-              <a:t>used  for  handling class imbalance in the target variable.</a:t>
+              <a:t>(Finding Optimal k value manually) </a:t>
+            </a:r>
+            <a:r>
+              <a:rPr lang="en-US" sz="1400" dirty="0" smtClean="0"/>
+              <a:t>:</a:t>
             </a:r>
             <a:endParaRPr lang="en-US" sz="1400" dirty="0" smtClean="0">
               <a:latin typeface="Century" panose="02040604050505020304" pitchFamily="18" charset="0"/>
             </a:endParaRPr>
           </a:p>
           <a:p>
+            <a:pPr>
+              <a:buFont typeface="Arial" pitchFamily="34" charset="0"/>
+              <a:buChar char="•"/>
+            </a:pPr>
+            <a:r>
+              <a:rPr lang="en-US" sz="1400" dirty="0" smtClean="0"/>
+              <a:t>KNN_Model_2 ( </a:t>
+            </a:r>
+            <a:r>
+              <a:rPr lang="en-US" sz="1400" dirty="0" err="1" smtClean="0"/>
+              <a:t>Hyperparameter</a:t>
+            </a:r>
+            <a:r>
+              <a:rPr lang="en-US" sz="1400" dirty="0" smtClean="0"/>
+              <a:t> Tuning </a:t>
+            </a:r>
+            <a:r>
+              <a:rPr lang="en-US" sz="1400" dirty="0" smtClean="0"/>
+              <a:t>):</a:t>
+            </a:r>
+            <a:endParaRPr lang="en-US" sz="1400" dirty="0" smtClean="0"/>
+          </a:p>
+          <a:p>
             <a:endParaRPr lang="en-US" sz="1400" dirty="0" smtClean="0">
               <a:latin typeface="Century" panose="02040604050505020304" pitchFamily="18" charset="0"/>
             </a:endParaRPr>
@@ -8425,11 +8665,16 @@
               <a:rPr lang="en-US" sz="1400" b="1" u="sng" dirty="0" smtClean="0">
                 <a:latin typeface="Century" panose="02040604050505020304" pitchFamily="18" charset="0"/>
               </a:rPr>
-              <a:t>Different variations :</a:t>
-            </a:r>
-            <a:endParaRPr lang="en-US" sz="1400" b="1" u="sng" dirty="0" smtClean="0">
-              <a:latin typeface="Century" panose="02040604050505020304" pitchFamily="18" charset="0"/>
-            </a:endParaRPr>
+              <a:t>Observations on these models:</a:t>
+            </a:r>
+          </a:p>
+          <a:p>
+            <a:r>
+              <a:rPr lang="en-US" sz="1400" dirty="0" smtClean="0">
+                <a:latin typeface="Century" panose="02040604050505020304" pitchFamily="18" charset="0"/>
+              </a:rPr>
+              <a:t>KNN_Model_1 :</a:t>
+            </a:r>
           </a:p>
           <a:p>
             <a:pPr>
@@ -8440,34 +8685,24 @@
               <a:rPr lang="en-US" sz="1400" dirty="0" smtClean="0">
                 <a:latin typeface="Century" panose="02040604050505020304" pitchFamily="18" charset="0"/>
               </a:rPr>
-              <a:t> KNN_Model_1 (Without balancing the classes) </a:t>
+              <a:t>Recall </a:t>
+            </a:r>
+            <a:r>
+              <a:rPr lang="en-US" sz="1400" dirty="0" smtClean="0">
+                <a:latin typeface="Century" panose="02040604050505020304" pitchFamily="18" charset="0"/>
+              </a:rPr>
+              <a:t>value for both test and train are far apart.</a:t>
             </a:r>
             <a:endParaRPr lang="en-US" sz="1400" dirty="0" smtClean="0">
               <a:latin typeface="Century" panose="02040604050505020304" pitchFamily="18" charset="0"/>
             </a:endParaRPr>
           </a:p>
           <a:p>
-            <a:pPr>
-              <a:buFont typeface="Arial" panose="020B0604020202020204" pitchFamily="34" charset="0"/>
-              <a:buChar char="•"/>
-            </a:pPr>
-            <a:r>
-              <a:rPr lang="en-US" sz="1400" dirty="0" smtClean="0">
-                <a:latin typeface="Century" panose="02040604050505020304" pitchFamily="18" charset="0"/>
-              </a:rPr>
-              <a:t> KNN_Model_2 ( </a:t>
-            </a:r>
-            <a:r>
-              <a:rPr lang="en-US" sz="1400" dirty="0" err="1" smtClean="0">
-                <a:latin typeface="Century" panose="02040604050505020304" pitchFamily="18" charset="0"/>
-              </a:rPr>
-              <a:t>Hyperparameter</a:t>
-            </a:r>
-            <a:r>
-              <a:rPr lang="en-US" sz="1400" dirty="0" smtClean="0">
-                <a:latin typeface="Century" panose="02040604050505020304" pitchFamily="18" charset="0"/>
-              </a:rPr>
-              <a:t> Tuning and handling Class Imbalance )</a:t>
+            <a:r>
+              <a:rPr lang="en-US" sz="1400" dirty="0" smtClean="0">
+                <a:latin typeface="Century" panose="02040604050505020304" pitchFamily="18" charset="0"/>
+              </a:rPr>
+              <a:t>KNN_Model_2:</a:t>
             </a:r>
             <a:endParaRPr lang="en-US" sz="1400" dirty="0" smtClean="0">
               <a:latin typeface="Century" panose="02040604050505020304" pitchFamily="18" charset="0"/>
@@ -8482,132 +8717,106 @@
               <a:rPr lang="en-US" sz="1400" dirty="0" smtClean="0">
                 <a:latin typeface="Century" panose="02040604050505020304" pitchFamily="18" charset="0"/>
               </a:rPr>
-              <a:t> KNN_Model_3  (Using subset of features)</a:t>
-            </a:r>
+              <a:t>Recall </a:t>
+            </a:r>
+            <a:r>
+              <a:rPr lang="en-US" sz="1400" dirty="0" smtClean="0">
+                <a:latin typeface="Century" panose="02040604050505020304" pitchFamily="18" charset="0"/>
+              </a:rPr>
+              <a:t>improved after </a:t>
+            </a:r>
+            <a:r>
+              <a:rPr lang="en-US" sz="1400" dirty="0" err="1" smtClean="0">
+                <a:latin typeface="Century" panose="02040604050505020304" pitchFamily="18" charset="0"/>
+              </a:rPr>
+              <a:t>hyperparameter</a:t>
+            </a:r>
+            <a:r>
+              <a:rPr lang="en-US" sz="1400" dirty="0" smtClean="0">
+                <a:latin typeface="Century" panose="02040604050505020304" pitchFamily="18" charset="0"/>
+              </a:rPr>
+              <a:t> tuning .</a:t>
+            </a:r>
+          </a:p>
+          <a:p>
+            <a:pPr>
+              <a:buFont typeface="Arial" panose="020B0604020202020204" pitchFamily="34" charset="0"/>
+              <a:buChar char="•"/>
+            </a:pPr>
+            <a:r>
+              <a:rPr lang="en-US" sz="1400" dirty="0" smtClean="0">
+                <a:latin typeface="Century" panose="02040604050505020304" pitchFamily="18" charset="0"/>
+              </a:rPr>
+              <a:t>Also</a:t>
+            </a:r>
+            <a:r>
+              <a:rPr lang="en-US" sz="1400" dirty="0" smtClean="0">
+                <a:latin typeface="Century" panose="02040604050505020304" pitchFamily="18" charset="0"/>
+              </a:rPr>
+              <a:t>, False Negatives </a:t>
+            </a:r>
+            <a:r>
+              <a:rPr lang="en-US" sz="1400" dirty="0" smtClean="0">
+                <a:latin typeface="Century" panose="02040604050505020304" pitchFamily="18" charset="0"/>
+              </a:rPr>
+              <a:t>came down to 6.</a:t>
+            </a:r>
+          </a:p>
+          <a:p>
+            <a:pPr>
+              <a:buFont typeface="Arial" panose="020B0604020202020204" pitchFamily="34" charset="0"/>
+              <a:buChar char="•"/>
+            </a:pPr>
+            <a:r>
+              <a:rPr lang="en-US" sz="1400" dirty="0" smtClean="0">
+                <a:latin typeface="Century" panose="02040604050505020304" pitchFamily="18" charset="0"/>
+              </a:rPr>
+              <a:t>AUC </a:t>
+            </a:r>
+            <a:r>
+              <a:rPr lang="en-US" sz="1400" dirty="0" smtClean="0">
+                <a:latin typeface="Century" panose="02040604050505020304" pitchFamily="18" charset="0"/>
+              </a:rPr>
+              <a:t>score </a:t>
+            </a:r>
+            <a:r>
+              <a:rPr lang="en-US" sz="1400" dirty="0" smtClean="0">
+                <a:latin typeface="Century" panose="02040604050505020304" pitchFamily="18" charset="0"/>
+              </a:rPr>
+              <a:t>in this case was 0.96 which suggested model is good at predicting the two </a:t>
+            </a:r>
+            <a:r>
+              <a:rPr lang="en-US" sz="1400" dirty="0" smtClean="0">
+                <a:latin typeface="Century" panose="02040604050505020304" pitchFamily="18" charset="0"/>
+              </a:rPr>
+              <a:t>classes.</a:t>
+            </a:r>
+          </a:p>
+          <a:p>
             <a:endParaRPr lang="en-US" sz="1400" dirty="0" smtClean="0">
               <a:latin typeface="Century" panose="02040604050505020304" pitchFamily="18" charset="0"/>
             </a:endParaRPr>
           </a:p>
           <a:p>
-            <a:endParaRPr lang="en-US" sz="1400" dirty="0" smtClean="0">
-              <a:latin typeface="Century" panose="02040604050505020304" pitchFamily="18" charset="0"/>
-            </a:endParaRPr>
-          </a:p>
-          <a:p>
-            <a:r>
-              <a:rPr lang="en-US" sz="1400" b="1" u="sng" dirty="0" smtClean="0">
-                <a:latin typeface="Century" panose="02040604050505020304" pitchFamily="18" charset="0"/>
-              </a:rPr>
-              <a:t>Observations on these models:</a:t>
-            </a:r>
-            <a:endParaRPr lang="en-US" sz="1400" b="1" u="sng" dirty="0" smtClean="0">
-              <a:latin typeface="Century" panose="02040604050505020304" pitchFamily="18" charset="0"/>
-            </a:endParaRPr>
-          </a:p>
-          <a:p>
-            <a:r>
-              <a:rPr lang="en-US" sz="1400" dirty="0" smtClean="0">
-                <a:latin typeface="Century" panose="02040604050505020304" pitchFamily="18" charset="0"/>
-              </a:rPr>
-              <a:t>KNN_Model_1 :</a:t>
-            </a:r>
-            <a:endParaRPr lang="en-US" sz="1400" dirty="0" smtClean="0">
-              <a:latin typeface="Century" panose="02040604050505020304" pitchFamily="18" charset="0"/>
-            </a:endParaRPr>
-          </a:p>
-          <a:p>
-            <a:pPr>
-              <a:buFont typeface="Arial" panose="020B0604020202020204" pitchFamily="34" charset="0"/>
-              <a:buChar char="•"/>
-            </a:pPr>
-            <a:r>
-              <a:rPr lang="en-US" sz="1400" dirty="0" smtClean="0">
-                <a:latin typeface="Century" panose="02040604050505020304" pitchFamily="18" charset="0"/>
-              </a:rPr>
-              <a:t>Recall was low when classes were not balanced.</a:t>
-            </a:r>
-            <a:endParaRPr lang="en-US" sz="1400" dirty="0" smtClean="0">
-              <a:latin typeface="Century" panose="02040604050505020304" pitchFamily="18" charset="0"/>
-            </a:endParaRPr>
-          </a:p>
-          <a:p>
-            <a:r>
-              <a:rPr lang="en-US" sz="1400" dirty="0" smtClean="0">
-                <a:latin typeface="Century" panose="02040604050505020304" pitchFamily="18" charset="0"/>
-              </a:rPr>
-              <a:t>KNN_Model_1 :</a:t>
-            </a:r>
-            <a:endParaRPr lang="en-US" sz="1400" dirty="0" smtClean="0">
-              <a:latin typeface="Century" panose="02040604050505020304" pitchFamily="18" charset="0"/>
-            </a:endParaRPr>
-          </a:p>
-          <a:p>
-            <a:pPr>
-              <a:buFont typeface="Arial" panose="020B0604020202020204" pitchFamily="34" charset="0"/>
-              <a:buChar char="•"/>
-            </a:pPr>
-            <a:r>
-              <a:rPr lang="en-US" sz="1400" dirty="0" smtClean="0">
-                <a:latin typeface="Century" panose="02040604050505020304" pitchFamily="18" charset="0"/>
-              </a:rPr>
-              <a:t>Recall was good when the classes(0,1) in target variable(Personal_Loan) were balanced and hypertuning was applied. Also, False Negatives were quiet low.AUC score in this case was 0.96 which suggested model is good at predicting the two classes</a:t>
-            </a:r>
-            <a:endParaRPr lang="en-US" sz="1400" dirty="0" smtClean="0">
-              <a:latin typeface="Century" panose="02040604050505020304" pitchFamily="18" charset="0"/>
-            </a:endParaRPr>
-          </a:p>
-          <a:p>
-            <a:r>
-              <a:rPr lang="en-US" sz="1400" dirty="0" smtClean="0">
-                <a:latin typeface="Century" panose="02040604050505020304" pitchFamily="18" charset="0"/>
-              </a:rPr>
-              <a:t>KNN_Model_1 :</a:t>
-            </a:r>
-            <a:endParaRPr lang="en-US" sz="1400" dirty="0" smtClean="0">
-              <a:latin typeface="Century" panose="02040604050505020304" pitchFamily="18" charset="0"/>
-            </a:endParaRPr>
-          </a:p>
-          <a:p>
-            <a:pPr>
-              <a:buFont typeface="Arial" panose="020B0604020202020204" pitchFamily="34" charset="0"/>
-              <a:buChar char="•"/>
-            </a:pPr>
-            <a:r>
-              <a:rPr lang="en-US" sz="1400" dirty="0" smtClean="0">
-                <a:latin typeface="Century" panose="02040604050505020304" pitchFamily="18" charset="0"/>
-              </a:rPr>
-              <a:t>Recall was not good when used only some features.AUC score in this case was 0.87 which meant the model was not so good at predicting target class accurately.</a:t>
-            </a:r>
-            <a:endParaRPr lang="en-US" sz="1400" dirty="0" smtClean="0">
-              <a:latin typeface="Century" panose="02040604050505020304" pitchFamily="18" charset="0"/>
-            </a:endParaRPr>
-          </a:p>
-          <a:p>
-            <a:pPr>
-              <a:buFont typeface="Arial" panose="020B0604020202020204" pitchFamily="34" charset="0"/>
-              <a:buChar char="•"/>
-            </a:pPr>
-            <a:endParaRPr lang="en-US" sz="1400" dirty="0" smtClean="0">
-              <a:latin typeface="Century" panose="02040604050505020304" pitchFamily="18" charset="0"/>
-            </a:endParaRPr>
-          </a:p>
-          <a:p>
             <a:r>
               <a:rPr lang="en-US" sz="1400" b="1" dirty="0" smtClean="0">
                 <a:latin typeface="Century" panose="02040604050505020304" pitchFamily="18" charset="0"/>
               </a:rPr>
               <a:t>KNN  Model - Conclusion:</a:t>
             </a:r>
-            <a:endParaRPr lang="en-US" sz="1400" b="1" dirty="0" smtClean="0">
-              <a:latin typeface="Century" panose="02040604050505020304" pitchFamily="18" charset="0"/>
-            </a:endParaRPr>
-          </a:p>
-          <a:p>
-            <a:r>
-              <a:rPr lang="en-US" sz="1400" dirty="0" smtClean="0">
-                <a:latin typeface="Century" panose="02040604050505020304" pitchFamily="18" charset="0"/>
-              </a:rPr>
-              <a:t>Model built after handling class imbalance and </a:t>
+          </a:p>
+          <a:p>
+            <a:r>
+              <a:rPr lang="en-US" sz="1400" dirty="0" smtClean="0">
+                <a:latin typeface="Century" panose="02040604050505020304" pitchFamily="18" charset="0"/>
+              </a:rPr>
+              <a:t>Model built </a:t>
+            </a:r>
+            <a:r>
+              <a:rPr lang="en-US" sz="1400" dirty="0" smtClean="0">
+                <a:latin typeface="Century" panose="02040604050505020304" pitchFamily="18" charset="0"/>
+              </a:rPr>
+              <a:t>after performing </a:t>
             </a:r>
             <a:r>
               <a:rPr lang="en-US" sz="1400" dirty="0" err="1" smtClean="0">
@@ -8619,11 +8828,14 @@
               <a:rPr lang="en-US" sz="1400" dirty="0" smtClean="0">
                 <a:latin typeface="Century" panose="02040604050505020304" pitchFamily="18" charset="0"/>
               </a:rPr>
-              <a:t> tuning was more reliable. Therefore, we would be considering this model for further analysis.</a:t>
-            </a:r>
-            <a:endParaRPr lang="en-US" sz="1400" dirty="0" smtClean="0">
-              <a:latin typeface="Century" panose="02040604050505020304" pitchFamily="18" charset="0"/>
-            </a:endParaRPr>
+              <a:t> </a:t>
+            </a:r>
+            <a:r>
+              <a:rPr lang="en-US" sz="1400" dirty="0" smtClean="0">
+                <a:latin typeface="Century" panose="02040604050505020304" pitchFamily="18" charset="0"/>
+              </a:rPr>
+              <a:t>tuning was more reliable. Therefore, we would be considering this model for further analysis.</a:t>
+            </a:r>
           </a:p>
           <a:p>
             <a:pPr>
@@ -8670,6 +8882,388 @@
           <a:chExt cx="0" cy="0"/>
         </a:xfrm>
       </p:grpSpPr>
+      <p:pic>
+        <p:nvPicPr>
+          <p:cNvPr id="3074" name="Picture 2"/>
+          <p:cNvPicPr>
+            <a:picLocks noChangeAspect="1" noChangeArrowheads="1"/>
+          </p:cNvPicPr>
+          <p:nvPr/>
+        </p:nvPicPr>
+        <p:blipFill>
+          <a:blip r:embed="rId2"/>
+          <a:srcRect/>
+          <a:stretch>
+            <a:fillRect/>
+          </a:stretch>
+        </p:blipFill>
+        <p:spPr bwMode="auto">
+          <a:xfrm>
+            <a:off x="455612" y="457200"/>
+            <a:ext cx="6172200" cy="2209800"/>
+          </a:xfrm>
+          <a:prstGeom prst="rect">
+            <a:avLst/>
+          </a:prstGeom>
+          <a:noFill/>
+          <a:ln w="9525">
+            <a:noFill/>
+            <a:miter lim="800000"/>
+            <a:headEnd/>
+            <a:tailEnd/>
+          </a:ln>
+          <a:effectLst/>
+        </p:spPr>
+      </p:pic>
+      <p:pic>
+        <p:nvPicPr>
+          <p:cNvPr id="3075" name="Picture 3"/>
+          <p:cNvPicPr>
+            <a:picLocks noChangeAspect="1" noChangeArrowheads="1"/>
+          </p:cNvPicPr>
+          <p:nvPr/>
+        </p:nvPicPr>
+        <p:blipFill>
+          <a:blip r:embed="rId3"/>
+          <a:srcRect/>
+          <a:stretch>
+            <a:fillRect/>
+          </a:stretch>
+        </p:blipFill>
+        <p:spPr bwMode="auto">
+          <a:xfrm>
+            <a:off x="531812" y="2133600"/>
+            <a:ext cx="4114800" cy="1600200"/>
+          </a:xfrm>
+          <a:prstGeom prst="rect">
+            <a:avLst/>
+          </a:prstGeom>
+          <a:noFill/>
+          <a:ln w="9525">
+            <a:noFill/>
+            <a:miter lim="800000"/>
+            <a:headEnd/>
+            <a:tailEnd/>
+          </a:ln>
+          <a:effectLst/>
+        </p:spPr>
+      </p:pic>
+      <p:pic>
+        <p:nvPicPr>
+          <p:cNvPr id="3076" name="Picture 4"/>
+          <p:cNvPicPr>
+            <a:picLocks noChangeAspect="1" noChangeArrowheads="1"/>
+          </p:cNvPicPr>
+          <p:nvPr/>
+        </p:nvPicPr>
+        <p:blipFill>
+          <a:blip r:embed="rId4"/>
+          <a:srcRect/>
+          <a:stretch>
+            <a:fillRect/>
+          </a:stretch>
+        </p:blipFill>
+        <p:spPr bwMode="auto">
+          <a:xfrm>
+            <a:off x="5789612" y="2057400"/>
+            <a:ext cx="4191000" cy="1828800"/>
+          </a:xfrm>
+          <a:prstGeom prst="rect">
+            <a:avLst/>
+          </a:prstGeom>
+          <a:noFill/>
+          <a:ln w="9525">
+            <a:noFill/>
+            <a:miter lim="800000"/>
+            <a:headEnd/>
+            <a:tailEnd/>
+          </a:ln>
+          <a:effectLst/>
+        </p:spPr>
+      </p:pic>
+      <p:pic>
+        <p:nvPicPr>
+          <p:cNvPr id="3077" name="Picture 5"/>
+          <p:cNvPicPr>
+            <a:picLocks noChangeAspect="1" noChangeArrowheads="1"/>
+          </p:cNvPicPr>
+          <p:nvPr/>
+        </p:nvPicPr>
+        <p:blipFill>
+          <a:blip r:embed="rId5"/>
+          <a:srcRect/>
+          <a:stretch>
+            <a:fillRect/>
+          </a:stretch>
+        </p:blipFill>
+        <p:spPr bwMode="auto">
+          <a:xfrm>
+            <a:off x="7466012" y="0"/>
+            <a:ext cx="4343401" cy="2895600"/>
+          </a:xfrm>
+          <a:prstGeom prst="rect">
+            <a:avLst/>
+          </a:prstGeom>
+          <a:noFill/>
+          <a:ln w="9525">
+            <a:noFill/>
+            <a:miter lim="800000"/>
+            <a:headEnd/>
+            <a:tailEnd/>
+          </a:ln>
+          <a:effectLst/>
+        </p:spPr>
+      </p:pic>
+      <p:sp>
+        <p:nvSpPr>
+          <p:cNvPr id="8" name="TextBox 7"/>
+          <p:cNvSpPr txBox="1"/>
+          <p:nvPr/>
+        </p:nvSpPr>
+        <p:spPr>
+          <a:xfrm>
+            <a:off x="760412" y="152400"/>
+            <a:ext cx="4800600" cy="381000"/>
+          </a:xfrm>
+          <a:prstGeom prst="rect">
+            <a:avLst/>
+          </a:prstGeom>
+          <a:noFill/>
+        </p:spPr>
+        <p:txBody>
+          <a:bodyPr wrap="square" rtlCol="0">
+            <a:spAutoFit/>
+          </a:bodyPr>
+          <a:lstStyle/>
+          <a:p>
+            <a:r>
+              <a:rPr lang="en-US" dirty="0" smtClean="0"/>
+              <a:t>KNN Model – Confusion Matrix </a:t>
+            </a:r>
+            <a:endParaRPr lang="en-US" dirty="0"/>
+          </a:p>
+        </p:txBody>
+      </p:sp>
+      <p:sp>
+        <p:nvSpPr>
+          <p:cNvPr id="9" name="Rectangle 8"/>
+          <p:cNvSpPr/>
+          <p:nvPr/>
+        </p:nvSpPr>
+        <p:spPr>
+          <a:xfrm>
+            <a:off x="455612" y="3810000"/>
+            <a:ext cx="9220200" cy="2862322"/>
+          </a:xfrm>
+          <a:prstGeom prst="rect">
+            <a:avLst/>
+          </a:prstGeom>
+        </p:spPr>
+        <p:txBody>
+          <a:bodyPr wrap="square">
+            <a:spAutoFit/>
+          </a:bodyPr>
+          <a:lstStyle/>
+          <a:p>
+            <a:r>
+              <a:rPr lang="en-US" sz="2000" b="1" u="sng" dirty="0" smtClean="0">
+                <a:latin typeface="Century" panose="02040604050505020304" pitchFamily="18" charset="0"/>
+              </a:rPr>
+              <a:t>Interpretation of test confusion matrix: </a:t>
+            </a:r>
+          </a:p>
+          <a:p>
+            <a:r>
+              <a:rPr lang="en-US" sz="1200" dirty="0" smtClean="0">
+                <a:latin typeface="Century" panose="02040604050505020304" pitchFamily="18" charset="0"/>
+              </a:rPr>
+              <a:t>Diagonal values represent accurate predictions, while non-diagonal predictions are not accurate. In the output, </a:t>
+            </a:r>
+            <a:r>
+              <a:rPr lang="en-US" sz="1200" dirty="0" smtClean="0">
+                <a:latin typeface="Century" panose="02040604050505020304" pitchFamily="18" charset="0"/>
+              </a:rPr>
+              <a:t>1101and 74  </a:t>
+            </a:r>
+            <a:r>
+              <a:rPr lang="en-US" sz="1200" dirty="0" smtClean="0">
+                <a:latin typeface="Century" panose="02040604050505020304" pitchFamily="18" charset="0"/>
+              </a:rPr>
+              <a:t>are actual predictions and </a:t>
+            </a:r>
+            <a:r>
+              <a:rPr lang="en-US" sz="1200" dirty="0" smtClean="0">
+                <a:latin typeface="Century" panose="02040604050505020304" pitchFamily="18" charset="0"/>
+              </a:rPr>
+              <a:t>127 and 6 </a:t>
+            </a:r>
+            <a:r>
+              <a:rPr lang="en-US" sz="1200" dirty="0" smtClean="0">
+                <a:latin typeface="Century" panose="02040604050505020304" pitchFamily="18" charset="0"/>
+              </a:rPr>
+              <a:t>are innacurate predictions.</a:t>
+            </a:r>
+          </a:p>
+          <a:p>
+            <a:r>
+              <a:rPr lang="en-US" sz="1200" dirty="0" smtClean="0">
+                <a:latin typeface="Century" panose="02040604050505020304" pitchFamily="18" charset="0"/>
+              </a:rPr>
+              <a:t>True Positive from our matrix :</a:t>
+            </a:r>
+            <a:r>
+              <a:rPr lang="en-US" sz="1200" dirty="0" smtClean="0">
+                <a:latin typeface="Century" panose="02040604050505020304" pitchFamily="18" charset="0"/>
+              </a:rPr>
+              <a:t>74</a:t>
+            </a:r>
+            <a:endParaRPr lang="en-US" sz="1200" dirty="0" smtClean="0">
+              <a:latin typeface="Century" panose="02040604050505020304" pitchFamily="18" charset="0"/>
+            </a:endParaRPr>
+          </a:p>
+          <a:p>
+            <a:r>
+              <a:rPr lang="en-US" sz="1200" dirty="0" smtClean="0">
+                <a:latin typeface="Century" panose="02040604050505020304" pitchFamily="18" charset="0"/>
+              </a:rPr>
+              <a:t>True Negative from our matrix </a:t>
+            </a:r>
+            <a:r>
+              <a:rPr lang="en-US" sz="1200" dirty="0" smtClean="0">
+                <a:latin typeface="Century" panose="02040604050505020304" pitchFamily="18" charset="0"/>
+              </a:rPr>
+              <a:t>1101</a:t>
+            </a:r>
+            <a:endParaRPr lang="en-US" sz="1200" dirty="0" smtClean="0">
+              <a:latin typeface="Century" panose="02040604050505020304" pitchFamily="18" charset="0"/>
+            </a:endParaRPr>
+          </a:p>
+          <a:p>
+            <a:r>
+              <a:rPr lang="en-US" sz="1200" dirty="0" smtClean="0">
+                <a:latin typeface="Century" panose="02040604050505020304" pitchFamily="18" charset="0"/>
+              </a:rPr>
+              <a:t>False Positive from our matrix :</a:t>
+            </a:r>
+            <a:r>
+              <a:rPr lang="en-US" sz="1200" dirty="0" smtClean="0">
+                <a:latin typeface="Century" panose="02040604050505020304" pitchFamily="18" charset="0"/>
+              </a:rPr>
+              <a:t>127</a:t>
+            </a:r>
+            <a:endParaRPr lang="en-US" sz="1200" dirty="0" smtClean="0">
+              <a:latin typeface="Century" panose="02040604050505020304" pitchFamily="18" charset="0"/>
+            </a:endParaRPr>
+          </a:p>
+          <a:p>
+            <a:r>
+              <a:rPr lang="en-US" sz="1200" dirty="0" smtClean="0">
+                <a:latin typeface="Century" panose="02040604050505020304" pitchFamily="18" charset="0"/>
+              </a:rPr>
+              <a:t>False Negative from our matrix </a:t>
+            </a:r>
+            <a:r>
+              <a:rPr lang="en-US" sz="1200" dirty="0" smtClean="0">
+                <a:latin typeface="Century" panose="02040604050505020304" pitchFamily="18" charset="0"/>
+              </a:rPr>
+              <a:t>:6</a:t>
+            </a:r>
+          </a:p>
+          <a:p>
+            <a:endParaRPr lang="en-US" sz="1200" dirty="0" smtClean="0">
+              <a:latin typeface="Century" panose="02040604050505020304" pitchFamily="18" charset="0"/>
+            </a:endParaRPr>
+          </a:p>
+          <a:p>
+            <a:r>
+              <a:rPr lang="en-US" sz="2000" b="1" u="sng" dirty="0" smtClean="0">
+                <a:latin typeface="Century" panose="02040604050505020304" pitchFamily="18" charset="0"/>
+              </a:rPr>
+              <a:t>Recall :</a:t>
+            </a:r>
+          </a:p>
+          <a:p>
+            <a:pPr marL="285750" indent="-285750">
+              <a:buFont typeface="Arial" panose="020B0604020202020204" pitchFamily="34" charset="0"/>
+              <a:buChar char="•"/>
+            </a:pPr>
+            <a:r>
+              <a:rPr lang="en-US" altLang="zh-CN" sz="1400" dirty="0" smtClean="0">
+                <a:latin typeface="Century" panose="02040604050505020304" pitchFamily="18" charset="0"/>
+              </a:rPr>
+              <a:t>Train Data : </a:t>
+            </a:r>
+            <a:r>
+              <a:rPr lang="en-US" altLang="zh-CN" sz="1400" dirty="0" smtClean="0">
+                <a:latin typeface="Century" panose="02040604050505020304" pitchFamily="18" charset="0"/>
+              </a:rPr>
+              <a:t>0.92</a:t>
+            </a:r>
+          </a:p>
+          <a:p>
+            <a:pPr marL="285750" indent="-285750">
+              <a:buFont typeface="Arial" panose="020B0604020202020204" pitchFamily="34" charset="0"/>
+              <a:buChar char="•"/>
+            </a:pPr>
+            <a:r>
+              <a:rPr lang="en-US" altLang="zh-CN" sz="1400" dirty="0" smtClean="0">
+                <a:latin typeface="Century" panose="02040604050505020304" pitchFamily="18" charset="0"/>
+              </a:rPr>
+              <a:t>Test </a:t>
+            </a:r>
+            <a:r>
+              <a:rPr lang="en-US" altLang="zh-CN" sz="1400" dirty="0" smtClean="0">
+                <a:latin typeface="Century" panose="02040604050505020304" pitchFamily="18" charset="0"/>
+              </a:rPr>
+              <a:t>Data :</a:t>
+            </a:r>
+            <a:r>
+              <a:rPr lang="en-US" altLang="zh-CN" sz="1400" dirty="0" smtClean="0">
+                <a:latin typeface="Century" panose="02040604050505020304" pitchFamily="18" charset="0"/>
+              </a:rPr>
+              <a:t>0.99</a:t>
+            </a:r>
+          </a:p>
+          <a:p>
+            <a:pPr marL="285750" indent="-285750">
+              <a:buFont typeface="Arial" panose="020B0604020202020204" pitchFamily="34" charset="0"/>
+              <a:buChar char="•"/>
+            </a:pPr>
+            <a:endParaRPr lang="en-US" altLang="zh-CN" sz="1400" dirty="0" smtClean="0">
+              <a:latin typeface="Century" panose="02040604050505020304" pitchFamily="18" charset="0"/>
+            </a:endParaRPr>
+          </a:p>
+          <a:p>
+            <a:r>
+              <a:rPr lang="en-US" altLang="zh-CN" sz="1400" dirty="0" smtClean="0">
+                <a:latin typeface="Century" panose="02040604050505020304" pitchFamily="18" charset="0"/>
+              </a:rPr>
+              <a:t>We can see that Recall for both Train and Test </a:t>
+            </a:r>
+            <a:r>
+              <a:rPr lang="en-US" altLang="zh-CN" sz="1400" dirty="0" smtClean="0">
+                <a:latin typeface="Century" panose="02040604050505020304" pitchFamily="18" charset="0"/>
+              </a:rPr>
+              <a:t>are same</a:t>
+            </a:r>
+            <a:r>
+              <a:rPr lang="en-US" altLang="zh-CN" sz="1400" dirty="0" smtClean="0">
+                <a:latin typeface="Century" panose="02040604050505020304" pitchFamily="18" charset="0"/>
+              </a:rPr>
+              <a:t>. Hence, model build is not </a:t>
+            </a:r>
+            <a:r>
+              <a:rPr lang="en-US" altLang="zh-CN" sz="1400" dirty="0" err="1" smtClean="0">
+                <a:latin typeface="Century" panose="02040604050505020304" pitchFamily="18" charset="0"/>
+              </a:rPr>
+              <a:t>overfittting</a:t>
+            </a:r>
+            <a:endParaRPr lang="en-US" altLang="zh-CN" sz="1400" dirty="0" smtClean="0">
+              <a:latin typeface="Century" panose="02040604050505020304" pitchFamily="18" charset="0"/>
+            </a:endParaRPr>
+          </a:p>
+        </p:txBody>
+      </p:sp>
     </p:spTree>
   </p:cSld>
   <p:clrMapOvr>
@@ -8703,8 +9297,8 @@
         </p:nvSpPr>
         <p:spPr>
           <a:xfrm>
-            <a:off x="227012" y="304800"/>
-            <a:ext cx="11430000" cy="6247864"/>
+            <a:off x="684212" y="304800"/>
+            <a:ext cx="6473825" cy="369332"/>
           </a:xfrm>
           <a:prstGeom prst="rect">
             <a:avLst/>
@@ -8717,442 +9311,211 @@
           <a:lstStyle/>
           <a:p>
             <a:r>
-              <a:rPr lang="en-US" sz="1400" b="1" u="sng" dirty="0" smtClean="0">
-                <a:latin typeface="Century" panose="02040604050505020304" pitchFamily="18" charset="0"/>
-              </a:rPr>
-              <a:t>Decision Tree Overview :</a:t>
-            </a:r>
-            <a:endParaRPr lang="en-US" sz="1400" b="1" u="sng" dirty="0" smtClean="0">
+              <a:rPr lang="en-US" altLang="zh-CN" dirty="0" smtClean="0">
+                <a:latin typeface="Century" panose="02040604050505020304" pitchFamily="18" charset="0"/>
+              </a:rPr>
+              <a:t>KNN Model- </a:t>
+            </a:r>
+            <a:r>
+              <a:rPr lang="en-US" altLang="zh-CN" dirty="0" smtClean="0">
+                <a:latin typeface="Century" panose="02040604050505020304" pitchFamily="18" charset="0"/>
+              </a:rPr>
+              <a:t>AUC ROC Curve and Cross Validation Score</a:t>
+            </a:r>
+            <a:endParaRPr lang="zh-CN" altLang="en-US" dirty="0">
               <a:latin typeface="Century" panose="02040604050505020304" pitchFamily="18" charset="0"/>
             </a:endParaRPr>
           </a:p>
-          <a:p>
-            <a:pPr>
-              <a:buFont typeface="Arial" panose="020B0604020202020204" pitchFamily="34" charset="0"/>
-              <a:buChar char="•"/>
-            </a:pPr>
-            <a:r>
-              <a:rPr lang="en-US" sz="1400" b="1" u="sng" dirty="0" smtClean="0">
-                <a:latin typeface="Century" panose="02040604050505020304" pitchFamily="18" charset="0"/>
-              </a:rPr>
-              <a:t>To be checked </a:t>
-            </a:r>
-            <a:endParaRPr lang="en-US" sz="1400" b="1" u="sng" dirty="0" smtClean="0">
-              <a:latin typeface="Century" panose="02040604050505020304" pitchFamily="18" charset="0"/>
+        </p:txBody>
+      </p:sp>
+      <p:pic>
+        <p:nvPicPr>
+          <p:cNvPr id="4098" name="Picture 2"/>
+          <p:cNvPicPr>
+            <a:picLocks noChangeAspect="1" noChangeArrowheads="1"/>
+          </p:cNvPicPr>
+          <p:nvPr/>
+        </p:nvPicPr>
+        <p:blipFill>
+          <a:blip r:embed="rId2"/>
+          <a:srcRect/>
+          <a:stretch>
+            <a:fillRect/>
+          </a:stretch>
+        </p:blipFill>
+        <p:spPr bwMode="auto">
+          <a:xfrm>
+            <a:off x="531812" y="685800"/>
+            <a:ext cx="5410200" cy="2571750"/>
+          </a:xfrm>
+          <a:prstGeom prst="rect">
+            <a:avLst/>
+          </a:prstGeom>
+          <a:noFill/>
+          <a:ln w="9525">
+            <a:noFill/>
+            <a:miter lim="800000"/>
+            <a:headEnd/>
+            <a:tailEnd/>
+          </a:ln>
+          <a:effectLst/>
+        </p:spPr>
+      </p:pic>
+      <p:pic>
+        <p:nvPicPr>
+          <p:cNvPr id="4099" name="Picture 3"/>
+          <p:cNvPicPr>
+            <a:picLocks noChangeAspect="1" noChangeArrowheads="1"/>
+          </p:cNvPicPr>
+          <p:nvPr/>
+        </p:nvPicPr>
+        <p:blipFill>
+          <a:blip r:embed="rId3"/>
+          <a:srcRect/>
+          <a:stretch>
+            <a:fillRect/>
+          </a:stretch>
+        </p:blipFill>
+        <p:spPr bwMode="auto">
+          <a:xfrm>
+            <a:off x="6551612" y="609600"/>
+            <a:ext cx="4695825" cy="2708128"/>
+          </a:xfrm>
+          <a:prstGeom prst="rect">
+            <a:avLst/>
+          </a:prstGeom>
+          <a:noFill/>
+          <a:ln w="9525">
+            <a:noFill/>
+            <a:miter lim="800000"/>
+            <a:headEnd/>
+            <a:tailEnd/>
+          </a:ln>
+          <a:effectLst/>
+        </p:spPr>
+      </p:pic>
+      <p:pic>
+        <p:nvPicPr>
+          <p:cNvPr id="4100" name="Picture 4"/>
+          <p:cNvPicPr>
+            <a:picLocks noChangeAspect="1" noChangeArrowheads="1"/>
+          </p:cNvPicPr>
+          <p:nvPr/>
+        </p:nvPicPr>
+        <p:blipFill>
+          <a:blip r:embed="rId4"/>
+          <a:srcRect/>
+          <a:stretch>
+            <a:fillRect/>
+          </a:stretch>
+        </p:blipFill>
+        <p:spPr bwMode="auto">
+          <a:xfrm>
+            <a:off x="455612" y="3352800"/>
+            <a:ext cx="6172200" cy="2171700"/>
+          </a:xfrm>
+          <a:prstGeom prst="rect">
+            <a:avLst/>
+          </a:prstGeom>
+          <a:noFill/>
+          <a:ln w="9525">
+            <a:noFill/>
+            <a:miter lim="800000"/>
+            <a:headEnd/>
+            <a:tailEnd/>
+          </a:ln>
+          <a:effectLst/>
+        </p:spPr>
+      </p:pic>
+      <p:sp>
+        <p:nvSpPr>
+          <p:cNvPr id="7" name="Rectangle 6"/>
+          <p:cNvSpPr/>
+          <p:nvPr/>
+        </p:nvSpPr>
+        <p:spPr>
+          <a:xfrm>
+            <a:off x="608012" y="5380672"/>
+            <a:ext cx="6092825" cy="1231106"/>
+          </a:xfrm>
+          <a:prstGeom prst="rect">
+            <a:avLst/>
+          </a:prstGeom>
+        </p:spPr>
+        <p:txBody>
+          <a:bodyPr>
+            <a:spAutoFit/>
+          </a:bodyPr>
+          <a:lstStyle/>
+          <a:p>
+            <a:endParaRPr lang="en-US" altLang="zh-CN" dirty="0" smtClean="0">
+              <a:solidFill>
+                <a:srgbClr val="000000"/>
+              </a:solidFill>
+              <a:latin typeface="Helvetica Neue"/>
             </a:endParaRPr>
           </a:p>
           <a:p>
-            <a:pPr>
-              <a:buFont typeface="Arial" panose="020B0604020202020204" pitchFamily="34" charset="0"/>
-              <a:buChar char="•"/>
-            </a:pPr>
-            <a:endParaRPr lang="en-US" sz="1400" b="1" u="sng" dirty="0">
-              <a:latin typeface="Century" panose="02040604050505020304" pitchFamily="18" charset="0"/>
+            <a:r>
+              <a:rPr lang="en-US" altLang="zh-CN" sz="1400" dirty="0" smtClean="0">
+                <a:solidFill>
+                  <a:srgbClr val="000000"/>
+                </a:solidFill>
+                <a:latin typeface="Century" pitchFamily="18" charset="0"/>
+              </a:rPr>
+              <a:t>From ROC curve we have value of </a:t>
+            </a:r>
+            <a:r>
+              <a:rPr lang="en-US" altLang="zh-CN" sz="1400" dirty="0" smtClean="0">
+                <a:solidFill>
+                  <a:srgbClr val="000000"/>
+                </a:solidFill>
+                <a:latin typeface="Century" pitchFamily="18" charset="0"/>
+              </a:rPr>
+              <a:t>0.96 </a:t>
+            </a:r>
+            <a:r>
+              <a:rPr lang="en-US" altLang="zh-CN" sz="1400" dirty="0" smtClean="0">
+                <a:solidFill>
+                  <a:srgbClr val="000000"/>
+                </a:solidFill>
+                <a:latin typeface="Century" pitchFamily="18" charset="0"/>
+              </a:rPr>
+              <a:t>which means that our model is good at predicting.</a:t>
+            </a:r>
+          </a:p>
+          <a:p>
+            <a:endParaRPr lang="en-US" altLang="zh-CN" sz="1400" dirty="0" smtClean="0">
+              <a:solidFill>
+                <a:srgbClr val="000000"/>
+              </a:solidFill>
+              <a:latin typeface="Century" pitchFamily="18" charset="0"/>
             </a:endParaRPr>
           </a:p>
           <a:p>
-            <a:pPr>
-              <a:buFont typeface="Arial" panose="020B0604020202020204" pitchFamily="34" charset="0"/>
-              <a:buChar char="•"/>
-            </a:pPr>
-            <a:endParaRPr lang="en-US" sz="1400" b="1" u="sng" dirty="0" smtClean="0">
-              <a:latin typeface="Century" panose="02040604050505020304" pitchFamily="18" charset="0"/>
-            </a:endParaRPr>
-          </a:p>
-          <a:p>
-            <a:pPr>
-              <a:buFont typeface="Arial" panose="020B0604020202020204" pitchFamily="34" charset="0"/>
-              <a:buChar char="•"/>
-            </a:pPr>
-            <a:endParaRPr lang="en-US" sz="1400" b="1" u="sng" dirty="0">
-              <a:latin typeface="Century" panose="02040604050505020304" pitchFamily="18" charset="0"/>
-            </a:endParaRPr>
-          </a:p>
-          <a:p>
-            <a:pPr>
-              <a:buFont typeface="Arial" panose="020B0604020202020204" pitchFamily="34" charset="0"/>
-              <a:buChar char="•"/>
-            </a:pPr>
-            <a:r>
-              <a:rPr lang="en-US" sz="1400" b="1" u="sng" dirty="0" smtClean="0">
-                <a:latin typeface="Century" panose="02040604050505020304" pitchFamily="18" charset="0"/>
-              </a:rPr>
-              <a:t>Reasons for choosing :</a:t>
-            </a:r>
-            <a:endParaRPr lang="en-US" sz="1400" b="1" u="sng" dirty="0" smtClean="0">
-              <a:latin typeface="Century" panose="02040604050505020304" pitchFamily="18" charset="0"/>
-            </a:endParaRPr>
-          </a:p>
-          <a:p>
-            <a:pPr fontAlgn="base">
-              <a:buFont typeface="Arial" panose="020B0604020202020204" pitchFamily="34" charset="0"/>
-              <a:buChar char="•"/>
-            </a:pPr>
-            <a:r>
-              <a:rPr lang="en-US" sz="1400" dirty="0" smtClean="0"/>
-              <a:t>It requires reduced effort for data preparation during pre-processing </a:t>
-            </a:r>
-            <a:r>
-              <a:rPr lang="en-US" sz="1400" dirty="0" smtClean="0">
-                <a:latin typeface="Century" panose="02040604050505020304" pitchFamily="18" charset="0"/>
-              </a:rPr>
-              <a:t>Only one hyper parameter to be set</a:t>
-            </a:r>
-            <a:endParaRPr lang="en-US" sz="1400" dirty="0" smtClean="0">
-              <a:latin typeface="Century" panose="02040604050505020304" pitchFamily="18" charset="0"/>
-            </a:endParaRPr>
-          </a:p>
-          <a:p>
-            <a:pPr>
-              <a:buFont typeface="Arial" panose="020B0604020202020204" pitchFamily="34" charset="0"/>
-              <a:buChar char="•"/>
-            </a:pPr>
-            <a:r>
-              <a:rPr lang="en-US" sz="1400" dirty="0"/>
-              <a:t>M</a:t>
-            </a:r>
-            <a:r>
-              <a:rPr lang="en-US" sz="1400" dirty="0" smtClean="0"/>
-              <a:t>odel does not require scaling of data, nor does it require normalization. However these stages have already been accounted for, for accuracy purposes.</a:t>
-            </a:r>
-            <a:endParaRPr lang="en-US" sz="1400" dirty="0" smtClean="0"/>
-          </a:p>
-          <a:p>
-            <a:pPr>
-              <a:buFont typeface="Arial" panose="020B0604020202020204" pitchFamily="34" charset="0"/>
-              <a:buChar char="•"/>
-            </a:pPr>
-            <a:r>
-              <a:rPr lang="en-US" sz="1400" dirty="0" smtClean="0"/>
-              <a:t>These models are extremely fast and inexpensive to construct</a:t>
-            </a:r>
-            <a:endParaRPr lang="en-US" sz="1400" dirty="0" smtClean="0"/>
-          </a:p>
-          <a:p>
-            <a:pPr>
-              <a:buFont typeface="Arial" panose="020B0604020202020204" pitchFamily="34" charset="0"/>
-              <a:buChar char="•"/>
-            </a:pPr>
-            <a:endParaRPr lang="en-US" sz="1400" dirty="0" smtClean="0">
-              <a:latin typeface="Century" panose="02040604050505020304" pitchFamily="18" charset="0"/>
-            </a:endParaRPr>
-          </a:p>
-          <a:p>
-            <a:r>
-              <a:rPr lang="en-US" sz="1400" b="1" u="sng" dirty="0" smtClean="0">
-                <a:latin typeface="Century" panose="02040604050505020304" pitchFamily="18" charset="0"/>
-              </a:rPr>
-              <a:t>Different variations :</a:t>
-            </a:r>
-            <a:endParaRPr lang="en-US" sz="1400" b="1" u="sng" dirty="0" smtClean="0">
-              <a:latin typeface="Century" panose="02040604050505020304" pitchFamily="18" charset="0"/>
-            </a:endParaRPr>
-          </a:p>
-          <a:p>
-            <a:pPr>
-              <a:buFont typeface="Arial" panose="020B0604020202020204" pitchFamily="34" charset="0"/>
-              <a:buChar char="•"/>
-            </a:pPr>
-            <a:r>
-              <a:rPr lang="en-US" sz="1400" dirty="0" smtClean="0">
-                <a:latin typeface="Century" panose="02040604050505020304" pitchFamily="18" charset="0"/>
-              </a:rPr>
-              <a:t>DT_Model_1(</a:t>
-            </a:r>
-            <a:r>
-              <a:rPr lang="en-US" sz="1400" dirty="0" err="1" smtClean="0">
-                <a:latin typeface="Century" panose="02040604050505020304" pitchFamily="18" charset="0"/>
-              </a:rPr>
-              <a:t>Unoptimized</a:t>
-            </a:r>
-            <a:r>
-              <a:rPr lang="en-US" sz="1400" dirty="0" smtClean="0">
-                <a:latin typeface="Century" panose="02040604050505020304" pitchFamily="18" charset="0"/>
-              </a:rPr>
-              <a:t> </a:t>
-            </a:r>
-            <a:r>
-              <a:rPr lang="en-US" sz="1400" dirty="0">
-                <a:latin typeface="Century" panose="02040604050505020304" pitchFamily="18" charset="0"/>
-              </a:rPr>
-              <a:t>+ </a:t>
-            </a:r>
-            <a:r>
-              <a:rPr lang="en-US" sz="1400" dirty="0" err="1">
-                <a:latin typeface="Century" panose="02040604050505020304" pitchFamily="18" charset="0"/>
-              </a:rPr>
-              <a:t>Class_weights</a:t>
-            </a:r>
-            <a:r>
-              <a:rPr lang="en-US" sz="1400" dirty="0">
-                <a:latin typeface="Century" panose="02040604050505020304" pitchFamily="18" charset="0"/>
-              </a:rPr>
-              <a:t>)</a:t>
-            </a:r>
-            <a:endParaRPr lang="en-US" sz="1400" dirty="0">
-              <a:latin typeface="Century" panose="02040604050505020304" pitchFamily="18" charset="0"/>
-            </a:endParaRPr>
-          </a:p>
-          <a:p>
-            <a:pPr>
-              <a:buFont typeface="Arial" panose="020B0604020202020204" pitchFamily="34" charset="0"/>
-              <a:buChar char="•"/>
-            </a:pPr>
-            <a:r>
-              <a:rPr lang="en-US" sz="1400" dirty="0" smtClean="0">
-                <a:latin typeface="Century" panose="02040604050505020304" pitchFamily="18" charset="0"/>
-              </a:rPr>
-              <a:t>DT_Model_2(</a:t>
-            </a:r>
-            <a:r>
-              <a:rPr lang="en-US" sz="1400" dirty="0" err="1" smtClean="0">
-                <a:latin typeface="Century" panose="02040604050505020304" pitchFamily="18" charset="0"/>
-              </a:rPr>
-              <a:t>Hyperparameter</a:t>
-            </a:r>
-            <a:r>
-              <a:rPr lang="en-US" sz="1400" dirty="0" smtClean="0">
-                <a:latin typeface="Century" panose="02040604050505020304" pitchFamily="18" charset="0"/>
-              </a:rPr>
-              <a:t> </a:t>
-            </a:r>
-            <a:r>
-              <a:rPr lang="en-US" sz="1400" dirty="0">
-                <a:latin typeface="Century" panose="02040604050505020304" pitchFamily="18" charset="0"/>
-              </a:rPr>
-              <a:t>Tuning using </a:t>
-            </a:r>
-            <a:r>
-              <a:rPr lang="en-US" sz="1400" dirty="0" err="1">
-                <a:latin typeface="Century" panose="02040604050505020304" pitchFamily="18" charset="0"/>
-              </a:rPr>
-              <a:t>GridSearchCV</a:t>
-            </a:r>
-            <a:r>
-              <a:rPr lang="en-US" sz="1400" dirty="0">
-                <a:latin typeface="Century" panose="02040604050505020304" pitchFamily="18" charset="0"/>
-              </a:rPr>
-              <a:t> )</a:t>
-            </a:r>
-            <a:endParaRPr lang="en-US" sz="1400" dirty="0">
-              <a:latin typeface="Century" panose="02040604050505020304" pitchFamily="18" charset="0"/>
-            </a:endParaRPr>
-          </a:p>
-          <a:p>
-            <a:endParaRPr lang="en-US" sz="1400" dirty="0" smtClean="0">
-              <a:latin typeface="Century" panose="02040604050505020304" pitchFamily="18" charset="0"/>
-            </a:endParaRPr>
-          </a:p>
-          <a:p>
-            <a:r>
-              <a:rPr lang="en-US" sz="1400" b="1" u="sng" dirty="0" smtClean="0">
-                <a:latin typeface="Century" panose="02040604050505020304" pitchFamily="18" charset="0"/>
-              </a:rPr>
-              <a:t>Observation on these models:</a:t>
-            </a:r>
-            <a:endParaRPr lang="en-US" sz="1400" b="1" u="sng" dirty="0" smtClean="0">
-              <a:latin typeface="Century" panose="02040604050505020304" pitchFamily="18" charset="0"/>
-            </a:endParaRPr>
-          </a:p>
-          <a:p>
-            <a:endParaRPr lang="en-US" sz="1600" b="1" dirty="0">
-              <a:latin typeface="Century" panose="02040604050505020304" pitchFamily="18" charset="0"/>
-            </a:endParaRPr>
-          </a:p>
-          <a:p>
-            <a:r>
-              <a:rPr lang="en-US" sz="1600" b="1" dirty="0">
-                <a:latin typeface="Century" panose="02040604050505020304" pitchFamily="18" charset="0"/>
-              </a:rPr>
-              <a:t>DT_Model_1(</a:t>
-            </a:r>
-            <a:r>
-              <a:rPr lang="en-US" sz="1600" b="1" dirty="0" err="1">
-                <a:latin typeface="Century" panose="02040604050505020304" pitchFamily="18" charset="0"/>
-              </a:rPr>
-              <a:t>Unoptimized</a:t>
-            </a:r>
-            <a:r>
-              <a:rPr lang="en-US" sz="1600" b="1" dirty="0">
-                <a:latin typeface="Century" panose="02040604050505020304" pitchFamily="18" charset="0"/>
-              </a:rPr>
-              <a:t> + </a:t>
-            </a:r>
-            <a:r>
-              <a:rPr lang="en-US" sz="1600" b="1" dirty="0" err="1">
-                <a:latin typeface="Century" panose="02040604050505020304" pitchFamily="18" charset="0"/>
-              </a:rPr>
-              <a:t>Class_weights</a:t>
-            </a:r>
-            <a:r>
-              <a:rPr lang="en-US" sz="1600" b="1" dirty="0">
-                <a:latin typeface="Century" panose="02040604050505020304" pitchFamily="18" charset="0"/>
-              </a:rPr>
-              <a:t>) </a:t>
-            </a:r>
-            <a:endParaRPr lang="en-US" sz="1600" b="1" dirty="0">
-              <a:latin typeface="Century" panose="02040604050505020304" pitchFamily="18" charset="0"/>
-            </a:endParaRPr>
-          </a:p>
-          <a:p>
-            <a:pPr>
-              <a:buFont typeface="Arial" panose="020B0604020202020204" pitchFamily="34" charset="0"/>
-              <a:buChar char="•"/>
-            </a:pPr>
-            <a:r>
-              <a:rPr lang="en-US" sz="1400" dirty="0" smtClean="0"/>
-              <a:t> Recall </a:t>
-            </a:r>
-            <a:r>
-              <a:rPr lang="en-US" sz="1400" dirty="0"/>
-              <a:t>Scores for train and test </a:t>
-            </a:r>
-            <a:r>
-              <a:rPr lang="en-US" sz="1400" dirty="0" smtClean="0"/>
-              <a:t>set were far apart</a:t>
-            </a:r>
-            <a:endParaRPr lang="en-US" sz="1400" dirty="0"/>
-          </a:p>
-          <a:p>
-            <a:pPr>
-              <a:buFont typeface="Arial" panose="020B0604020202020204" pitchFamily="34" charset="0"/>
-              <a:buChar char="•"/>
-            </a:pPr>
-            <a:r>
-              <a:rPr lang="en-US" sz="1400" dirty="0" smtClean="0"/>
-              <a:t> This </a:t>
-            </a:r>
-            <a:r>
-              <a:rPr lang="en-US" sz="1400" dirty="0"/>
-              <a:t>suggests that the model is overfitting</a:t>
-            </a:r>
-            <a:r>
-              <a:rPr lang="en-US" sz="1400" dirty="0" smtClean="0"/>
-              <a:t>.</a:t>
-            </a:r>
-            <a:endParaRPr lang="en-US" sz="1400" dirty="0" smtClean="0"/>
-          </a:p>
-          <a:p>
-            <a:pPr>
-              <a:buFont typeface="Arial" panose="020B0604020202020204" pitchFamily="34" charset="0"/>
-              <a:buChar char="•"/>
-            </a:pPr>
-            <a:endParaRPr lang="en-US" sz="1600" b="1" dirty="0">
-              <a:latin typeface="Century" panose="02040604050505020304" pitchFamily="18" charset="0"/>
-            </a:endParaRPr>
-          </a:p>
-          <a:p>
-            <a:r>
-              <a:rPr lang="en-US" sz="1600" b="1" dirty="0">
-                <a:latin typeface="Century" panose="02040604050505020304" pitchFamily="18" charset="0"/>
-              </a:rPr>
-              <a:t>DT_Model_2(</a:t>
-            </a:r>
-            <a:r>
-              <a:rPr lang="en-US" sz="1600" b="1" dirty="0" err="1">
-                <a:latin typeface="Century" panose="02040604050505020304" pitchFamily="18" charset="0"/>
-              </a:rPr>
-              <a:t>Hyperparameter</a:t>
-            </a:r>
-            <a:r>
-              <a:rPr lang="en-US" sz="1600" b="1" dirty="0">
-                <a:latin typeface="Century" panose="02040604050505020304" pitchFamily="18" charset="0"/>
-              </a:rPr>
-              <a:t> Tuning using </a:t>
-            </a:r>
-            <a:r>
-              <a:rPr lang="en-US" sz="1600" b="1" dirty="0" err="1">
-                <a:latin typeface="Century" panose="02040604050505020304" pitchFamily="18" charset="0"/>
-              </a:rPr>
-              <a:t>GridSearchCV</a:t>
-            </a:r>
-            <a:r>
-              <a:rPr lang="en-US" sz="1600" b="1" dirty="0">
-                <a:latin typeface="Century" panose="02040604050505020304" pitchFamily="18" charset="0"/>
-              </a:rPr>
-              <a:t> )</a:t>
-            </a:r>
-            <a:endParaRPr lang="en-US" sz="1600" b="1" dirty="0">
-              <a:latin typeface="Century" panose="02040604050505020304" pitchFamily="18" charset="0"/>
-            </a:endParaRPr>
-          </a:p>
-          <a:p>
-            <a:pPr>
-              <a:buFont typeface="Arial" panose="020B0604020202020204" pitchFamily="34" charset="0"/>
-              <a:buChar char="•"/>
-            </a:pPr>
-            <a:r>
-              <a:rPr lang="en-US" sz="1400" dirty="0" smtClean="0">
-                <a:latin typeface="Century" panose="02040604050505020304" pitchFamily="18" charset="0"/>
-              </a:rPr>
-              <a:t>Recall for test set has improved to  0.92 after  </a:t>
-            </a:r>
-            <a:r>
-              <a:rPr lang="en-US" sz="1400" dirty="0" err="1" smtClean="0">
-                <a:latin typeface="Century" panose="02040604050505020304" pitchFamily="18" charset="0"/>
-              </a:rPr>
-              <a:t>hyperparameter</a:t>
-            </a:r>
-            <a:r>
-              <a:rPr lang="en-US" sz="1400" dirty="0" smtClean="0">
-                <a:latin typeface="Century" panose="02040604050505020304" pitchFamily="18" charset="0"/>
-              </a:rPr>
-              <a:t> tuning.</a:t>
-            </a:r>
-            <a:endParaRPr lang="en-US" sz="1400" dirty="0" smtClean="0">
-              <a:latin typeface="Century" panose="02040604050505020304" pitchFamily="18" charset="0"/>
-            </a:endParaRPr>
-          </a:p>
-          <a:p>
-            <a:pPr>
-              <a:buFont typeface="Arial" panose="020B0604020202020204" pitchFamily="34" charset="0"/>
-              <a:buChar char="•"/>
-            </a:pPr>
-            <a:endParaRPr lang="en-US" sz="1400" dirty="0">
-              <a:latin typeface="Century" panose="02040604050505020304" pitchFamily="18" charset="0"/>
-            </a:endParaRPr>
-          </a:p>
-          <a:p>
-            <a:pPr>
-              <a:buFont typeface="Arial" panose="020B0604020202020204" pitchFamily="34" charset="0"/>
-              <a:buChar char="•"/>
-            </a:pPr>
-            <a:endParaRPr lang="en-US" sz="1400" dirty="0" smtClean="0">
-              <a:latin typeface="Century" panose="02040604050505020304" pitchFamily="18" charset="0"/>
-            </a:endParaRPr>
-          </a:p>
-          <a:p>
-            <a:r>
-              <a:rPr lang="en-US" sz="1400" b="1" dirty="0" smtClean="0">
-                <a:latin typeface="Century" panose="02040604050505020304" pitchFamily="18" charset="0"/>
-              </a:rPr>
-              <a:t>DT Model - Conclusion:</a:t>
-            </a:r>
-            <a:endParaRPr lang="en-US" sz="1400" b="1" dirty="0" smtClean="0">
-              <a:latin typeface="Century" panose="02040604050505020304" pitchFamily="18" charset="0"/>
-            </a:endParaRPr>
-          </a:p>
-          <a:p>
-            <a:r>
-              <a:rPr lang="en-US" sz="1400" dirty="0" smtClean="0">
-                <a:latin typeface="Century" panose="02040604050505020304" pitchFamily="18" charset="0"/>
-              </a:rPr>
-              <a:t>Model built after performing </a:t>
-            </a:r>
-            <a:r>
-              <a:rPr lang="en-US" sz="1400" dirty="0" err="1" smtClean="0">
-                <a:latin typeface="Century" panose="02040604050505020304" pitchFamily="18" charset="0"/>
-              </a:rPr>
-              <a:t>hyperparameter</a:t>
-            </a:r>
-            <a:r>
-              <a:rPr lang="en-US" sz="1400" dirty="0" smtClean="0">
-                <a:latin typeface="Century" panose="02040604050505020304" pitchFamily="18" charset="0"/>
-              </a:rPr>
-              <a:t> tuning was more reliable. Therefore, we would be considering this model for further analysis.</a:t>
-            </a:r>
-            <a:endParaRPr lang="en-US" sz="1400" dirty="0">
-              <a:latin typeface="Century" panose="02040604050505020304" pitchFamily="18" charset="0"/>
+            <a:r>
+              <a:rPr lang="en-US" altLang="zh-CN" sz="1400" dirty="0" smtClean="0">
+                <a:solidFill>
+                  <a:srgbClr val="000000"/>
+                </a:solidFill>
+                <a:latin typeface="Century" pitchFamily="18" charset="0"/>
+              </a:rPr>
+              <a:t>Cross Validation  Recall score :</a:t>
+            </a:r>
+            <a:r>
+              <a:rPr lang="en-US" altLang="zh-CN" sz="1400" dirty="0" smtClean="0">
+                <a:solidFill>
+                  <a:srgbClr val="000000"/>
+                </a:solidFill>
+                <a:latin typeface="Century" pitchFamily="18" charset="0"/>
+              </a:rPr>
+              <a:t>0.93</a:t>
+            </a:r>
+            <a:endParaRPr lang="en-US" altLang="zh-CN" dirty="0" smtClean="0">
+              <a:solidFill>
+                <a:srgbClr val="000000"/>
+              </a:solidFill>
+              <a:latin typeface="Century" pitchFamily="18" charset="0"/>
             </a:endParaRPr>
           </a:p>
         </p:txBody>
@@ -9182,132 +9545,16 @@
           <a:chExt cx="0" cy="0"/>
         </a:xfrm>
       </p:grpSpPr>
-      <p:graphicFrame>
-        <p:nvGraphicFramePr>
-          <p:cNvPr id="3" name="Table 2"/>
-          <p:cNvGraphicFramePr>
-            <a:graphicFrameLocks noGrp="1"/>
-          </p:cNvGraphicFramePr>
-          <p:nvPr/>
-        </p:nvGraphicFramePr>
-        <p:xfrm>
-          <a:off x="608012" y="457200"/>
-          <a:ext cx="10972800" cy="3429000"/>
-        </p:xfrm>
-        <a:graphic>
-          <a:graphicData uri="http://schemas.openxmlformats.org/drawingml/2006/table">
-            <a:tbl>
-              <a:tblPr firstRow="1" bandRow="1">
-                <a:tableStyleId>{5C22544A-7EE6-4342-B048-85BDC9FD1C3A}</a:tableStyleId>
-              </a:tblPr>
-              <a:tblGrid>
-                <a:gridCol w="4867615"/>
-                <a:gridCol w="6105185"/>
-              </a:tblGrid>
-              <a:tr h="426798">
-                <a:tc>
-                  <a:txBody>
-                    <a:bodyPr/>
-                    <a:lstStyle/>
-                    <a:p>
-                      <a:pPr algn="ctr"/>
-                      <a:r>
-                        <a:rPr lang="en-US" altLang="zh-CN" dirty="0" smtClean="0"/>
-                        <a:t>Prediction</a:t>
-                      </a:r>
-                      <a:r>
-                        <a:rPr lang="en-US" altLang="zh-CN" baseline="0" dirty="0" smtClean="0"/>
-                        <a:t> on Train Data Set</a:t>
-                      </a:r>
-                      <a:endParaRPr lang="zh-CN" altLang="en-US" dirty="0"/>
-                    </a:p>
-                  </a:txBody>
-                  <a:tcPr/>
-                </a:tc>
-                <a:tc>
-                  <a:txBody>
-                    <a:bodyPr/>
-                    <a:lstStyle/>
-                    <a:p>
-                      <a:pPr algn="ctr"/>
-                      <a:r>
-                        <a:rPr lang="en-US" altLang="zh-CN" dirty="0" smtClean="0"/>
-                        <a:t>Prediction on Test Data Set</a:t>
-                      </a:r>
-                      <a:endParaRPr lang="zh-CN" altLang="en-US" dirty="0"/>
-                    </a:p>
-                  </a:txBody>
-                  <a:tcPr/>
-                </a:tc>
-              </a:tr>
-              <a:tr h="3002202">
-                <a:tc>
-                  <a:txBody>
-                    <a:bodyPr/>
-                    <a:lstStyle/>
-                    <a:p>
-                      <a:endParaRPr lang="zh-CN" altLang="en-US" dirty="0"/>
-                    </a:p>
-                  </a:txBody>
-                  <a:tcPr>
-                    <a:solidFill>
-                      <a:schemeClr val="bg1"/>
-                    </a:solidFill>
-                  </a:tcPr>
-                </a:tc>
-                <a:tc>
-                  <a:txBody>
-                    <a:bodyPr/>
-                    <a:lstStyle/>
-                    <a:p>
-                      <a:endParaRPr lang="zh-CN" altLang="en-US" dirty="0"/>
-                    </a:p>
-                  </a:txBody>
-                  <a:tcPr>
-                    <a:solidFill>
-                      <a:schemeClr val="bg1"/>
-                    </a:solidFill>
-                  </a:tcPr>
-                </a:tc>
-              </a:tr>
-            </a:tbl>
-          </a:graphicData>
-        </a:graphic>
-      </p:graphicFrame>
-      <p:pic>
-        <p:nvPicPr>
-          <p:cNvPr id="4" name="Picture 3" descr="cm1.PNG"/>
-          <p:cNvPicPr>
-            <a:picLocks noChangeAspect="1"/>
-          </p:cNvPicPr>
-          <p:nvPr/>
-        </p:nvPicPr>
-        <p:blipFill>
-          <a:blip r:embed="rId1"/>
-          <a:stretch>
-            <a:fillRect/>
-          </a:stretch>
-        </p:blipFill>
-        <p:spPr>
-          <a:xfrm>
-            <a:off x="5484812" y="838200"/>
-            <a:ext cx="5502117" cy="3741744"/>
-          </a:xfrm>
-          <a:prstGeom prst="rect">
-            <a:avLst/>
-          </a:prstGeom>
-        </p:spPr>
-      </p:pic>
-      <p:sp>
-        <p:nvSpPr>
-          <p:cNvPr id="5" name="Rectangle 4"/>
+      <p:sp>
+        <p:nvSpPr>
+          <p:cNvPr id="3" name="Rectangle 2"/>
           <p:cNvSpPr/>
           <p:nvPr/>
         </p:nvSpPr>
         <p:spPr>
           <a:xfrm>
-            <a:off x="303212" y="3962400"/>
-            <a:ext cx="8686800" cy="2862322"/>
+            <a:off x="227012" y="304800"/>
+            <a:ext cx="11430000" cy="6155531"/>
           </a:xfrm>
           <a:prstGeom prst="rect">
             <a:avLst/>
@@ -9320,148 +9567,395 @@
           <a:lstStyle/>
           <a:p>
             <a:r>
-              <a:rPr lang="en-US" sz="2000" b="1" u="sng" dirty="0" smtClean="0">
-                <a:latin typeface="Century" panose="02040604050505020304" pitchFamily="18" charset="0"/>
-              </a:rPr>
-              <a:t>Interpretation of confusion matrix: </a:t>
-            </a:r>
-            <a:endParaRPr lang="en-US" sz="2000" b="1" u="sng" dirty="0" smtClean="0">
-              <a:latin typeface="Century" panose="02040604050505020304" pitchFamily="18" charset="0"/>
-            </a:endParaRPr>
-          </a:p>
-          <a:p>
-            <a:r>
-              <a:rPr lang="en-US" sz="1400" dirty="0" smtClean="0">
-                <a:latin typeface="Century" panose="02040604050505020304" pitchFamily="18" charset="0"/>
-              </a:rPr>
-              <a:t>Diagonal values represent accurate predictions, while non-diagonal predictions are not accurate. In the output, 1219 and 42 are actual predictions and 38 and 9 are innacurate predictions.</a:t>
-            </a:r>
+              <a:rPr lang="en-US" sz="1400" b="1" u="sng" dirty="0" smtClean="0">
+                <a:latin typeface="Century" panose="02040604050505020304" pitchFamily="18" charset="0"/>
+              </a:rPr>
+              <a:t>Decision Tree Overview </a:t>
+            </a:r>
+            <a:r>
+              <a:rPr lang="en-US" sz="1400" b="1" u="sng" dirty="0" smtClean="0">
+                <a:latin typeface="Century" panose="02040604050505020304" pitchFamily="18" charset="0"/>
+              </a:rPr>
+              <a:t>:</a:t>
+            </a:r>
+          </a:p>
+          <a:p>
+            <a:pPr>
+              <a:buFont typeface="Arial" pitchFamily="34" charset="0"/>
+              <a:buChar char="•"/>
+            </a:pPr>
+            <a:r>
+              <a:rPr lang="en-US" sz="1400" dirty="0" smtClean="0">
+                <a:latin typeface="Century" panose="02040604050505020304" pitchFamily="18" charset="0"/>
+              </a:rPr>
+              <a:t>A decision tree is a machine learning algorithm that partitions the data into subsets</a:t>
+            </a:r>
+            <a:r>
+              <a:rPr lang="en-US" sz="1400" dirty="0" smtClean="0">
+                <a:latin typeface="Century" panose="02040604050505020304" pitchFamily="18" charset="0"/>
+              </a:rPr>
+              <a:t>.</a:t>
+            </a:r>
+          </a:p>
+          <a:p>
+            <a:pPr>
+              <a:buFont typeface="Arial" pitchFamily="34" charset="0"/>
+              <a:buChar char="•"/>
+            </a:pPr>
             <a:endParaRPr lang="en-US" sz="1400" dirty="0" smtClean="0">
               <a:latin typeface="Century" panose="02040604050505020304" pitchFamily="18" charset="0"/>
             </a:endParaRPr>
           </a:p>
           <a:p>
-            <a:r>
-              <a:rPr lang="en-US" sz="1400" dirty="0" smtClean="0">
-                <a:latin typeface="Century" panose="02040604050505020304" pitchFamily="18" charset="0"/>
-              </a:rPr>
-              <a:t>True Positive from our matrix :74</a:t>
+            <a:endParaRPr lang="en-US" sz="1400" b="1" u="sng" dirty="0">
+              <a:latin typeface="Century" panose="02040604050505020304" pitchFamily="18" charset="0"/>
+            </a:endParaRPr>
+          </a:p>
+          <a:p>
+            <a:pPr>
+              <a:buFont typeface="Arial" panose="020B0604020202020204" pitchFamily="34" charset="0"/>
+              <a:buChar char="•"/>
+            </a:pPr>
+            <a:r>
+              <a:rPr lang="en-US" sz="1400" b="1" u="sng" dirty="0" smtClean="0">
+                <a:latin typeface="Century" panose="02040604050505020304" pitchFamily="18" charset="0"/>
+              </a:rPr>
+              <a:t>Reasons for choosing :</a:t>
+            </a:r>
+          </a:p>
+          <a:p>
+            <a:pPr fontAlgn="base">
+              <a:buFont typeface="Arial" panose="020B0604020202020204" pitchFamily="34" charset="0"/>
+              <a:buChar char="•"/>
+            </a:pPr>
+            <a:r>
+              <a:rPr lang="en-US" sz="1400" dirty="0" smtClean="0"/>
+              <a:t>It requires reduced effort for data preparation during </a:t>
+            </a:r>
+            <a:r>
+              <a:rPr lang="en-US" sz="1400" dirty="0" smtClean="0"/>
+              <a:t>pre-processing</a:t>
             </a:r>
             <a:endParaRPr lang="en-US" sz="1400" dirty="0" smtClean="0">
               <a:latin typeface="Century" panose="02040604050505020304" pitchFamily="18" charset="0"/>
             </a:endParaRPr>
           </a:p>
           <a:p>
-            <a:r>
-              <a:rPr lang="en-US" sz="1400" dirty="0" smtClean="0">
-                <a:latin typeface="Century" panose="02040604050505020304" pitchFamily="18" charset="0"/>
-              </a:rPr>
-              <a:t>True Negative from our matrix :1094</a:t>
-            </a:r>
+            <a:pPr>
+              <a:buFont typeface="Arial" panose="020B0604020202020204" pitchFamily="34" charset="0"/>
+              <a:buChar char="•"/>
+            </a:pPr>
+            <a:r>
+              <a:rPr lang="en-US" sz="1400" dirty="0"/>
+              <a:t>M</a:t>
+            </a:r>
+            <a:r>
+              <a:rPr lang="en-US" sz="1400" dirty="0" smtClean="0"/>
+              <a:t>odel does not require scaling of data, nor does it require normalization. However these stages have already been accounted for, for accuracy purposes.</a:t>
+            </a:r>
+          </a:p>
+          <a:p>
+            <a:pPr>
+              <a:buFont typeface="Arial" panose="020B0604020202020204" pitchFamily="34" charset="0"/>
+              <a:buChar char="•"/>
+            </a:pPr>
+            <a:r>
+              <a:rPr lang="en-US" sz="1400" dirty="0" smtClean="0"/>
+              <a:t>These models are extremely fast and inexpensive to construct</a:t>
+            </a:r>
+          </a:p>
+          <a:p>
+            <a:pPr>
+              <a:buFont typeface="Arial" panose="020B0604020202020204" pitchFamily="34" charset="0"/>
+              <a:buChar char="•"/>
+            </a:pPr>
             <a:endParaRPr lang="en-US" sz="1400" dirty="0" smtClean="0">
               <a:latin typeface="Century" panose="02040604050505020304" pitchFamily="18" charset="0"/>
             </a:endParaRPr>
           </a:p>
           <a:p>
             <a:r>
-              <a:rPr lang="en-US" sz="1400" dirty="0" smtClean="0">
-                <a:latin typeface="Century" panose="02040604050505020304" pitchFamily="18" charset="0"/>
-              </a:rPr>
-              <a:t>False Positive from our matrix :9 </a:t>
-            </a:r>
+              <a:rPr lang="en-US" sz="1400" b="1" u="sng" dirty="0" smtClean="0">
+                <a:latin typeface="Century" panose="02040604050505020304" pitchFamily="18" charset="0"/>
+              </a:rPr>
+              <a:t>Different variations :</a:t>
+            </a:r>
+          </a:p>
+          <a:p>
+            <a:pPr>
+              <a:buFont typeface="Arial" panose="020B0604020202020204" pitchFamily="34" charset="0"/>
+              <a:buChar char="•"/>
+            </a:pPr>
+            <a:r>
+              <a:rPr lang="en-US" sz="1400" dirty="0" smtClean="0">
+                <a:latin typeface="Century" panose="02040604050505020304" pitchFamily="18" charset="0"/>
+              </a:rPr>
+              <a:t>DT_Model_1(</a:t>
+            </a:r>
+            <a:r>
+              <a:rPr lang="en-US" sz="1400" dirty="0" err="1" smtClean="0">
+                <a:latin typeface="Century" panose="02040604050505020304" pitchFamily="18" charset="0"/>
+              </a:rPr>
+              <a:t>Unoptimized</a:t>
+            </a:r>
+            <a:r>
+              <a:rPr lang="en-US" sz="1400" dirty="0" smtClean="0">
+                <a:latin typeface="Century" panose="02040604050505020304" pitchFamily="18" charset="0"/>
+              </a:rPr>
+              <a:t> </a:t>
+            </a:r>
+            <a:r>
+              <a:rPr lang="en-US" sz="1400" dirty="0">
+                <a:latin typeface="Century" panose="02040604050505020304" pitchFamily="18" charset="0"/>
+              </a:rPr>
+              <a:t>+ </a:t>
+            </a:r>
+            <a:r>
+              <a:rPr lang="en-US" sz="1400" dirty="0" err="1">
+                <a:latin typeface="Century" panose="02040604050505020304" pitchFamily="18" charset="0"/>
+              </a:rPr>
+              <a:t>Class_weights</a:t>
+            </a:r>
+            <a:r>
+              <a:rPr lang="en-US" sz="1400" dirty="0">
+                <a:latin typeface="Century" panose="02040604050505020304" pitchFamily="18" charset="0"/>
+              </a:rPr>
+              <a:t>)</a:t>
+            </a:r>
+          </a:p>
+          <a:p>
+            <a:pPr>
+              <a:buFont typeface="Arial" panose="020B0604020202020204" pitchFamily="34" charset="0"/>
+              <a:buChar char="•"/>
+            </a:pPr>
+            <a:r>
+              <a:rPr lang="en-US" sz="1400" dirty="0" smtClean="0">
+                <a:latin typeface="Century" panose="02040604050505020304" pitchFamily="18" charset="0"/>
+              </a:rPr>
+              <a:t>DT_Model_2(</a:t>
+            </a:r>
+            <a:r>
+              <a:rPr lang="en-US" sz="1400" dirty="0" err="1" smtClean="0">
+                <a:latin typeface="Century" panose="02040604050505020304" pitchFamily="18" charset="0"/>
+              </a:rPr>
+              <a:t>Hyperparameter</a:t>
+            </a:r>
+            <a:r>
+              <a:rPr lang="en-US" sz="1400" dirty="0" smtClean="0">
+                <a:latin typeface="Century" panose="02040604050505020304" pitchFamily="18" charset="0"/>
+              </a:rPr>
+              <a:t> </a:t>
+            </a:r>
+            <a:r>
+              <a:rPr lang="en-US" sz="1400" dirty="0">
+                <a:latin typeface="Century" panose="02040604050505020304" pitchFamily="18" charset="0"/>
+              </a:rPr>
+              <a:t>Tuning using </a:t>
+            </a:r>
+            <a:r>
+              <a:rPr lang="en-US" sz="1400" dirty="0" err="1">
+                <a:latin typeface="Century" panose="02040604050505020304" pitchFamily="18" charset="0"/>
+              </a:rPr>
+              <a:t>GridSearchCV</a:t>
+            </a:r>
+            <a:r>
+              <a:rPr lang="en-US" sz="1400" dirty="0">
+                <a:latin typeface="Century" panose="02040604050505020304" pitchFamily="18" charset="0"/>
+              </a:rPr>
+              <a:t> )</a:t>
+            </a:r>
+          </a:p>
+          <a:p>
             <a:endParaRPr lang="en-US" sz="1400" dirty="0" smtClean="0">
               <a:latin typeface="Century" panose="02040604050505020304" pitchFamily="18" charset="0"/>
             </a:endParaRPr>
           </a:p>
           <a:p>
             <a:r>
-              <a:rPr lang="en-US" sz="1400" dirty="0" smtClean="0">
-                <a:latin typeface="Century" panose="02040604050505020304" pitchFamily="18" charset="0"/>
-              </a:rPr>
-              <a:t>False Negative from our matrix :6</a:t>
-            </a:r>
+              <a:rPr lang="en-US" sz="1400" b="1" u="sng" dirty="0" smtClean="0">
+                <a:latin typeface="Century" panose="02040604050505020304" pitchFamily="18" charset="0"/>
+              </a:rPr>
+              <a:t>Observation on these models:</a:t>
+            </a:r>
+          </a:p>
+          <a:p>
+            <a:endParaRPr lang="en-US" sz="1600" b="1" dirty="0">
+              <a:latin typeface="Century" panose="02040604050505020304" pitchFamily="18" charset="0"/>
+            </a:endParaRPr>
+          </a:p>
+          <a:p>
+            <a:r>
+              <a:rPr lang="en-US" sz="1400" dirty="0" smtClean="0">
+                <a:latin typeface="Century" panose="02040604050505020304" pitchFamily="18" charset="0"/>
+              </a:rPr>
+              <a:t>DT_Model_1(</a:t>
+            </a:r>
+            <a:r>
+              <a:rPr lang="en-US" sz="1400" dirty="0" err="1" smtClean="0">
+                <a:latin typeface="Century" panose="02040604050505020304" pitchFamily="18" charset="0"/>
+              </a:rPr>
+              <a:t>Unoptimized</a:t>
+            </a:r>
+            <a:r>
+              <a:rPr lang="en-US" sz="1400" dirty="0" smtClean="0">
+                <a:latin typeface="Century" panose="02040604050505020304" pitchFamily="18" charset="0"/>
+              </a:rPr>
+              <a:t> + </a:t>
+            </a:r>
+            <a:r>
+              <a:rPr lang="en-US" sz="1400" dirty="0" err="1" smtClean="0">
+                <a:latin typeface="Century" panose="02040604050505020304" pitchFamily="18" charset="0"/>
+              </a:rPr>
+              <a:t>Class_weights</a:t>
+            </a:r>
+            <a:r>
+              <a:rPr lang="en-US" sz="1400" dirty="0" smtClean="0">
+                <a:latin typeface="Century" panose="02040604050505020304" pitchFamily="18" charset="0"/>
+              </a:rPr>
+              <a:t>):</a:t>
+            </a:r>
+          </a:p>
+          <a:p>
+            <a:r>
+              <a:rPr lang="en-US" sz="1400" dirty="0" smtClean="0">
+                <a:latin typeface="Century" panose="02040604050505020304" pitchFamily="18" charset="0"/>
+              </a:rPr>
+              <a:t>- Recall Scores for train and test set were far apart</a:t>
+            </a:r>
+          </a:p>
+          <a:p>
+            <a:r>
+              <a:rPr lang="en-US" sz="1400" dirty="0" smtClean="0">
+                <a:latin typeface="Century" panose="02040604050505020304" pitchFamily="18" charset="0"/>
+              </a:rPr>
+              <a:t>- This suggests that the model is </a:t>
+            </a:r>
+            <a:r>
+              <a:rPr lang="en-US" sz="1400" dirty="0" err="1" smtClean="0">
+                <a:latin typeface="Century" panose="02040604050505020304" pitchFamily="18" charset="0"/>
+              </a:rPr>
+              <a:t>overfitting</a:t>
+            </a:r>
+            <a:r>
+              <a:rPr lang="en-US" sz="1400" dirty="0" smtClean="0">
+                <a:latin typeface="Century" panose="02040604050505020304" pitchFamily="18" charset="0"/>
+              </a:rPr>
+              <a:t>.</a:t>
+            </a:r>
+          </a:p>
+          <a:p>
             <a:endParaRPr lang="en-US" sz="1400" dirty="0" smtClean="0">
               <a:latin typeface="Century" panose="02040604050505020304" pitchFamily="18" charset="0"/>
             </a:endParaRPr>
           </a:p>
           <a:p>
+            <a:r>
+              <a:rPr lang="en-US" sz="1400" dirty="0" smtClean="0">
+                <a:latin typeface="Century" panose="02040604050505020304" pitchFamily="18" charset="0"/>
+              </a:rPr>
+              <a:t>DT_Model_2(</a:t>
+            </a:r>
+            <a:r>
+              <a:rPr lang="en-US" sz="1400" dirty="0" err="1" smtClean="0">
+                <a:latin typeface="Century" panose="02040604050505020304" pitchFamily="18" charset="0"/>
+              </a:rPr>
+              <a:t>Hyperparameter</a:t>
+            </a:r>
+            <a:r>
+              <a:rPr lang="en-US" sz="1400" dirty="0" smtClean="0">
+                <a:latin typeface="Century" panose="02040604050505020304" pitchFamily="18" charset="0"/>
+              </a:rPr>
+              <a:t> Tuning using </a:t>
+            </a:r>
+            <a:r>
+              <a:rPr lang="en-US" sz="1400" dirty="0" err="1" smtClean="0">
+                <a:latin typeface="Century" panose="02040604050505020304" pitchFamily="18" charset="0"/>
+              </a:rPr>
+              <a:t>GridSearchCV</a:t>
+            </a:r>
+            <a:r>
+              <a:rPr lang="en-US" sz="1400" dirty="0" smtClean="0">
+                <a:latin typeface="Century" panose="02040604050505020304" pitchFamily="18" charset="0"/>
+              </a:rPr>
+              <a:t> )</a:t>
+            </a:r>
+          </a:p>
+          <a:p>
+            <a:r>
+              <a:rPr lang="en-US" sz="1400" dirty="0" smtClean="0">
+                <a:latin typeface="Century" panose="02040604050505020304" pitchFamily="18" charset="0"/>
+              </a:rPr>
+              <a:t>- Recall for test set has improved to 0.92 after </a:t>
+            </a:r>
+            <a:r>
+              <a:rPr lang="en-US" sz="1400" dirty="0" err="1" smtClean="0">
+                <a:latin typeface="Century" panose="02040604050505020304" pitchFamily="18" charset="0"/>
+              </a:rPr>
+              <a:t>hyperparameter</a:t>
+            </a:r>
+            <a:r>
+              <a:rPr lang="en-US" sz="1400" dirty="0" smtClean="0">
+                <a:latin typeface="Century" panose="02040604050505020304" pitchFamily="18" charset="0"/>
+              </a:rPr>
+              <a:t> tuning.</a:t>
+            </a:r>
+          </a:p>
+          <a:p>
+            <a:r>
+              <a:rPr lang="en-US" sz="1400" dirty="0" smtClean="0">
+                <a:latin typeface="Century" panose="02040604050505020304" pitchFamily="18" charset="0"/>
+              </a:rPr>
+              <a:t>- False Negatives is less. </a:t>
+            </a:r>
+          </a:p>
+          <a:p>
+            <a:r>
+              <a:rPr lang="en-US" sz="1400" dirty="0" smtClean="0">
+                <a:latin typeface="Century" panose="02040604050505020304" pitchFamily="18" charset="0"/>
+              </a:rPr>
+              <a:t>- AUC score is 0.92</a:t>
+            </a:r>
+            <a:endParaRPr lang="en-US" sz="1400" dirty="0">
+              <a:latin typeface="Century" panose="02040604050505020304" pitchFamily="18" charset="0"/>
+            </a:endParaRPr>
+          </a:p>
+          <a:p>
+            <a:pPr>
+              <a:buFont typeface="Arial" panose="020B0604020202020204" pitchFamily="34" charset="0"/>
+              <a:buChar char="•"/>
+            </a:pPr>
             <a:endParaRPr lang="en-US" sz="1400" dirty="0" smtClean="0">
               <a:latin typeface="Century" panose="02040604050505020304" pitchFamily="18" charset="0"/>
             </a:endParaRPr>
           </a:p>
           <a:p>
             <a:r>
-              <a:rPr lang="en-US" sz="2000" b="1" u="sng" dirty="0" smtClean="0">
-                <a:latin typeface="Century" panose="02040604050505020304" pitchFamily="18" charset="0"/>
-              </a:rPr>
-              <a:t>Recall :</a:t>
-            </a:r>
-            <a:endParaRPr lang="en-US" sz="2000" b="1" u="sng" dirty="0" smtClean="0">
-              <a:latin typeface="Century" panose="02040604050505020304" pitchFamily="18" charset="0"/>
-            </a:endParaRPr>
-          </a:p>
-          <a:p>
-            <a:pPr marL="285750" indent="-285750">
-              <a:buFont typeface="Arial" panose="020B0604020202020204" pitchFamily="34" charset="0"/>
-              <a:buChar char="•"/>
-            </a:pPr>
-            <a:r>
-              <a:rPr lang="en-US" altLang="zh-CN" sz="1400" dirty="0" smtClean="0">
-                <a:latin typeface="Century" panose="02040604050505020304" pitchFamily="18" charset="0"/>
-              </a:rPr>
-              <a:t>Train Data : 0.895</a:t>
-            </a:r>
-            <a:endParaRPr lang="en-US" altLang="zh-CN" sz="1400" dirty="0" smtClean="0">
-              <a:latin typeface="Century" panose="02040604050505020304" pitchFamily="18" charset="0"/>
-            </a:endParaRPr>
-          </a:p>
-          <a:p>
-            <a:pPr marL="285750" indent="-285750">
-              <a:buFont typeface="Arial" panose="020B0604020202020204" pitchFamily="34" charset="0"/>
-              <a:buChar char="•"/>
-            </a:pPr>
-            <a:r>
-              <a:rPr lang="en-US" altLang="zh-CN" sz="1400" dirty="0" smtClean="0">
-                <a:latin typeface="Century" panose="02040604050505020304" pitchFamily="18" charset="0"/>
-              </a:rPr>
-              <a:t>Test Data :0.8787</a:t>
-            </a:r>
-            <a:endParaRPr lang="en-US" altLang="zh-CN" sz="1400" dirty="0" smtClean="0">
-              <a:latin typeface="Century" panose="02040604050505020304" pitchFamily="18" charset="0"/>
-            </a:endParaRPr>
-          </a:p>
-          <a:p>
-            <a:r>
-              <a:rPr lang="en-US" altLang="zh-CN" sz="1400" dirty="0" smtClean="0">
-                <a:latin typeface="Century" panose="02040604050505020304" pitchFamily="18" charset="0"/>
-              </a:rPr>
-              <a:t> Recall on both Train and test was almost same. </a:t>
-            </a:r>
-            <a:r>
-              <a:rPr lang="en-US" altLang="zh-CN" sz="1400" dirty="0" err="1" smtClean="0">
-                <a:latin typeface="Century" panose="02040604050505020304" pitchFamily="18" charset="0"/>
-              </a:rPr>
-              <a:t>Hence,model</a:t>
-            </a:r>
-            <a:r>
-              <a:rPr lang="en-US" altLang="zh-CN" sz="1400" dirty="0" smtClean="0">
-                <a:latin typeface="Century" panose="02040604050505020304" pitchFamily="18" charset="0"/>
-              </a:rPr>
-              <a:t> build was not </a:t>
-            </a:r>
-            <a:r>
-              <a:rPr lang="en-US" altLang="zh-CN" sz="1400" dirty="0" err="1" smtClean="0">
-                <a:latin typeface="Century" panose="02040604050505020304" pitchFamily="18" charset="0"/>
-              </a:rPr>
-              <a:t>overfittted</a:t>
-            </a:r>
-            <a:r>
-              <a:rPr lang="en-US" altLang="zh-CN" sz="1400" dirty="0" smtClean="0">
-                <a:latin typeface="Century" panose="02040604050505020304" pitchFamily="18" charset="0"/>
-              </a:rPr>
-              <a:t>. </a:t>
-            </a:r>
-            <a:endParaRPr lang="en-US" altLang="zh-CN" sz="1400" dirty="0" smtClean="0">
+              <a:rPr lang="en-US" sz="1400" b="1" dirty="0" smtClean="0">
+                <a:latin typeface="Century" panose="02040604050505020304" pitchFamily="18" charset="0"/>
+              </a:rPr>
+              <a:t>DT Model - Conclusion:</a:t>
+            </a:r>
+          </a:p>
+          <a:p>
+            <a:r>
+              <a:rPr lang="en-US" sz="1400" dirty="0" smtClean="0">
+                <a:latin typeface="Century" panose="02040604050505020304" pitchFamily="18" charset="0"/>
+              </a:rPr>
+              <a:t>Model built after performing </a:t>
+            </a:r>
+            <a:r>
+              <a:rPr lang="en-US" sz="1400" dirty="0" err="1" smtClean="0">
+                <a:latin typeface="Century" panose="02040604050505020304" pitchFamily="18" charset="0"/>
+              </a:rPr>
+              <a:t>hyperparameter</a:t>
+            </a:r>
+            <a:r>
+              <a:rPr lang="en-US" sz="1400" dirty="0" smtClean="0">
+                <a:latin typeface="Century" panose="02040604050505020304" pitchFamily="18" charset="0"/>
+              </a:rPr>
+              <a:t> tuning was more reliable. Therefore, we would be considering this model for further analysis.</a:t>
+            </a:r>
+            <a:endParaRPr lang="en-US" sz="1400" dirty="0">
               <a:latin typeface="Century" panose="02040604050505020304" pitchFamily="18" charset="0"/>
             </a:endParaRPr>
           </a:p>
@@ -9526,9 +10020,6 @@
               </a:rPr>
               <a:t> </a:t>
             </a:r>
-            <a:endParaRPr lang="en-US" sz="2400" dirty="0">
-              <a:latin typeface="Century" panose="02040604050505020304" pitchFamily="18" charset="0"/>
-            </a:endParaRPr>
           </a:p>
         </p:txBody>
       </p:sp>
@@ -9588,6 +10079,12 @@
               </a:rPr>
               <a:t>.</a:t>
             </a:r>
+          </a:p>
+          <a:p>
+            <a:pPr>
+              <a:buFont typeface="Arial" panose="020B0604020202020204" pitchFamily="34" charset="0"/>
+              <a:buChar char="•"/>
+            </a:pPr>
             <a:endParaRPr lang="en-US" sz="1600" dirty="0" smtClean="0">
               <a:latin typeface="Century" panose="02040604050505020304" pitchFamily="18" charset="0"/>
             </a:endParaRPr>
@@ -9597,15 +10094,6 @@
               <a:buFont typeface="Arial" panose="020B0604020202020204" pitchFamily="34" charset="0"/>
               <a:buChar char="•"/>
             </a:pPr>
-            <a:endParaRPr lang="en-US" sz="1600" dirty="0" smtClean="0">
-              <a:latin typeface="Century" panose="02040604050505020304" pitchFamily="18" charset="0"/>
-            </a:endParaRPr>
-          </a:p>
-          <a:p>
-            <a:pPr>
-              <a:buFont typeface="Arial" panose="020B0604020202020204" pitchFamily="34" charset="0"/>
-              <a:buChar char="•"/>
-            </a:pPr>
             <a:r>
               <a:rPr lang="en-US" sz="1600" dirty="0" smtClean="0">
                 <a:latin typeface="Century" panose="02040604050505020304" pitchFamily="18" charset="0"/>
@@ -9636,9 +10124,6 @@
               </a:rPr>
               <a:t>variable for 5000 customers.</a:t>
             </a:r>
-            <a:endParaRPr lang="en-US" sz="1600" dirty="0" smtClean="0">
-              <a:latin typeface="Century" panose="02040604050505020304" pitchFamily="18" charset="0"/>
-            </a:endParaRPr>
           </a:p>
           <a:p>
             <a:pPr>
@@ -9678,9 +10163,6 @@
               </a:rPr>
               <a:t>campaign or not.</a:t>
             </a:r>
-            <a:endParaRPr lang="en-US" sz="1600" dirty="0" smtClean="0">
-              <a:latin typeface="Century" panose="02040604050505020304" pitchFamily="18" charset="0"/>
-            </a:endParaRPr>
           </a:p>
           <a:p>
             <a:endParaRPr lang="en-US" sz="1600" dirty="0">
@@ -9722,9 +10204,6 @@
               </a:rPr>
               <a:t>)</a:t>
             </a:r>
-            <a:endParaRPr lang="en-US" sz="1600" dirty="0">
-              <a:latin typeface="Century" panose="02040604050505020304" pitchFamily="18" charset="0"/>
-            </a:endParaRPr>
           </a:p>
           <a:p>
             <a:endParaRPr lang="en-US" dirty="0"/>
@@ -9806,9 +10285,6 @@
               </a:rPr>
               <a:t>predict:</a:t>
             </a:r>
-            <a:endParaRPr lang="en-US" sz="1600" dirty="0" smtClean="0">
-              <a:latin typeface="Century" panose="02040604050505020304" pitchFamily="18" charset="0"/>
-            </a:endParaRPr>
           </a:p>
           <a:p>
             <a:endParaRPr lang="en-US" sz="1600" dirty="0">
@@ -9832,9 +10308,6 @@
               </a:rPr>
               <a:t>hether a liability customer will buy a personal loan or not.</a:t>
             </a:r>
-            <a:endParaRPr lang="en-US" altLang="zh-CN" sz="1600" dirty="0" smtClean="0">
-              <a:latin typeface="Century" panose="02040604050505020304" pitchFamily="18" charset="0"/>
-            </a:endParaRPr>
           </a:p>
           <a:p>
             <a:pPr marL="342900" indent="-342900">
@@ -9847,9 +10320,6 @@
               </a:rPr>
               <a:t>Which variables are most significant.</a:t>
             </a:r>
-            <a:endParaRPr lang="en-US" altLang="zh-CN" sz="1600" dirty="0" smtClean="0">
-              <a:latin typeface="Century" panose="02040604050505020304" pitchFamily="18" charset="0"/>
-            </a:endParaRPr>
           </a:p>
           <a:p>
             <a:pPr marL="342900" indent="-342900">
@@ -9862,9 +10332,6 @@
               </a:rPr>
               <a:t>Which segment of customers should be targeted more.</a:t>
             </a:r>
-            <a:endParaRPr lang="en-US" altLang="zh-CN" sz="1600" dirty="0" smtClean="0">
-              <a:latin typeface="Century" panose="02040604050505020304" pitchFamily="18" charset="0"/>
-            </a:endParaRPr>
           </a:p>
           <a:p>
             <a:endParaRPr lang="en-US" dirty="0" smtClean="0"/>
@@ -9909,6 +10376,352 @@
           <a:chExt cx="0" cy="0"/>
         </a:xfrm>
       </p:grpSpPr>
+      <p:sp>
+        <p:nvSpPr>
+          <p:cNvPr id="5" name="Rectangle 4"/>
+          <p:cNvSpPr/>
+          <p:nvPr/>
+        </p:nvSpPr>
+        <p:spPr>
+          <a:xfrm>
+            <a:off x="303212" y="3962400"/>
+            <a:ext cx="8686800" cy="2708434"/>
+          </a:xfrm>
+          <a:prstGeom prst="rect">
+            <a:avLst/>
+          </a:prstGeom>
+        </p:spPr>
+        <p:txBody>
+          <a:bodyPr wrap="square">
+            <a:spAutoFit/>
+          </a:bodyPr>
+          <a:lstStyle/>
+          <a:p>
+            <a:r>
+              <a:rPr lang="en-US" b="1" u="sng" dirty="0" smtClean="0">
+                <a:latin typeface="Century" panose="02040604050505020304" pitchFamily="18" charset="0"/>
+              </a:rPr>
+              <a:t>Interpretation of confusion matrix: </a:t>
+            </a:r>
+          </a:p>
+          <a:p>
+            <a:r>
+              <a:rPr lang="en-US" sz="1200" dirty="0" smtClean="0">
+                <a:latin typeface="Century" panose="02040604050505020304" pitchFamily="18" charset="0"/>
+              </a:rPr>
+              <a:t>Diagonal values represent accurate predictions, while non-diagonal predictions are not accurate. In the output, </a:t>
+            </a:r>
+            <a:r>
+              <a:rPr lang="en-US" sz="1200" dirty="0" smtClean="0">
+                <a:latin typeface="Century" panose="02040604050505020304" pitchFamily="18" charset="0"/>
+              </a:rPr>
+              <a:t>1091and 61 are </a:t>
+            </a:r>
+            <a:r>
+              <a:rPr lang="en-US" sz="1200" dirty="0" smtClean="0">
+                <a:latin typeface="Century" panose="02040604050505020304" pitchFamily="18" charset="0"/>
+              </a:rPr>
+              <a:t>actual predictions and </a:t>
+            </a:r>
+            <a:r>
+              <a:rPr lang="en-US" sz="1200" dirty="0" smtClean="0">
+                <a:latin typeface="Century" panose="02040604050505020304" pitchFamily="18" charset="0"/>
+              </a:rPr>
+              <a:t>151and 5 are </a:t>
+            </a:r>
+            <a:r>
+              <a:rPr lang="en-US" sz="1200" dirty="0" smtClean="0">
+                <a:latin typeface="Century" panose="02040604050505020304" pitchFamily="18" charset="0"/>
+              </a:rPr>
+              <a:t>innacurate predictions.</a:t>
+            </a:r>
+          </a:p>
+          <a:p>
+            <a:r>
+              <a:rPr lang="en-US" sz="1200" dirty="0" smtClean="0">
+                <a:latin typeface="Century" panose="02040604050505020304" pitchFamily="18" charset="0"/>
+              </a:rPr>
+              <a:t>True Positive from our matrix </a:t>
+            </a:r>
+            <a:r>
+              <a:rPr lang="en-US" sz="1200" dirty="0" smtClean="0">
+                <a:latin typeface="Century" panose="02040604050505020304" pitchFamily="18" charset="0"/>
+              </a:rPr>
+              <a:t>:61</a:t>
+            </a:r>
+            <a:endParaRPr lang="en-US" sz="1200" dirty="0" smtClean="0">
+              <a:latin typeface="Century" panose="02040604050505020304" pitchFamily="18" charset="0"/>
+            </a:endParaRPr>
+          </a:p>
+          <a:p>
+            <a:r>
+              <a:rPr lang="en-US" sz="1200" dirty="0" smtClean="0">
+                <a:latin typeface="Century" panose="02040604050505020304" pitchFamily="18" charset="0"/>
+              </a:rPr>
+              <a:t>True Negative from our matrix </a:t>
+            </a:r>
+            <a:r>
+              <a:rPr lang="en-US" sz="1200" dirty="0" smtClean="0">
+                <a:latin typeface="Century" panose="02040604050505020304" pitchFamily="18" charset="0"/>
+              </a:rPr>
+              <a:t>:1091</a:t>
+            </a:r>
+            <a:endParaRPr lang="en-US" sz="1200" dirty="0" smtClean="0">
+              <a:latin typeface="Century" panose="02040604050505020304" pitchFamily="18" charset="0"/>
+            </a:endParaRPr>
+          </a:p>
+          <a:p>
+            <a:r>
+              <a:rPr lang="en-US" sz="1200" dirty="0" smtClean="0">
+                <a:latin typeface="Century" panose="02040604050505020304" pitchFamily="18" charset="0"/>
+              </a:rPr>
+              <a:t>False Positive from our matrix </a:t>
+            </a:r>
+            <a:r>
+              <a:rPr lang="en-US" sz="1200" dirty="0" smtClean="0">
+                <a:latin typeface="Century" panose="02040604050505020304" pitchFamily="18" charset="0"/>
+              </a:rPr>
+              <a:t>:151</a:t>
+            </a:r>
+            <a:endParaRPr lang="en-US" sz="1200" dirty="0" smtClean="0">
+              <a:latin typeface="Century" panose="02040604050505020304" pitchFamily="18" charset="0"/>
+            </a:endParaRPr>
+          </a:p>
+          <a:p>
+            <a:r>
+              <a:rPr lang="en-US" sz="1200" dirty="0" smtClean="0">
+                <a:latin typeface="Century" panose="02040604050505020304" pitchFamily="18" charset="0"/>
+              </a:rPr>
+              <a:t>False Negative from our matrix </a:t>
+            </a:r>
+            <a:r>
+              <a:rPr lang="en-US" sz="1200" dirty="0" smtClean="0">
+                <a:latin typeface="Century" panose="02040604050505020304" pitchFamily="18" charset="0"/>
+              </a:rPr>
+              <a:t>:5</a:t>
+            </a:r>
+            <a:endParaRPr lang="en-US" sz="1200" dirty="0" smtClean="0">
+              <a:latin typeface="Century" panose="02040604050505020304" pitchFamily="18" charset="0"/>
+            </a:endParaRPr>
+          </a:p>
+          <a:p>
+            <a:endParaRPr lang="en-US" sz="1200" dirty="0" smtClean="0">
+              <a:latin typeface="Century" panose="02040604050505020304" pitchFamily="18" charset="0"/>
+            </a:endParaRPr>
+          </a:p>
+          <a:p>
+            <a:r>
+              <a:rPr lang="en-US" b="1" u="sng" dirty="0" smtClean="0">
+                <a:latin typeface="Century" panose="02040604050505020304" pitchFamily="18" charset="0"/>
+              </a:rPr>
+              <a:t>Recall :</a:t>
+            </a:r>
+          </a:p>
+          <a:p>
+            <a:pPr marL="285750" indent="-285750">
+              <a:buFont typeface="Arial" panose="020B0604020202020204" pitchFamily="34" charset="0"/>
+              <a:buChar char="•"/>
+            </a:pPr>
+            <a:r>
+              <a:rPr lang="en-US" altLang="zh-CN" sz="1200" dirty="0" smtClean="0">
+                <a:latin typeface="Century" panose="02040604050505020304" pitchFamily="18" charset="0"/>
+              </a:rPr>
+              <a:t>Train Data : </a:t>
+            </a:r>
+            <a:r>
+              <a:rPr lang="en-US" altLang="zh-CN" sz="1200" dirty="0" smtClean="0">
+                <a:latin typeface="Century" panose="02040604050505020304" pitchFamily="18" charset="0"/>
+              </a:rPr>
+              <a:t>0.93</a:t>
+            </a:r>
+            <a:endParaRPr lang="en-US" altLang="zh-CN" sz="1200" dirty="0" smtClean="0">
+              <a:latin typeface="Century" panose="02040604050505020304" pitchFamily="18" charset="0"/>
+            </a:endParaRPr>
+          </a:p>
+          <a:p>
+            <a:pPr marL="285750" indent="-285750">
+              <a:buFont typeface="Arial" panose="020B0604020202020204" pitchFamily="34" charset="0"/>
+              <a:buChar char="•"/>
+            </a:pPr>
+            <a:r>
+              <a:rPr lang="en-US" altLang="zh-CN" sz="1200" dirty="0" smtClean="0">
+                <a:latin typeface="Century" panose="02040604050505020304" pitchFamily="18" charset="0"/>
+              </a:rPr>
+              <a:t>Test Data :</a:t>
+            </a:r>
+            <a:r>
+              <a:rPr lang="en-US" altLang="zh-CN" sz="1200" dirty="0" smtClean="0">
+                <a:latin typeface="Century" panose="02040604050505020304" pitchFamily="18" charset="0"/>
+              </a:rPr>
+              <a:t>0.92</a:t>
+            </a:r>
+          </a:p>
+          <a:p>
+            <a:pPr marL="285750" indent="-285750">
+              <a:buFont typeface="Arial" panose="020B0604020202020204" pitchFamily="34" charset="0"/>
+              <a:buChar char="•"/>
+            </a:pPr>
+            <a:endParaRPr lang="en-US" altLang="zh-CN" sz="1200" dirty="0" smtClean="0">
+              <a:latin typeface="Century" panose="02040604050505020304" pitchFamily="18" charset="0"/>
+            </a:endParaRPr>
+          </a:p>
+          <a:p>
+            <a:r>
+              <a:rPr lang="en-US" altLang="zh-CN" sz="1200" dirty="0" smtClean="0">
+                <a:latin typeface="Century" panose="02040604050505020304" pitchFamily="18" charset="0"/>
+              </a:rPr>
+              <a:t> </a:t>
+            </a:r>
+            <a:r>
+              <a:rPr lang="en-US" altLang="zh-CN" sz="1200" dirty="0" smtClean="0">
+                <a:latin typeface="Century" panose="02040604050505020304" pitchFamily="18" charset="0"/>
+              </a:rPr>
+              <a:t>We can see that Recall for both Train and Test are same. Hence, model build is not </a:t>
+            </a:r>
+            <a:r>
+              <a:rPr lang="en-US" altLang="zh-CN" sz="1200" dirty="0" err="1" smtClean="0">
+                <a:latin typeface="Century" panose="02040604050505020304" pitchFamily="18" charset="0"/>
+              </a:rPr>
+              <a:t>overfittting</a:t>
+            </a:r>
+            <a:endParaRPr lang="en-US" altLang="zh-CN" sz="1200" dirty="0" smtClean="0">
+              <a:latin typeface="Century" panose="02040604050505020304" pitchFamily="18" charset="0"/>
+            </a:endParaRPr>
+          </a:p>
+        </p:txBody>
+      </p:sp>
+      <p:pic>
+        <p:nvPicPr>
+          <p:cNvPr id="5122" name="Picture 2"/>
+          <p:cNvPicPr>
+            <a:picLocks noChangeAspect="1" noChangeArrowheads="1"/>
+          </p:cNvPicPr>
+          <p:nvPr/>
+        </p:nvPicPr>
+        <p:blipFill>
+          <a:blip r:embed="rId2"/>
+          <a:srcRect/>
+          <a:stretch>
+            <a:fillRect/>
+          </a:stretch>
+        </p:blipFill>
+        <p:spPr bwMode="auto">
+          <a:xfrm>
+            <a:off x="227012" y="152400"/>
+            <a:ext cx="6172200" cy="1905000"/>
+          </a:xfrm>
+          <a:prstGeom prst="rect">
+            <a:avLst/>
+          </a:prstGeom>
+          <a:noFill/>
+          <a:ln w="9525">
+            <a:noFill/>
+            <a:miter lim="800000"/>
+            <a:headEnd/>
+            <a:tailEnd/>
+          </a:ln>
+          <a:effectLst/>
+        </p:spPr>
+      </p:pic>
+      <p:pic>
+        <p:nvPicPr>
+          <p:cNvPr id="5123" name="Picture 3"/>
+          <p:cNvPicPr>
+            <a:picLocks noChangeAspect="1" noChangeArrowheads="1"/>
+          </p:cNvPicPr>
+          <p:nvPr/>
+        </p:nvPicPr>
+        <p:blipFill>
+          <a:blip r:embed="rId3"/>
+          <a:srcRect/>
+          <a:stretch>
+            <a:fillRect/>
+          </a:stretch>
+        </p:blipFill>
+        <p:spPr bwMode="auto">
+          <a:xfrm>
+            <a:off x="227012" y="1828800"/>
+            <a:ext cx="3962400" cy="2219325"/>
+          </a:xfrm>
+          <a:prstGeom prst="rect">
+            <a:avLst/>
+          </a:prstGeom>
+          <a:noFill/>
+          <a:ln w="9525">
+            <a:noFill/>
+            <a:miter lim="800000"/>
+            <a:headEnd/>
+            <a:tailEnd/>
+          </a:ln>
+          <a:effectLst/>
+        </p:spPr>
+      </p:pic>
+      <p:pic>
+        <p:nvPicPr>
+          <p:cNvPr id="5124" name="Picture 4"/>
+          <p:cNvPicPr>
+            <a:picLocks noChangeAspect="1" noChangeArrowheads="1"/>
+          </p:cNvPicPr>
+          <p:nvPr/>
+        </p:nvPicPr>
+        <p:blipFill>
+          <a:blip r:embed="rId4"/>
+          <a:srcRect/>
+          <a:stretch>
+            <a:fillRect/>
+          </a:stretch>
+        </p:blipFill>
+        <p:spPr bwMode="auto">
+          <a:xfrm>
+            <a:off x="4799012" y="1905000"/>
+            <a:ext cx="4267200" cy="2228850"/>
+          </a:xfrm>
+          <a:prstGeom prst="rect">
+            <a:avLst/>
+          </a:prstGeom>
+          <a:noFill/>
+          <a:ln w="9525">
+            <a:noFill/>
+            <a:miter lim="800000"/>
+            <a:headEnd/>
+            <a:tailEnd/>
+          </a:ln>
+          <a:effectLst/>
+        </p:spPr>
+      </p:pic>
+      <p:pic>
+        <p:nvPicPr>
+          <p:cNvPr id="5125" name="Picture 5"/>
+          <p:cNvPicPr>
+            <a:picLocks noChangeAspect="1" noChangeArrowheads="1"/>
+          </p:cNvPicPr>
+          <p:nvPr/>
+        </p:nvPicPr>
+        <p:blipFill>
+          <a:blip r:embed="rId5"/>
+          <a:srcRect/>
+          <a:stretch>
+            <a:fillRect/>
+          </a:stretch>
+        </p:blipFill>
+        <p:spPr bwMode="auto">
+          <a:xfrm>
+            <a:off x="7618412" y="0"/>
+            <a:ext cx="3938587" cy="2438400"/>
+          </a:xfrm>
+          <a:prstGeom prst="rect">
+            <a:avLst/>
+          </a:prstGeom>
+          <a:noFill/>
+          <a:ln w="9525">
+            <a:noFill/>
+            <a:miter lim="800000"/>
+            <a:headEnd/>
+            <a:tailEnd/>
+          </a:ln>
+          <a:effectLst/>
+        </p:spPr>
+      </p:pic>
     </p:spTree>
   </p:cSld>
   <p:clrMapOvr>
@@ -9934,267 +10747,187 @@
           <a:chExt cx="0" cy="0"/>
         </a:xfrm>
       </p:grpSpPr>
-      <p:sp>
-        <p:nvSpPr>
-          <p:cNvPr id="3" name="Rectangle 2"/>
+      <p:pic>
+        <p:nvPicPr>
+          <p:cNvPr id="6146" name="Picture 2"/>
+          <p:cNvPicPr>
+            <a:picLocks noChangeAspect="1" noChangeArrowheads="1"/>
+          </p:cNvPicPr>
+          <p:nvPr/>
+        </p:nvPicPr>
+        <p:blipFill>
+          <a:blip r:embed="rId2"/>
+          <a:srcRect/>
+          <a:stretch>
+            <a:fillRect/>
+          </a:stretch>
+        </p:blipFill>
+        <p:spPr bwMode="auto">
+          <a:xfrm>
+            <a:off x="303212" y="228600"/>
+            <a:ext cx="5410200" cy="2581275"/>
+          </a:xfrm>
+          <a:prstGeom prst="rect">
+            <a:avLst/>
+          </a:prstGeom>
+          <a:noFill/>
+          <a:ln w="9525">
+            <a:noFill/>
+            <a:miter lim="800000"/>
+            <a:headEnd/>
+            <a:tailEnd/>
+          </a:ln>
+          <a:effectLst/>
+        </p:spPr>
+      </p:pic>
+      <p:pic>
+        <p:nvPicPr>
+          <p:cNvPr id="6147" name="Picture 3"/>
+          <p:cNvPicPr>
+            <a:picLocks noChangeAspect="1" noChangeArrowheads="1"/>
+          </p:cNvPicPr>
+          <p:nvPr/>
+        </p:nvPicPr>
+        <p:blipFill>
+          <a:blip r:embed="rId3"/>
+          <a:srcRect/>
+          <a:stretch>
+            <a:fillRect/>
+          </a:stretch>
+        </p:blipFill>
+        <p:spPr bwMode="auto">
+          <a:xfrm>
+            <a:off x="6780212" y="304800"/>
+            <a:ext cx="3810000" cy="2667000"/>
+          </a:xfrm>
+          <a:prstGeom prst="rect">
+            <a:avLst/>
+          </a:prstGeom>
+          <a:noFill/>
+          <a:ln w="9525">
+            <a:noFill/>
+            <a:miter lim="800000"/>
+            <a:headEnd/>
+            <a:tailEnd/>
+          </a:ln>
+          <a:effectLst/>
+        </p:spPr>
+      </p:pic>
+      <p:pic>
+        <p:nvPicPr>
+          <p:cNvPr id="6148" name="Picture 4"/>
+          <p:cNvPicPr>
+            <a:picLocks noChangeAspect="1" noChangeArrowheads="1"/>
+          </p:cNvPicPr>
+          <p:nvPr/>
+        </p:nvPicPr>
+        <p:blipFill>
+          <a:blip r:embed="rId4"/>
+          <a:srcRect/>
+          <a:stretch>
+            <a:fillRect/>
+          </a:stretch>
+        </p:blipFill>
+        <p:spPr bwMode="auto">
+          <a:xfrm>
+            <a:off x="379412" y="2819400"/>
+            <a:ext cx="5486400" cy="2000250"/>
+          </a:xfrm>
+          <a:prstGeom prst="rect">
+            <a:avLst/>
+          </a:prstGeom>
+          <a:noFill/>
+          <a:ln w="9525">
+            <a:noFill/>
+            <a:miter lim="800000"/>
+            <a:headEnd/>
+            <a:tailEnd/>
+          </a:ln>
+          <a:effectLst/>
+        </p:spPr>
+      </p:pic>
+      <p:sp>
+        <p:nvSpPr>
+          <p:cNvPr id="5" name="Rectangle 4"/>
           <p:cNvSpPr/>
           <p:nvPr/>
         </p:nvSpPr>
         <p:spPr>
           <a:xfrm>
-            <a:off x="812588" y="533402"/>
-            <a:ext cx="5383398" cy="461665"/>
+            <a:off x="379412" y="5334000"/>
+            <a:ext cx="6092825" cy="1077218"/>
           </a:xfrm>
           <a:prstGeom prst="rect">
             <a:avLst/>
           </a:prstGeom>
         </p:spPr>
         <p:txBody>
-          <a:bodyPr wrap="square">
+          <a:bodyPr>
             <a:spAutoFit/>
           </a:bodyPr>
           <a:lstStyle/>
           <a:p>
             <a:r>
-              <a:rPr lang="en-ZA" altLang="zh-CN" sz="2400" b="1" dirty="0" smtClean="0">
-                <a:latin typeface="Century" panose="02040604050505020304" pitchFamily="18" charset="0"/>
-              </a:rPr>
-              <a:t>Background </a:t>
-            </a:r>
-            <a:endParaRPr lang="zh-CN" altLang="en-US" sz="2400" b="1" dirty="0">
-              <a:latin typeface="Century" panose="02040604050505020304" pitchFamily="18" charset="0"/>
+              <a:rPr lang="en-US" altLang="zh-CN" sz="1600" dirty="0" smtClean="0">
+                <a:solidFill>
+                  <a:srgbClr val="000000"/>
+                </a:solidFill>
+                <a:latin typeface="Century" pitchFamily="18" charset="0"/>
+              </a:rPr>
+              <a:t>From ROC curve we have value of </a:t>
+            </a:r>
+            <a:r>
+              <a:rPr lang="en-US" altLang="zh-CN" sz="1600" dirty="0" smtClean="0">
+                <a:solidFill>
+                  <a:srgbClr val="000000"/>
+                </a:solidFill>
+                <a:latin typeface="Century" pitchFamily="18" charset="0"/>
+              </a:rPr>
+              <a:t>0.922  </a:t>
+            </a:r>
+            <a:r>
+              <a:rPr lang="en-US" altLang="zh-CN" sz="1600" dirty="0" smtClean="0">
+                <a:solidFill>
+                  <a:srgbClr val="000000"/>
+                </a:solidFill>
+                <a:latin typeface="Century" pitchFamily="18" charset="0"/>
+              </a:rPr>
+              <a:t>which means that our model is good at predicting.</a:t>
+            </a:r>
+          </a:p>
+          <a:p>
+            <a:endParaRPr lang="en-US" altLang="zh-CN" sz="1600" dirty="0" smtClean="0">
+              <a:solidFill>
+                <a:srgbClr val="000000"/>
+              </a:solidFill>
+              <a:latin typeface="Century" pitchFamily="18" charset="0"/>
             </a:endParaRPr>
           </a:p>
-        </p:txBody>
-      </p:sp>
-      <p:sp>
-        <p:nvSpPr>
-          <p:cNvPr id="4" name="Rectangle 3"/>
-          <p:cNvSpPr/>
-          <p:nvPr/>
-        </p:nvSpPr>
-        <p:spPr>
-          <a:xfrm>
-            <a:off x="1015735" y="1066802"/>
-            <a:ext cx="10462075" cy="2585323"/>
-          </a:xfrm>
-          <a:prstGeom prst="rect">
-            <a:avLst/>
-          </a:prstGeom>
-        </p:spPr>
-        <p:txBody>
-          <a:bodyPr wrap="square">
-            <a:spAutoFit/>
-          </a:bodyPr>
-          <a:lstStyle/>
-          <a:p>
-            <a:pPr>
-              <a:buFont typeface="Arial" panose="020B0604020202020204" pitchFamily="34" charset="0"/>
-              <a:buChar char="•"/>
-            </a:pPr>
-            <a:r>
-              <a:rPr lang="en-US" dirty="0" smtClean="0">
-                <a:latin typeface="Century" panose="02040604050505020304" pitchFamily="18" charset="0"/>
-              </a:rPr>
-              <a:t> Thera Bank </a:t>
-            </a:r>
-            <a:r>
-              <a:rPr lang="en-US" dirty="0">
-                <a:latin typeface="Century" panose="02040604050505020304" pitchFamily="18" charset="0"/>
-              </a:rPr>
-              <a:t>has a growing customer base. </a:t>
-            </a:r>
-            <a:endParaRPr lang="en-US" dirty="0" smtClean="0">
-              <a:latin typeface="Century" panose="02040604050505020304" pitchFamily="18" charset="0"/>
+          <a:p>
+            <a:r>
+              <a:rPr lang="en-US" altLang="zh-CN" sz="1600" dirty="0" smtClean="0">
+                <a:solidFill>
+                  <a:srgbClr val="000000"/>
+                </a:solidFill>
+                <a:latin typeface="Century" pitchFamily="18" charset="0"/>
+              </a:rPr>
+              <a:t>Cross Validation  Recall score </a:t>
+            </a:r>
+            <a:r>
+              <a:rPr lang="en-US" altLang="zh-CN" sz="1600" dirty="0" smtClean="0">
+                <a:solidFill>
+                  <a:srgbClr val="000000"/>
+                </a:solidFill>
+                <a:latin typeface="Century" pitchFamily="18" charset="0"/>
+              </a:rPr>
+              <a:t>- 0.91</a:t>
+            </a:r>
+            <a:endParaRPr lang="en-US" altLang="zh-CN" dirty="0" smtClean="0">
+              <a:solidFill>
+                <a:srgbClr val="000000"/>
+              </a:solidFill>
+              <a:latin typeface="Century" pitchFamily="18" charset="0"/>
             </a:endParaRPr>
-          </a:p>
-          <a:p>
-            <a:pPr>
-              <a:buFont typeface="Arial" panose="020B0604020202020204" pitchFamily="34" charset="0"/>
-              <a:buChar char="•"/>
-            </a:pPr>
-            <a:endParaRPr lang="en-US" dirty="0">
-              <a:latin typeface="Century" panose="02040604050505020304" pitchFamily="18" charset="0"/>
-            </a:endParaRPr>
-          </a:p>
-          <a:p>
-            <a:pPr>
-              <a:buFont typeface="Arial" panose="020B0604020202020204" pitchFamily="34" charset="0"/>
-              <a:buChar char="•"/>
-            </a:pPr>
-            <a:r>
-              <a:rPr lang="en-US" dirty="0" smtClean="0">
-                <a:latin typeface="Century" panose="02040604050505020304" pitchFamily="18" charset="0"/>
-              </a:rPr>
-              <a:t> Majority </a:t>
-            </a:r>
-            <a:r>
-              <a:rPr lang="en-US" dirty="0">
-                <a:latin typeface="Century" panose="02040604050505020304" pitchFamily="18" charset="0"/>
-              </a:rPr>
-              <a:t>of these customers are </a:t>
-            </a:r>
-            <a:r>
-              <a:rPr lang="en-US" dirty="0" smtClean="0">
-                <a:latin typeface="Century" panose="02040604050505020304" pitchFamily="18" charset="0"/>
-              </a:rPr>
-              <a:t>depositors.</a:t>
-            </a:r>
-            <a:endParaRPr lang="en-US" dirty="0" smtClean="0">
-              <a:latin typeface="Century" panose="02040604050505020304" pitchFamily="18" charset="0"/>
-            </a:endParaRPr>
-          </a:p>
-          <a:p>
-            <a:endParaRPr lang="en-US" dirty="0">
-              <a:latin typeface="Century" panose="02040604050505020304" pitchFamily="18" charset="0"/>
-            </a:endParaRPr>
-          </a:p>
-          <a:p>
-            <a:pPr>
-              <a:buFont typeface="Arial" panose="020B0604020202020204" pitchFamily="34" charset="0"/>
-              <a:buChar char="•"/>
-            </a:pPr>
-            <a:r>
-              <a:rPr lang="en-US" dirty="0" smtClean="0">
-                <a:latin typeface="Century" panose="02040604050505020304" pitchFamily="18" charset="0"/>
-              </a:rPr>
-              <a:t> The bank is mostly interested in getting more borrowers in order to  bring more loan business and ultimately earn through the interest on loans</a:t>
-            </a:r>
-            <a:endParaRPr lang="en-US" dirty="0" smtClean="0">
-              <a:latin typeface="Century" panose="02040604050505020304" pitchFamily="18" charset="0"/>
-            </a:endParaRPr>
-          </a:p>
-          <a:p>
-            <a:endParaRPr lang="en-US" dirty="0" smtClean="0">
-              <a:latin typeface="Century" panose="02040604050505020304" pitchFamily="18" charset="0"/>
-            </a:endParaRPr>
-          </a:p>
-          <a:p>
-            <a:pPr>
-              <a:buFont typeface="Arial" panose="020B0604020202020204" pitchFamily="34" charset="0"/>
-              <a:buChar char="•"/>
-            </a:pPr>
-            <a:r>
-              <a:rPr lang="en-US" dirty="0" smtClean="0">
-                <a:latin typeface="Century" panose="02040604050505020304" pitchFamily="18" charset="0"/>
-              </a:rPr>
-              <a:t> In </a:t>
-            </a:r>
-            <a:r>
-              <a:rPr lang="en-US" dirty="0">
-                <a:latin typeface="Century" panose="02040604050505020304" pitchFamily="18" charset="0"/>
-              </a:rPr>
-              <a:t>particular, the management wants to explore ways of converting its </a:t>
-            </a:r>
-            <a:r>
-              <a:rPr lang="en-US" dirty="0" smtClean="0">
-                <a:latin typeface="Century" panose="02040604050505020304" pitchFamily="18" charset="0"/>
-              </a:rPr>
-              <a:t>  liability </a:t>
-            </a:r>
-            <a:r>
-              <a:rPr lang="en-US" dirty="0">
-                <a:latin typeface="Century" panose="02040604050505020304" pitchFamily="18" charset="0"/>
-              </a:rPr>
-              <a:t>customers to personal loan customers (while retaining them as depositors).</a:t>
-            </a:r>
-            <a:endParaRPr lang="zh-CN" altLang="en-US" b="1" dirty="0">
-              <a:latin typeface="Century" panose="02040604050505020304" pitchFamily="18" charset="0"/>
-            </a:endParaRPr>
-          </a:p>
-        </p:txBody>
-      </p:sp>
-      <p:sp>
-        <p:nvSpPr>
-          <p:cNvPr id="5" name="Rectangle 4"/>
-          <p:cNvSpPr/>
-          <p:nvPr/>
-        </p:nvSpPr>
-        <p:spPr>
-          <a:xfrm>
-            <a:off x="812588" y="4343402"/>
-            <a:ext cx="1577676" cy="461665"/>
-          </a:xfrm>
-          <a:prstGeom prst="rect">
-            <a:avLst/>
-          </a:prstGeom>
-        </p:spPr>
-        <p:txBody>
-          <a:bodyPr wrap="none">
-            <a:spAutoFit/>
-          </a:bodyPr>
-          <a:lstStyle/>
-          <a:p>
-            <a:r>
-              <a:rPr lang="en-US" sz="2400" b="1" dirty="0" smtClean="0">
-                <a:latin typeface="Century" panose="02040604050505020304" pitchFamily="18" charset="0"/>
-              </a:rPr>
-              <a:t>Objective</a:t>
-            </a:r>
-            <a:r>
-              <a:rPr lang="en-US" dirty="0" smtClean="0"/>
-              <a:t> </a:t>
-            </a:r>
-            <a:endParaRPr lang="en-US" dirty="0"/>
-          </a:p>
-        </p:txBody>
-      </p:sp>
-      <p:sp>
-        <p:nvSpPr>
-          <p:cNvPr id="10" name="TextBox 9"/>
-          <p:cNvSpPr txBox="1"/>
-          <p:nvPr/>
-        </p:nvSpPr>
-        <p:spPr>
-          <a:xfrm>
-            <a:off x="914162" y="4953000"/>
-            <a:ext cx="9141619" cy="1200329"/>
-          </a:xfrm>
-          <a:prstGeom prst="rect">
-            <a:avLst/>
-          </a:prstGeom>
-          <a:noFill/>
-        </p:spPr>
-        <p:txBody>
-          <a:bodyPr wrap="square" rtlCol="0">
-            <a:spAutoFit/>
-          </a:bodyPr>
-          <a:lstStyle/>
-          <a:p>
-            <a:pPr marL="342900" indent="-342900">
-              <a:buFont typeface="Arial" panose="020B0604020202020204" pitchFamily="34" charset="0"/>
-              <a:buChar char="•"/>
-            </a:pPr>
-            <a:r>
-              <a:rPr lang="en-US" altLang="zh-CN" dirty="0" smtClean="0"/>
-              <a:t>To predict whether a liability customer will buy a personal loan or not.</a:t>
-            </a:r>
-            <a:endParaRPr lang="en-US" altLang="zh-CN" dirty="0" smtClean="0"/>
-          </a:p>
-          <a:p>
-            <a:pPr marL="342900" indent="-342900">
-              <a:buFont typeface="Arial" panose="020B0604020202020204" pitchFamily="34" charset="0"/>
-              <a:buChar char="•"/>
-            </a:pPr>
-            <a:r>
-              <a:rPr lang="en-US" altLang="zh-CN" dirty="0" smtClean="0"/>
-              <a:t>Which variables are most significant.</a:t>
-            </a:r>
-            <a:endParaRPr lang="en-US" altLang="zh-CN" dirty="0" smtClean="0"/>
-          </a:p>
-          <a:p>
-            <a:pPr marL="342900" indent="-342900">
-              <a:buFont typeface="Arial" panose="020B0604020202020204" pitchFamily="34" charset="0"/>
-              <a:buChar char="•"/>
-            </a:pPr>
-            <a:r>
-              <a:rPr lang="en-US" altLang="zh-CN" dirty="0" smtClean="0"/>
-              <a:t>Which segment of customers should be targeted more.</a:t>
-            </a:r>
-            <a:endParaRPr lang="en-US" altLang="zh-CN" dirty="0" smtClean="0"/>
-          </a:p>
-          <a:p>
-            <a:endParaRPr lang="en-US" dirty="0"/>
           </a:p>
         </p:txBody>
       </p:sp>
@@ -10203,13 +10936,6 @@
   <p:clrMapOvr>
     <a:masterClrMapping/>
   </p:clrMapOvr>
-  <p:timing>
-    <p:tnLst>
-      <p:par>
-        <p:cTn id="1" dur="indefinite" restart="never" nodeType="tmRoot"/>
-      </p:par>
-    </p:tnLst>
-  </p:timing>
 </p:sld>
 </file>
 
@@ -10238,8 +10964,8 @@
         </p:nvSpPr>
         <p:spPr>
           <a:xfrm>
-            <a:off x="812588" y="533402"/>
-            <a:ext cx="5383398" cy="461665"/>
+            <a:off x="455612" y="304800"/>
+            <a:ext cx="11125200" cy="6340197"/>
           </a:xfrm>
           <a:prstGeom prst="rect">
             <a:avLst/>
@@ -10251,204 +10977,486 @@
           </a:bodyPr>
           <a:lstStyle/>
           <a:p>
-            <a:r>
-              <a:rPr lang="en-ZA" altLang="zh-CN" sz="2400" b="1" dirty="0" smtClean="0">
-                <a:latin typeface="Century" panose="02040604050505020304" pitchFamily="18" charset="0"/>
-              </a:rPr>
-              <a:t>Method</a:t>
-            </a:r>
-            <a:r>
-              <a:rPr lang="en-ZA" altLang="zh-CN" sz="2000" b="1" dirty="0" smtClean="0">
-                <a:latin typeface="Century" panose="02040604050505020304" pitchFamily="18" charset="0"/>
-              </a:rPr>
-              <a:t> </a:t>
-            </a:r>
-            <a:endParaRPr lang="zh-CN" altLang="en-US" sz="2000" b="1" dirty="0">
+            <a:endParaRPr lang="en-US" sz="1400" b="1" u="sng" dirty="0" smtClean="0">
               <a:latin typeface="Century" panose="02040604050505020304" pitchFamily="18" charset="0"/>
             </a:endParaRPr>
           </a:p>
-        </p:txBody>
-      </p:sp>
-      <p:sp>
-        <p:nvSpPr>
-          <p:cNvPr id="3" name="Rectangle 2"/>
-          <p:cNvSpPr/>
-          <p:nvPr/>
-        </p:nvSpPr>
-        <p:spPr>
-          <a:xfrm>
-            <a:off x="914162" y="1066802"/>
-            <a:ext cx="9344766" cy="3323987"/>
-          </a:xfrm>
-          <a:prstGeom prst="rect">
-            <a:avLst/>
-          </a:prstGeom>
-        </p:spPr>
-        <p:txBody>
-          <a:bodyPr wrap="square">
-            <a:spAutoFit/>
-          </a:bodyPr>
-          <a:lstStyle/>
+          <a:p>
+            <a:endParaRPr lang="en-US" sz="1400" b="1" u="sng" dirty="0" smtClean="0">
+              <a:latin typeface="Century" panose="02040604050505020304" pitchFamily="18" charset="0"/>
+            </a:endParaRPr>
+          </a:p>
+          <a:p>
+            <a:r>
+              <a:rPr lang="en-US" sz="1400" b="1" u="sng" dirty="0" smtClean="0">
+                <a:latin typeface="Century" panose="02040604050505020304" pitchFamily="18" charset="0"/>
+              </a:rPr>
+              <a:t>Random Forest Overview </a:t>
+            </a:r>
+            <a:r>
+              <a:rPr lang="en-US" sz="1400" b="1" u="sng" dirty="0" smtClean="0">
+                <a:latin typeface="Century" panose="02040604050505020304" pitchFamily="18" charset="0"/>
+              </a:rPr>
+              <a:t>:</a:t>
+            </a:r>
+          </a:p>
           <a:p>
             <a:pPr>
-              <a:buClr>
-                <a:srgbClr val="346640"/>
-              </a:buClr>
+              <a:buFont typeface="Arial" pitchFamily="34" charset="0"/>
+              <a:buChar char="•"/>
+            </a:pPr>
+            <a:r>
+              <a:rPr lang="en-US" sz="1400" dirty="0" smtClean="0">
+                <a:latin typeface="Century" panose="02040604050505020304" pitchFamily="18" charset="0"/>
+              </a:rPr>
+              <a:t>Random forest classifier is an ensemble algorithm based on bagging </a:t>
+            </a:r>
+            <a:r>
+              <a:rPr lang="en-US" sz="1400" dirty="0" err="1" smtClean="0">
+                <a:latin typeface="Century" panose="02040604050505020304" pitchFamily="18" charset="0"/>
+              </a:rPr>
+              <a:t>i.e</a:t>
+            </a:r>
+            <a:r>
+              <a:rPr lang="en-US" sz="1400" dirty="0" smtClean="0">
+                <a:latin typeface="Century" panose="02040604050505020304" pitchFamily="18" charset="0"/>
+              </a:rPr>
+              <a:t> bootstrap aggregation.</a:t>
+            </a:r>
+          </a:p>
+          <a:p>
+            <a:pPr>
+              <a:buFont typeface="Arial" pitchFamily="34" charset="0"/>
+              <a:buChar char="•"/>
+            </a:pPr>
+            <a:r>
+              <a:rPr lang="en-US" sz="1400" dirty="0" smtClean="0">
+                <a:latin typeface="Century" panose="02040604050505020304" pitchFamily="18" charset="0"/>
+              </a:rPr>
+              <a:t>Ensemble methods combines more than one algorithm of the same or different kind for classifying objects </a:t>
+            </a:r>
+          </a:p>
+          <a:p>
+            <a:pPr>
+              <a:buFont typeface="Arial" pitchFamily="34" charset="0"/>
+              <a:buChar char="•"/>
+            </a:pPr>
+            <a:r>
+              <a:rPr lang="en-US" sz="1400" dirty="0" smtClean="0">
+                <a:latin typeface="Century" panose="02040604050505020304" pitchFamily="18" charset="0"/>
+              </a:rPr>
+              <a:t>(i.e., an ensemble of SVM, naive </a:t>
+            </a:r>
+            <a:r>
+              <a:rPr lang="en-US" sz="1400" dirty="0" err="1" smtClean="0">
+                <a:latin typeface="Century" panose="02040604050505020304" pitchFamily="18" charset="0"/>
+              </a:rPr>
+              <a:t>Bayes</a:t>
+            </a:r>
+            <a:r>
+              <a:rPr lang="en-US" sz="1400" dirty="0" smtClean="0">
+                <a:latin typeface="Century" panose="02040604050505020304" pitchFamily="18" charset="0"/>
+              </a:rPr>
+              <a:t> or decision trees, for example</a:t>
+            </a:r>
+            <a:r>
+              <a:rPr lang="en-US" sz="1400" dirty="0" smtClean="0">
+                <a:latin typeface="Century" panose="02040604050505020304" pitchFamily="18" charset="0"/>
+              </a:rPr>
+              <a:t>.)</a:t>
+            </a:r>
+            <a:endParaRPr lang="en-US" sz="1400" dirty="0" smtClean="0">
+              <a:latin typeface="Century" panose="02040604050505020304" pitchFamily="18" charset="0"/>
+            </a:endParaRPr>
+          </a:p>
+          <a:p>
+            <a:endParaRPr lang="en-US" sz="1400" b="1" u="sng" dirty="0" smtClean="0">
+              <a:latin typeface="Century" panose="02040604050505020304" pitchFamily="18" charset="0"/>
+            </a:endParaRPr>
+          </a:p>
+          <a:p>
+            <a:pPr>
               <a:buFont typeface="Arial" panose="020B0604020202020204" pitchFamily="34" charset="0"/>
               <a:buChar char="•"/>
             </a:pPr>
             <a:r>
-              <a:rPr lang="en-US" sz="2400" dirty="0" smtClean="0">
-                <a:latin typeface="Century Schoolbook" panose="02040604050505020304" charset="0"/>
-              </a:rPr>
-              <a:t> Got dataset from </a:t>
-            </a:r>
-            <a:r>
-              <a:rPr lang="en-US" sz="2400" dirty="0" err="1" smtClean="0">
-                <a:latin typeface="Century Schoolbook" panose="02040604050505020304" charset="0"/>
-              </a:rPr>
-              <a:t>Kaggle</a:t>
-            </a:r>
-            <a:endParaRPr lang="en-US" sz="2400" dirty="0" smtClean="0">
-              <a:latin typeface="Century Schoolbook" panose="02040604050505020304" charset="0"/>
+              <a:rPr lang="en-US" sz="1400" b="1" u="sng" dirty="0" smtClean="0">
+                <a:latin typeface="Century" panose="02040604050505020304" pitchFamily="18" charset="0"/>
+              </a:rPr>
+              <a:t>Reasons for choosing </a:t>
+            </a:r>
+            <a:r>
+              <a:rPr lang="en-US" sz="1400" b="1" u="sng" dirty="0" smtClean="0">
+                <a:latin typeface="Century" panose="02040604050505020304" pitchFamily="18" charset="0"/>
+              </a:rPr>
+              <a:t>:</a:t>
+            </a:r>
+          </a:p>
+          <a:p>
+            <a:pPr>
+              <a:buFont typeface="Arial" panose="020B0604020202020204" pitchFamily="34" charset="0"/>
+              <a:buChar char="•"/>
+            </a:pPr>
+            <a:r>
+              <a:rPr lang="en-US" sz="1400" dirty="0" smtClean="0">
+                <a:latin typeface="Century" panose="02040604050505020304" pitchFamily="18" charset="0"/>
+              </a:rPr>
+              <a:t>It provides higher accuracy through cross validation</a:t>
+            </a:r>
+          </a:p>
+          <a:p>
+            <a:pPr>
+              <a:buFont typeface="Arial" panose="020B0604020202020204" pitchFamily="34" charset="0"/>
+              <a:buChar char="•"/>
+            </a:pPr>
+            <a:r>
+              <a:rPr lang="en-US" sz="1400" dirty="0" smtClean="0">
+                <a:latin typeface="Century" panose="02040604050505020304" pitchFamily="18" charset="0"/>
+              </a:rPr>
+              <a:t>Random forest classifier will handle the missing values and maintain the accuracy of a large proportion of data</a:t>
+            </a:r>
+          </a:p>
+          <a:p>
+            <a:endParaRPr lang="en-US" sz="1400" dirty="0" smtClean="0">
+              <a:latin typeface="Century" panose="02040604050505020304" pitchFamily="18" charset="0"/>
             </a:endParaRPr>
           </a:p>
           <a:p>
+            <a:r>
+              <a:rPr lang="en-US" sz="1400" b="1" u="sng" dirty="0" smtClean="0">
+                <a:latin typeface="Century" panose="02040604050505020304" pitchFamily="18" charset="0"/>
+              </a:rPr>
+              <a:t>Different variations :</a:t>
+            </a:r>
+          </a:p>
+          <a:p>
             <a:pPr>
-              <a:buClr>
-                <a:srgbClr val="346640"/>
-              </a:buClr>
               <a:buFont typeface="Arial" panose="020B0604020202020204" pitchFamily="34" charset="0"/>
               <a:buChar char="•"/>
             </a:pPr>
             <a:r>
-              <a:rPr lang="en-US" sz="2400" dirty="0" smtClean="0">
-                <a:latin typeface="Century Schoolbook" panose="02040604050505020304" charset="0"/>
-              </a:rPr>
-              <a:t>Performed EDA on the dataset </a:t>
-            </a:r>
-            <a:endParaRPr lang="en-US" sz="2400" dirty="0" smtClean="0">
-              <a:latin typeface="Century Schoolbook" panose="02040604050505020304" charset="0"/>
+              <a:rPr lang="en-US" sz="1400" dirty="0" smtClean="0">
+                <a:latin typeface="Century" panose="02040604050505020304" pitchFamily="18" charset="0"/>
+              </a:rPr>
+              <a:t> RF_Model_1(</a:t>
+            </a:r>
+            <a:r>
+              <a:rPr lang="en-US" sz="1400" dirty="0" err="1" smtClean="0">
+                <a:latin typeface="Century" pitchFamily="18" charset="0"/>
+              </a:rPr>
+              <a:t>UnOptimized</a:t>
+            </a:r>
+            <a:r>
+              <a:rPr lang="en-US" sz="1400" dirty="0" smtClean="0">
+                <a:latin typeface="Century" pitchFamily="18" charset="0"/>
+              </a:rPr>
+              <a:t> + </a:t>
+            </a:r>
+            <a:r>
+              <a:rPr lang="en-US" sz="1400" dirty="0" err="1" smtClean="0">
+                <a:latin typeface="Century" pitchFamily="18" charset="0"/>
+              </a:rPr>
+              <a:t>RandomOverSampler</a:t>
+            </a:r>
+            <a:r>
+              <a:rPr lang="en-US" sz="1400" dirty="0" smtClean="0">
+                <a:latin typeface="Century" pitchFamily="18" charset="0"/>
+              </a:rPr>
+              <a:t> </a:t>
+            </a:r>
+            <a:r>
+              <a:rPr lang="en-US" sz="1400" dirty="0" smtClean="0">
+                <a:latin typeface="Century" pitchFamily="18" charset="0"/>
+              </a:rPr>
+              <a:t>)</a:t>
+            </a:r>
+          </a:p>
+          <a:p>
+            <a:pPr>
+              <a:buFont typeface="Arial" panose="020B0604020202020204" pitchFamily="34" charset="0"/>
+              <a:buChar char="•"/>
+            </a:pPr>
+            <a:r>
+              <a:rPr lang="en-US" sz="1400" dirty="0" smtClean="0">
+                <a:latin typeface="Century" pitchFamily="18" charset="0"/>
+              </a:rPr>
+              <a:t>RF_Model_2(</a:t>
+            </a:r>
+            <a:r>
+              <a:rPr lang="en-US" sz="1400" dirty="0" err="1" smtClean="0">
+                <a:latin typeface="Century" pitchFamily="18" charset="0"/>
+              </a:rPr>
+              <a:t>Hyperparameter</a:t>
+            </a:r>
+            <a:r>
+              <a:rPr lang="en-US" sz="1400" dirty="0" smtClean="0">
+                <a:latin typeface="Century" pitchFamily="18" charset="0"/>
+              </a:rPr>
+              <a:t> Tuning + </a:t>
+            </a:r>
+            <a:r>
+              <a:rPr lang="en-US" sz="1400" dirty="0" err="1" smtClean="0">
+                <a:latin typeface="Century" pitchFamily="18" charset="0"/>
+              </a:rPr>
+              <a:t>RandomOverSampler</a:t>
+            </a:r>
+            <a:r>
+              <a:rPr lang="en-US" sz="1400" dirty="0" smtClean="0">
+                <a:latin typeface="Century" pitchFamily="18" charset="0"/>
+              </a:rPr>
+              <a:t>)</a:t>
+            </a:r>
+          </a:p>
+          <a:p>
+            <a:pPr>
+              <a:buFont typeface="Arial" panose="020B0604020202020204" pitchFamily="34" charset="0"/>
+              <a:buChar char="•"/>
+            </a:pPr>
+            <a:r>
+              <a:rPr lang="en-US" sz="1400" dirty="0" smtClean="0"/>
+              <a:t>RF_Model_3(Checking feature </a:t>
+            </a:r>
+            <a:r>
+              <a:rPr lang="en-US" sz="1400" dirty="0" err="1" smtClean="0"/>
+              <a:t>importances</a:t>
+            </a:r>
+            <a:r>
+              <a:rPr lang="en-US" sz="1400" dirty="0" smtClean="0"/>
+              <a:t>)</a:t>
+            </a:r>
+            <a:endParaRPr lang="en-US" sz="1400" dirty="0" smtClean="0"/>
+          </a:p>
+          <a:p>
+            <a:endParaRPr lang="en-US" sz="1400" dirty="0" smtClean="0">
+              <a:latin typeface="Century" pitchFamily="18" charset="0"/>
             </a:endParaRPr>
           </a:p>
           <a:p>
+            <a:r>
+              <a:rPr lang="en-US" sz="1400" b="1" u="sng" dirty="0" smtClean="0">
+                <a:latin typeface="Century" panose="02040604050505020304" pitchFamily="18" charset="0"/>
+              </a:rPr>
+              <a:t>Observation on these models:</a:t>
+            </a:r>
+          </a:p>
+          <a:p>
+            <a:r>
+              <a:rPr lang="en-US" sz="1400" dirty="0" smtClean="0">
+                <a:latin typeface="Century" panose="02040604050505020304" pitchFamily="18" charset="0"/>
+              </a:rPr>
+              <a:t>RF_Model_1(</a:t>
+            </a:r>
+            <a:r>
+              <a:rPr lang="en-US" sz="1400" dirty="0" err="1" smtClean="0">
+                <a:latin typeface="Century" panose="02040604050505020304" pitchFamily="18" charset="0"/>
+              </a:rPr>
+              <a:t>UnOptimized</a:t>
+            </a:r>
+            <a:r>
+              <a:rPr lang="en-US" sz="1400" dirty="0" smtClean="0">
+                <a:latin typeface="Century" panose="02040604050505020304" pitchFamily="18" charset="0"/>
+              </a:rPr>
+              <a:t> </a:t>
+            </a:r>
+            <a:r>
+              <a:rPr lang="en-US" sz="1400" dirty="0" smtClean="0">
+                <a:latin typeface="Century" panose="02040604050505020304" pitchFamily="18" charset="0"/>
+              </a:rPr>
+              <a:t>+ </a:t>
+            </a:r>
+            <a:r>
+              <a:rPr lang="en-US" sz="1400" dirty="0" err="1" smtClean="0">
+                <a:latin typeface="Century" panose="02040604050505020304" pitchFamily="18" charset="0"/>
+              </a:rPr>
+              <a:t>RandomOverSampler</a:t>
+            </a:r>
+            <a:r>
+              <a:rPr lang="en-US" sz="1400" dirty="0" smtClean="0">
+                <a:latin typeface="Century" panose="02040604050505020304" pitchFamily="18" charset="0"/>
+              </a:rPr>
+              <a:t> )</a:t>
+            </a:r>
+          </a:p>
+          <a:p>
+            <a:r>
+              <a:rPr lang="en-US" sz="1400" dirty="0" smtClean="0">
+                <a:latin typeface="Century" panose="02040604050505020304" pitchFamily="18" charset="0"/>
+              </a:rPr>
+              <a:t>- Recall Scores for train and test set were far apart</a:t>
+            </a:r>
+          </a:p>
+          <a:p>
             <a:pPr>
-              <a:buClr>
-                <a:srgbClr val="346640"/>
-              </a:buClr>
+              <a:buFontTx/>
+              <a:buChar char="-"/>
+            </a:pPr>
+            <a:r>
+              <a:rPr lang="en-US" sz="1400" dirty="0" smtClean="0">
+                <a:latin typeface="Century" panose="02040604050505020304" pitchFamily="18" charset="0"/>
+              </a:rPr>
+              <a:t>The model might be </a:t>
+            </a:r>
+            <a:r>
+              <a:rPr lang="en-US" sz="1400" dirty="0" err="1" smtClean="0">
+                <a:latin typeface="Century" panose="02040604050505020304" pitchFamily="18" charset="0"/>
+              </a:rPr>
+              <a:t>overfitted</a:t>
+            </a:r>
+            <a:endParaRPr lang="en-US" sz="1400" dirty="0" smtClean="0">
+              <a:latin typeface="Century" panose="02040604050505020304" pitchFamily="18" charset="0"/>
+            </a:endParaRPr>
+          </a:p>
+          <a:p>
+            <a:pPr>
+              <a:buFontTx/>
+              <a:buChar char="-"/>
+            </a:pPr>
+            <a:endParaRPr lang="en-US" sz="1400" dirty="0" smtClean="0">
+              <a:latin typeface="Century" panose="02040604050505020304" pitchFamily="18" charset="0"/>
+            </a:endParaRPr>
+          </a:p>
+          <a:p>
+            <a:r>
+              <a:rPr lang="en-US" sz="1400" dirty="0" smtClean="0">
+                <a:latin typeface="Century" pitchFamily="18" charset="0"/>
+              </a:rPr>
+              <a:t>RF_Model_2(</a:t>
+            </a:r>
+            <a:r>
+              <a:rPr lang="en-US" sz="1400" dirty="0" err="1" smtClean="0">
+                <a:latin typeface="Century" pitchFamily="18" charset="0"/>
+              </a:rPr>
+              <a:t>Hyperparameter</a:t>
+            </a:r>
+            <a:r>
+              <a:rPr lang="en-US" sz="1400" dirty="0" smtClean="0">
+                <a:latin typeface="Century" pitchFamily="18" charset="0"/>
+              </a:rPr>
+              <a:t> Tuning + </a:t>
+            </a:r>
+            <a:r>
+              <a:rPr lang="en-US" sz="1400" dirty="0" err="1" smtClean="0">
+                <a:latin typeface="Century" pitchFamily="18" charset="0"/>
+              </a:rPr>
+              <a:t>RandomOverSampler</a:t>
+            </a:r>
+            <a:r>
+              <a:rPr lang="en-US" sz="1400" dirty="0" smtClean="0">
+                <a:latin typeface="Century" pitchFamily="18" charset="0"/>
+              </a:rPr>
+              <a:t>)</a:t>
+            </a:r>
+          </a:p>
+          <a:p>
+            <a:r>
+              <a:rPr lang="en-US" sz="1400" dirty="0" smtClean="0">
+                <a:latin typeface="Century" panose="02040604050505020304" pitchFamily="18" charset="0"/>
+              </a:rPr>
+              <a:t>- </a:t>
+            </a:r>
+            <a:r>
+              <a:rPr lang="en-US" sz="1400" dirty="0" smtClean="0">
+                <a:latin typeface="Century" panose="02040604050505020304" pitchFamily="18" charset="0"/>
+              </a:rPr>
+              <a:t>Recall for test set has improved to </a:t>
+            </a:r>
+            <a:r>
+              <a:rPr lang="en-US" sz="1400" dirty="0" smtClean="0">
+                <a:latin typeface="Century" panose="02040604050505020304" pitchFamily="18" charset="0"/>
+              </a:rPr>
+              <a:t>0.96  </a:t>
+            </a:r>
+            <a:r>
+              <a:rPr lang="en-US" sz="1400" dirty="0" smtClean="0">
+                <a:latin typeface="Century" panose="02040604050505020304" pitchFamily="18" charset="0"/>
+              </a:rPr>
+              <a:t>after </a:t>
+            </a:r>
+            <a:r>
+              <a:rPr lang="en-US" sz="1400" dirty="0" err="1" smtClean="0">
+                <a:latin typeface="Century" panose="02040604050505020304" pitchFamily="18" charset="0"/>
+              </a:rPr>
+              <a:t>hyperparameter</a:t>
+            </a:r>
+            <a:r>
+              <a:rPr lang="en-US" sz="1400" dirty="0" smtClean="0">
+                <a:latin typeface="Century" panose="02040604050505020304" pitchFamily="18" charset="0"/>
+              </a:rPr>
+              <a:t> tuning.</a:t>
+            </a:r>
+          </a:p>
+          <a:p>
+            <a:r>
+              <a:rPr lang="en-US" sz="1400" dirty="0" smtClean="0">
+                <a:latin typeface="Century" panose="02040604050505020304" pitchFamily="18" charset="0"/>
+              </a:rPr>
+              <a:t>- False Negatives </a:t>
+            </a:r>
+            <a:r>
+              <a:rPr lang="en-US" sz="1400" dirty="0" smtClean="0">
+                <a:latin typeface="Century" panose="02040604050505020304" pitchFamily="18" charset="0"/>
+              </a:rPr>
+              <a:t>dropped to 2</a:t>
+            </a:r>
+            <a:endParaRPr lang="en-US" sz="1400" dirty="0" smtClean="0">
+              <a:latin typeface="Century" panose="02040604050505020304" pitchFamily="18" charset="0"/>
+            </a:endParaRPr>
+          </a:p>
+          <a:p>
+            <a:r>
+              <a:rPr lang="en-US" sz="1400" dirty="0" smtClean="0">
+                <a:latin typeface="Century" panose="02040604050505020304" pitchFamily="18" charset="0"/>
+              </a:rPr>
+              <a:t>- AUC score is </a:t>
+            </a:r>
+            <a:r>
+              <a:rPr lang="en-US" sz="1400" dirty="0" smtClean="0">
+                <a:latin typeface="Century" panose="02040604050505020304" pitchFamily="18" charset="0"/>
+              </a:rPr>
+              <a:t>0.99</a:t>
+            </a:r>
+            <a:endParaRPr lang="en-US" sz="1400" dirty="0" smtClean="0">
+              <a:latin typeface="Century" panose="02040604050505020304" pitchFamily="18" charset="0"/>
+            </a:endParaRPr>
+          </a:p>
+          <a:p>
+            <a:pPr>
               <a:buFont typeface="Arial" panose="020B0604020202020204" pitchFamily="34" charset="0"/>
               <a:buChar char="•"/>
             </a:pPr>
-            <a:endParaRPr lang="en-US" sz="2400" dirty="0" smtClean="0">
-              <a:latin typeface="Century Schoolbook" panose="02040604050505020304" charset="0"/>
+            <a:endParaRPr lang="en-US" sz="1400" dirty="0" smtClean="0">
+              <a:latin typeface="Century" panose="02040604050505020304" pitchFamily="18" charset="0"/>
             </a:endParaRPr>
           </a:p>
           <a:p>
-            <a:pPr>
-              <a:buClr>
-                <a:srgbClr val="346640"/>
-              </a:buClr>
-              <a:buFont typeface="Arial" panose="020B0604020202020204" pitchFamily="34" charset="0"/>
-              <a:buChar char="•"/>
-            </a:pPr>
-            <a:r>
-              <a:rPr lang="en-US" sz="2400" dirty="0" smtClean="0">
-                <a:latin typeface="Century Schoolbook" panose="02040604050505020304" charset="0"/>
-              </a:rPr>
-              <a:t> Accessed using API key (</a:t>
-            </a:r>
-            <a:r>
-              <a:rPr lang="en-US" sz="2400" dirty="0" err="1" smtClean="0">
-                <a:latin typeface="Century Schoolbook" panose="02040604050505020304" charset="0"/>
-              </a:rPr>
-              <a:t>Quandl</a:t>
-            </a:r>
-            <a:r>
-              <a:rPr lang="en-US" sz="2400" dirty="0" smtClean="0">
-                <a:latin typeface="Century Schoolbook" panose="02040604050505020304" charset="0"/>
-              </a:rPr>
-              <a:t>)</a:t>
-            </a:r>
-            <a:endParaRPr lang="en-US" sz="2400" dirty="0" smtClean="0">
-              <a:latin typeface="Century Schoolbook" panose="02040604050505020304" charset="0"/>
-            </a:endParaRPr>
-          </a:p>
-          <a:p>
-            <a:pPr>
-              <a:buClr>
-                <a:srgbClr val="346640"/>
-              </a:buClr>
-              <a:buFont typeface="Arial" panose="020B0604020202020204" pitchFamily="34" charset="0"/>
-              <a:buChar char="•"/>
-            </a:pPr>
-            <a:endParaRPr lang="en-US" sz="2400" dirty="0" smtClean="0">
-              <a:latin typeface="Century Schoolbook" panose="02040604050505020304" charset="0"/>
-            </a:endParaRPr>
-          </a:p>
-          <a:p>
-            <a:pPr>
-              <a:buClr>
-                <a:srgbClr val="346640"/>
-              </a:buClr>
-              <a:buFont typeface="Arial" panose="020B0604020202020204" pitchFamily="34" charset="0"/>
-              <a:buChar char="•"/>
-            </a:pPr>
-            <a:r>
-              <a:rPr lang="en-US" sz="2400" dirty="0" smtClean="0">
-                <a:latin typeface="Century Schoolbook" panose="02040604050505020304" charset="0"/>
-              </a:rPr>
-              <a:t> Obtained records for 17 groups</a:t>
-            </a:r>
-            <a:endParaRPr lang="en-US" sz="2400" dirty="0" smtClean="0">
-              <a:latin typeface="Century Schoolbook" panose="02040604050505020304" charset="0"/>
-            </a:endParaRPr>
-          </a:p>
-          <a:p>
-            <a:pPr lvl="1">
-              <a:buClr>
-                <a:srgbClr val="346640"/>
-              </a:buClr>
-              <a:buFont typeface="Arial" panose="020B0604020202020204" pitchFamily="34" charset="0"/>
-              <a:buChar char="•"/>
-            </a:pPr>
-            <a:r>
-              <a:rPr lang="en-US" dirty="0" smtClean="0">
-                <a:latin typeface="Century Schoolbook" panose="02040604050505020304" charset="0"/>
-              </a:rPr>
-              <a:t>Gender, Race/Ethnicity, Age, Highest Level of Education</a:t>
-            </a:r>
-            <a:endParaRPr lang="en-US" dirty="0" smtClean="0">
-              <a:latin typeface="Century Schoolbook" panose="02040604050505020304" charset="0"/>
-            </a:endParaRPr>
-          </a:p>
-          <a:p>
-            <a:pPr>
-              <a:buClr>
-                <a:srgbClr val="346640"/>
-              </a:buClr>
-              <a:buFont typeface="Arial" panose="020B0604020202020204" pitchFamily="34" charset="0"/>
-              <a:buChar char="•"/>
-            </a:pPr>
-            <a:endParaRPr lang="en-US" sz="2400" dirty="0" smtClean="0">
-              <a:latin typeface="Century Schoolbook" panose="02040604050505020304" charset="0"/>
-            </a:endParaRPr>
-          </a:p>
-          <a:p>
-            <a:pPr>
-              <a:buClr>
-                <a:srgbClr val="346640"/>
-              </a:buClr>
-              <a:buFont typeface="Arial" panose="020B0604020202020204" pitchFamily="34" charset="0"/>
-              <a:buChar char="•"/>
-            </a:pPr>
-            <a:r>
-              <a:rPr lang="en-US" sz="2400" dirty="0" smtClean="0">
-                <a:latin typeface="Century Schoolbook" panose="02040604050505020304" charset="0"/>
-              </a:rPr>
-              <a:t>Visualized with time series plots</a:t>
-            </a:r>
-            <a:endParaRPr lang="en-US" sz="2400" dirty="0">
-              <a:latin typeface="Century Schoolbook" panose="02040604050505020304" charset="0"/>
+            <a:r>
+              <a:rPr lang="en-US" sz="1400" b="1" dirty="0" smtClean="0">
+                <a:latin typeface="Century" panose="02040604050505020304" pitchFamily="18" charset="0"/>
+              </a:rPr>
+              <a:t>DT Model - Conclusion:</a:t>
+            </a:r>
+          </a:p>
+          <a:p>
+            <a:r>
+              <a:rPr lang="en-US" sz="1400" dirty="0" smtClean="0">
+                <a:latin typeface="Century" panose="02040604050505020304" pitchFamily="18" charset="0"/>
+              </a:rPr>
+              <a:t>Model built after performing </a:t>
+            </a:r>
+            <a:r>
+              <a:rPr lang="en-US" sz="1400" dirty="0" err="1" smtClean="0">
+                <a:latin typeface="Century" panose="02040604050505020304" pitchFamily="18" charset="0"/>
+              </a:rPr>
+              <a:t>hyperparameter</a:t>
+            </a:r>
+            <a:r>
+              <a:rPr lang="en-US" sz="1400" dirty="0" smtClean="0">
+                <a:latin typeface="Century" panose="02040604050505020304" pitchFamily="18" charset="0"/>
+              </a:rPr>
+              <a:t> tuning was more reliable. Therefore, we would be considering this model for further analysis.</a:t>
+            </a:r>
+            <a:endParaRPr lang="en-US" sz="1400" dirty="0">
+              <a:latin typeface="Century" panose="02040604050505020304" pitchFamily="18" charset="0"/>
             </a:endParaRPr>
           </a:p>
         </p:txBody>
@@ -10458,13 +11466,1115 @@
   <p:clrMapOvr>
     <a:masterClrMapping/>
   </p:clrMapOvr>
-  <p:timing>
-    <p:tnLst>
-      <p:par>
-        <p:cTn id="1" dur="indefinite" restart="never" nodeType="tmRoot"/>
-      </p:par>
-    </p:tnLst>
-  </p:timing>
+</p:sld>
+</file>
+
+<file path=ppt/slides/slide23.xml><?xml version="1.0" encoding="utf-8"?>
+<p:sld xmlns:a="http://schemas.openxmlformats.org/drawingml/2006/main" xmlns:r="http://schemas.openxmlformats.org/officeDocument/2006/relationships" xmlns:p="http://schemas.openxmlformats.org/presentationml/2006/main">
+  <p:cSld>
+    <p:spTree>
+      <p:nvGrpSpPr>
+        <p:cNvPr id="1" name=""/>
+        <p:cNvGrpSpPr/>
+        <p:nvPr/>
+      </p:nvGrpSpPr>
+      <p:grpSpPr>
+        <a:xfrm>
+          <a:off x="0" y="0"/>
+          <a:ext cx="0" cy="0"/>
+          <a:chOff x="0" y="0"/>
+          <a:chExt cx="0" cy="0"/>
+        </a:xfrm>
+      </p:grpSpPr>
+      <p:pic>
+        <p:nvPicPr>
+          <p:cNvPr id="7170" name="Picture 2"/>
+          <p:cNvPicPr>
+            <a:picLocks noChangeAspect="1" noChangeArrowheads="1"/>
+          </p:cNvPicPr>
+          <p:nvPr/>
+        </p:nvPicPr>
+        <p:blipFill>
+          <a:blip r:embed="rId2"/>
+          <a:srcRect/>
+          <a:stretch>
+            <a:fillRect/>
+          </a:stretch>
+        </p:blipFill>
+        <p:spPr bwMode="auto">
+          <a:xfrm>
+            <a:off x="379412" y="0"/>
+            <a:ext cx="5791200" cy="2743199"/>
+          </a:xfrm>
+          <a:prstGeom prst="rect">
+            <a:avLst/>
+          </a:prstGeom>
+          <a:noFill/>
+          <a:ln w="9525">
+            <a:noFill/>
+            <a:miter lim="800000"/>
+            <a:headEnd/>
+            <a:tailEnd/>
+          </a:ln>
+          <a:effectLst/>
+        </p:spPr>
+      </p:pic>
+      <p:pic>
+        <p:nvPicPr>
+          <p:cNvPr id="7171" name="Picture 3"/>
+          <p:cNvPicPr>
+            <a:picLocks noChangeAspect="1" noChangeArrowheads="1"/>
+          </p:cNvPicPr>
+          <p:nvPr/>
+        </p:nvPicPr>
+        <p:blipFill>
+          <a:blip r:embed="rId3"/>
+          <a:srcRect/>
+          <a:stretch>
+            <a:fillRect/>
+          </a:stretch>
+        </p:blipFill>
+        <p:spPr bwMode="auto">
+          <a:xfrm>
+            <a:off x="379412" y="1676400"/>
+            <a:ext cx="4419600" cy="2228850"/>
+          </a:xfrm>
+          <a:prstGeom prst="rect">
+            <a:avLst/>
+          </a:prstGeom>
+          <a:noFill/>
+          <a:ln w="9525">
+            <a:noFill/>
+            <a:miter lim="800000"/>
+            <a:headEnd/>
+            <a:tailEnd/>
+          </a:ln>
+          <a:effectLst/>
+        </p:spPr>
+      </p:pic>
+      <p:pic>
+        <p:nvPicPr>
+          <p:cNvPr id="7172" name="Picture 4"/>
+          <p:cNvPicPr>
+            <a:picLocks noChangeAspect="1" noChangeArrowheads="1"/>
+          </p:cNvPicPr>
+          <p:nvPr/>
+        </p:nvPicPr>
+        <p:blipFill>
+          <a:blip r:embed="rId4"/>
+          <a:srcRect/>
+          <a:stretch>
+            <a:fillRect/>
+          </a:stretch>
+        </p:blipFill>
+        <p:spPr bwMode="auto">
+          <a:xfrm>
+            <a:off x="5027612" y="1981200"/>
+            <a:ext cx="4953000" cy="2133600"/>
+          </a:xfrm>
+          <a:prstGeom prst="rect">
+            <a:avLst/>
+          </a:prstGeom>
+          <a:noFill/>
+          <a:ln w="9525">
+            <a:noFill/>
+            <a:miter lim="800000"/>
+            <a:headEnd/>
+            <a:tailEnd/>
+          </a:ln>
+          <a:effectLst/>
+        </p:spPr>
+      </p:pic>
+      <p:pic>
+        <p:nvPicPr>
+          <p:cNvPr id="7173" name="Picture 5"/>
+          <p:cNvPicPr>
+            <a:picLocks noChangeAspect="1" noChangeArrowheads="1"/>
+          </p:cNvPicPr>
+          <p:nvPr/>
+        </p:nvPicPr>
+        <p:blipFill>
+          <a:blip r:embed="rId5"/>
+          <a:srcRect/>
+          <a:stretch>
+            <a:fillRect/>
+          </a:stretch>
+        </p:blipFill>
+        <p:spPr bwMode="auto">
+          <a:xfrm>
+            <a:off x="7161212" y="0"/>
+            <a:ext cx="4038599" cy="2438400"/>
+          </a:xfrm>
+          <a:prstGeom prst="rect">
+            <a:avLst/>
+          </a:prstGeom>
+          <a:noFill/>
+          <a:ln w="9525">
+            <a:noFill/>
+            <a:miter lim="800000"/>
+            <a:headEnd/>
+            <a:tailEnd/>
+          </a:ln>
+          <a:effectLst/>
+        </p:spPr>
+      </p:pic>
+      <p:sp>
+        <p:nvSpPr>
+          <p:cNvPr id="6" name="Rectangle 5"/>
+          <p:cNvSpPr/>
+          <p:nvPr/>
+        </p:nvSpPr>
+        <p:spPr>
+          <a:xfrm>
+            <a:off x="303212" y="3886200"/>
+            <a:ext cx="9677400" cy="3046988"/>
+          </a:xfrm>
+          <a:prstGeom prst="rect">
+            <a:avLst/>
+          </a:prstGeom>
+        </p:spPr>
+        <p:txBody>
+          <a:bodyPr wrap="square">
+            <a:spAutoFit/>
+          </a:bodyPr>
+          <a:lstStyle/>
+          <a:p>
+            <a:r>
+              <a:rPr lang="en-US" sz="2000" b="1" u="sng" dirty="0" smtClean="0">
+                <a:latin typeface="Century" panose="02040604050505020304" pitchFamily="18" charset="0"/>
+              </a:rPr>
+              <a:t>Interpretation of test confusion matrix: </a:t>
+            </a:r>
+          </a:p>
+          <a:p>
+            <a:r>
+              <a:rPr lang="en-US" sz="1200" dirty="0" smtClean="0">
+                <a:latin typeface="Century" panose="02040604050505020304" pitchFamily="18" charset="0"/>
+              </a:rPr>
+              <a:t>Diagonal values represent accurate predictions, while non-diagonal predictions are not accurate. In the output, </a:t>
+            </a:r>
+            <a:r>
+              <a:rPr lang="en-US" sz="1200" dirty="0" smtClean="0">
+                <a:latin typeface="Century" panose="02040604050505020304" pitchFamily="18" charset="0"/>
+              </a:rPr>
+              <a:t>1210and 64  </a:t>
+            </a:r>
+            <a:r>
+              <a:rPr lang="en-US" sz="1200" dirty="0" smtClean="0">
+                <a:latin typeface="Century" panose="02040604050505020304" pitchFamily="18" charset="0"/>
+              </a:rPr>
+              <a:t>are actual predictions and </a:t>
+            </a:r>
+            <a:r>
+              <a:rPr lang="en-US" sz="1200" dirty="0" smtClean="0">
+                <a:latin typeface="Century" panose="02040604050505020304" pitchFamily="18" charset="0"/>
+              </a:rPr>
+              <a:t>32 </a:t>
+            </a:r>
+            <a:r>
+              <a:rPr lang="en-US" sz="1200" dirty="0" smtClean="0">
+                <a:latin typeface="Century" panose="02040604050505020304" pitchFamily="18" charset="0"/>
+              </a:rPr>
+              <a:t>and </a:t>
+            </a:r>
+            <a:r>
+              <a:rPr lang="en-US" sz="1200" dirty="0" smtClean="0">
+                <a:latin typeface="Century" panose="02040604050505020304" pitchFamily="18" charset="0"/>
+              </a:rPr>
+              <a:t>2 are </a:t>
+            </a:r>
+            <a:r>
+              <a:rPr lang="en-US" sz="1200" dirty="0" smtClean="0">
+                <a:latin typeface="Century" panose="02040604050505020304" pitchFamily="18" charset="0"/>
+              </a:rPr>
+              <a:t>innacurate predictions</a:t>
+            </a:r>
+            <a:r>
+              <a:rPr lang="en-US" sz="1200" dirty="0" smtClean="0">
+                <a:latin typeface="Century" panose="02040604050505020304" pitchFamily="18" charset="0"/>
+              </a:rPr>
+              <a:t>.</a:t>
+            </a:r>
+          </a:p>
+          <a:p>
+            <a:endParaRPr lang="en-US" sz="1200" dirty="0" smtClean="0">
+              <a:latin typeface="Century" panose="02040604050505020304" pitchFamily="18" charset="0"/>
+            </a:endParaRPr>
+          </a:p>
+          <a:p>
+            <a:r>
+              <a:rPr lang="en-US" sz="1200" dirty="0" smtClean="0">
+                <a:latin typeface="Century" panose="02040604050505020304" pitchFamily="18" charset="0"/>
+              </a:rPr>
+              <a:t>True Positive from our matrix </a:t>
+            </a:r>
+            <a:r>
+              <a:rPr lang="en-US" sz="1200" dirty="0" smtClean="0">
+                <a:latin typeface="Century" panose="02040604050505020304" pitchFamily="18" charset="0"/>
+              </a:rPr>
+              <a:t>:64</a:t>
+            </a:r>
+            <a:endParaRPr lang="en-US" sz="1200" dirty="0" smtClean="0">
+              <a:latin typeface="Century" panose="02040604050505020304" pitchFamily="18" charset="0"/>
+            </a:endParaRPr>
+          </a:p>
+          <a:p>
+            <a:r>
+              <a:rPr lang="en-US" sz="1200" dirty="0" smtClean="0">
+                <a:latin typeface="Century" panose="02040604050505020304" pitchFamily="18" charset="0"/>
+              </a:rPr>
+              <a:t>True Negative from our matrix </a:t>
+            </a:r>
+            <a:r>
+              <a:rPr lang="en-US" sz="1200" dirty="0" smtClean="0">
+                <a:latin typeface="Century" panose="02040604050505020304" pitchFamily="18" charset="0"/>
+              </a:rPr>
+              <a:t>1210</a:t>
+            </a:r>
+            <a:endParaRPr lang="en-US" sz="1200" dirty="0" smtClean="0">
+              <a:latin typeface="Century" panose="02040604050505020304" pitchFamily="18" charset="0"/>
+            </a:endParaRPr>
+          </a:p>
+          <a:p>
+            <a:r>
+              <a:rPr lang="en-US" sz="1200" dirty="0" smtClean="0">
+                <a:latin typeface="Century" panose="02040604050505020304" pitchFamily="18" charset="0"/>
+              </a:rPr>
+              <a:t>False Positive from our matrix </a:t>
+            </a:r>
+            <a:r>
+              <a:rPr lang="en-US" sz="1200" dirty="0" smtClean="0">
+                <a:latin typeface="Century" panose="02040604050505020304" pitchFamily="18" charset="0"/>
+              </a:rPr>
+              <a:t>:32</a:t>
+            </a:r>
+            <a:endParaRPr lang="en-US" sz="1200" dirty="0" smtClean="0">
+              <a:latin typeface="Century" panose="02040604050505020304" pitchFamily="18" charset="0"/>
+            </a:endParaRPr>
+          </a:p>
+          <a:p>
+            <a:r>
+              <a:rPr lang="en-US" sz="1200" dirty="0" smtClean="0">
+                <a:latin typeface="Century" panose="02040604050505020304" pitchFamily="18" charset="0"/>
+              </a:rPr>
+              <a:t>False Negative from our matrix </a:t>
+            </a:r>
+            <a:r>
+              <a:rPr lang="en-US" sz="1200" dirty="0" smtClean="0">
+                <a:latin typeface="Century" panose="02040604050505020304" pitchFamily="18" charset="0"/>
+              </a:rPr>
+              <a:t>:2</a:t>
+            </a:r>
+            <a:endParaRPr lang="en-US" sz="1200" dirty="0" smtClean="0">
+              <a:latin typeface="Century" panose="02040604050505020304" pitchFamily="18" charset="0"/>
+            </a:endParaRPr>
+          </a:p>
+          <a:p>
+            <a:endParaRPr lang="en-US" sz="1200" dirty="0" smtClean="0">
+              <a:latin typeface="Century" panose="02040604050505020304" pitchFamily="18" charset="0"/>
+            </a:endParaRPr>
+          </a:p>
+          <a:p>
+            <a:r>
+              <a:rPr lang="en-US" sz="2000" b="1" u="sng" dirty="0" smtClean="0">
+                <a:latin typeface="Century" panose="02040604050505020304" pitchFamily="18" charset="0"/>
+              </a:rPr>
+              <a:t>Recall :</a:t>
+            </a:r>
+          </a:p>
+          <a:p>
+            <a:pPr marL="285750" indent="-285750">
+              <a:buFont typeface="Arial" panose="020B0604020202020204" pitchFamily="34" charset="0"/>
+              <a:buChar char="•"/>
+            </a:pPr>
+            <a:r>
+              <a:rPr lang="en-US" altLang="zh-CN" sz="1400" dirty="0" smtClean="0">
+                <a:latin typeface="Century" panose="02040604050505020304" pitchFamily="18" charset="0"/>
+              </a:rPr>
+              <a:t>Train Data </a:t>
+            </a:r>
+            <a:r>
+              <a:rPr lang="en-US" altLang="zh-CN" sz="1400" dirty="0" smtClean="0">
+                <a:latin typeface="Century" panose="02040604050505020304" pitchFamily="18" charset="0"/>
+              </a:rPr>
+              <a:t>:1.0</a:t>
+            </a:r>
+            <a:endParaRPr lang="en-US" altLang="zh-CN" sz="1400" dirty="0" smtClean="0">
+              <a:latin typeface="Century" panose="02040604050505020304" pitchFamily="18" charset="0"/>
+            </a:endParaRPr>
+          </a:p>
+          <a:p>
+            <a:pPr marL="285750" indent="-285750">
+              <a:buFont typeface="Arial" panose="020B0604020202020204" pitchFamily="34" charset="0"/>
+              <a:buChar char="•"/>
+            </a:pPr>
+            <a:r>
+              <a:rPr lang="en-US" altLang="zh-CN" sz="1400" dirty="0" smtClean="0">
+                <a:latin typeface="Century" panose="02040604050505020304" pitchFamily="18" charset="0"/>
+              </a:rPr>
+              <a:t>Test Data :</a:t>
+            </a:r>
+            <a:r>
+              <a:rPr lang="en-US" altLang="zh-CN" sz="1400" dirty="0" smtClean="0">
+                <a:latin typeface="Century" panose="02040604050505020304" pitchFamily="18" charset="0"/>
+              </a:rPr>
+              <a:t>0.96</a:t>
+            </a:r>
+            <a:endParaRPr lang="en-US" altLang="zh-CN" sz="1400" dirty="0" smtClean="0">
+              <a:latin typeface="Century" panose="02040604050505020304" pitchFamily="18" charset="0"/>
+            </a:endParaRPr>
+          </a:p>
+          <a:p>
+            <a:pPr marL="285750" indent="-285750">
+              <a:buFont typeface="Arial" panose="020B0604020202020204" pitchFamily="34" charset="0"/>
+              <a:buChar char="•"/>
+            </a:pPr>
+            <a:endParaRPr lang="en-US" altLang="zh-CN" sz="1400" dirty="0" smtClean="0">
+              <a:latin typeface="Century" panose="02040604050505020304" pitchFamily="18" charset="0"/>
+            </a:endParaRPr>
+          </a:p>
+          <a:p>
+            <a:r>
+              <a:rPr lang="en-US" altLang="zh-CN" sz="1400" dirty="0" smtClean="0">
+                <a:latin typeface="Century" panose="02040604050505020304" pitchFamily="18" charset="0"/>
+              </a:rPr>
+              <a:t>We can see that Recall for both Train and Test are same. Hence, model build is not </a:t>
+            </a:r>
+            <a:r>
+              <a:rPr lang="en-US" altLang="zh-CN" sz="1400" dirty="0" err="1" smtClean="0">
+                <a:latin typeface="Century" panose="02040604050505020304" pitchFamily="18" charset="0"/>
+              </a:rPr>
+              <a:t>overfittting</a:t>
+            </a:r>
+            <a:endParaRPr lang="en-US" sz="1200" dirty="0"/>
+          </a:p>
+        </p:txBody>
+      </p:sp>
+    </p:spTree>
+  </p:cSld>
+  <p:clrMapOvr>
+    <a:masterClrMapping/>
+  </p:clrMapOvr>
+</p:sld>
+</file>
+
+<file path=ppt/slides/slide24.xml><?xml version="1.0" encoding="utf-8"?>
+<p:sld xmlns:a="http://schemas.openxmlformats.org/drawingml/2006/main" xmlns:r="http://schemas.openxmlformats.org/officeDocument/2006/relationships" xmlns:p="http://schemas.openxmlformats.org/presentationml/2006/main">
+  <p:cSld>
+    <p:spTree>
+      <p:nvGrpSpPr>
+        <p:cNvPr id="1" name=""/>
+        <p:cNvGrpSpPr/>
+        <p:nvPr/>
+      </p:nvGrpSpPr>
+      <p:grpSpPr>
+        <a:xfrm>
+          <a:off x="0" y="0"/>
+          <a:ext cx="0" cy="0"/>
+          <a:chOff x="0" y="0"/>
+          <a:chExt cx="0" cy="0"/>
+        </a:xfrm>
+      </p:grpSpPr>
+      <p:pic>
+        <p:nvPicPr>
+          <p:cNvPr id="8194" name="Picture 2"/>
+          <p:cNvPicPr>
+            <a:picLocks noChangeAspect="1" noChangeArrowheads="1"/>
+          </p:cNvPicPr>
+          <p:nvPr/>
+        </p:nvPicPr>
+        <p:blipFill>
+          <a:blip r:embed="rId2"/>
+          <a:srcRect/>
+          <a:stretch>
+            <a:fillRect/>
+          </a:stretch>
+        </p:blipFill>
+        <p:spPr bwMode="auto">
+          <a:xfrm>
+            <a:off x="684212" y="381000"/>
+            <a:ext cx="6524625" cy="2552700"/>
+          </a:xfrm>
+          <a:prstGeom prst="rect">
+            <a:avLst/>
+          </a:prstGeom>
+          <a:noFill/>
+          <a:ln w="9525">
+            <a:noFill/>
+            <a:miter lim="800000"/>
+            <a:headEnd/>
+            <a:tailEnd/>
+          </a:ln>
+          <a:effectLst/>
+        </p:spPr>
+      </p:pic>
+      <p:pic>
+        <p:nvPicPr>
+          <p:cNvPr id="8195" name="Picture 3"/>
+          <p:cNvPicPr>
+            <a:picLocks noChangeAspect="1" noChangeArrowheads="1"/>
+          </p:cNvPicPr>
+          <p:nvPr/>
+        </p:nvPicPr>
+        <p:blipFill>
+          <a:blip r:embed="rId3"/>
+          <a:srcRect/>
+          <a:stretch>
+            <a:fillRect/>
+          </a:stretch>
+        </p:blipFill>
+        <p:spPr bwMode="auto">
+          <a:xfrm>
+            <a:off x="7542212" y="0"/>
+            <a:ext cx="3962400" cy="3124200"/>
+          </a:xfrm>
+          <a:prstGeom prst="rect">
+            <a:avLst/>
+          </a:prstGeom>
+          <a:noFill/>
+          <a:ln w="9525">
+            <a:noFill/>
+            <a:miter lim="800000"/>
+            <a:headEnd/>
+            <a:tailEnd/>
+          </a:ln>
+          <a:effectLst/>
+        </p:spPr>
+      </p:pic>
+      <p:pic>
+        <p:nvPicPr>
+          <p:cNvPr id="8196" name="Picture 4"/>
+          <p:cNvPicPr>
+            <a:picLocks noChangeAspect="1" noChangeArrowheads="1"/>
+          </p:cNvPicPr>
+          <p:nvPr/>
+        </p:nvPicPr>
+        <p:blipFill>
+          <a:blip r:embed="rId4"/>
+          <a:srcRect/>
+          <a:stretch>
+            <a:fillRect/>
+          </a:stretch>
+        </p:blipFill>
+        <p:spPr bwMode="auto">
+          <a:xfrm>
+            <a:off x="608012" y="3124200"/>
+            <a:ext cx="5334000" cy="2038350"/>
+          </a:xfrm>
+          <a:prstGeom prst="rect">
+            <a:avLst/>
+          </a:prstGeom>
+          <a:noFill/>
+          <a:ln w="9525">
+            <a:noFill/>
+            <a:miter lim="800000"/>
+            <a:headEnd/>
+            <a:tailEnd/>
+          </a:ln>
+          <a:effectLst/>
+        </p:spPr>
+      </p:pic>
+      <p:sp>
+        <p:nvSpPr>
+          <p:cNvPr id="5" name="Rectangle 4"/>
+          <p:cNvSpPr/>
+          <p:nvPr/>
+        </p:nvSpPr>
+        <p:spPr>
+          <a:xfrm>
+            <a:off x="531812" y="5334000"/>
+            <a:ext cx="6092825" cy="1200329"/>
+          </a:xfrm>
+          <a:prstGeom prst="rect">
+            <a:avLst/>
+          </a:prstGeom>
+        </p:spPr>
+        <p:txBody>
+          <a:bodyPr>
+            <a:spAutoFit/>
+          </a:bodyPr>
+          <a:lstStyle/>
+          <a:p>
+            <a:r>
+              <a:rPr lang="en-US" altLang="zh-CN" dirty="0" smtClean="0">
+                <a:solidFill>
+                  <a:srgbClr val="000000"/>
+                </a:solidFill>
+                <a:latin typeface="Century" pitchFamily="18" charset="0"/>
+              </a:rPr>
+              <a:t>From ROC curve we have value of </a:t>
+            </a:r>
+            <a:r>
+              <a:rPr lang="en-US" altLang="zh-CN" dirty="0" smtClean="0">
+                <a:solidFill>
+                  <a:srgbClr val="000000"/>
+                </a:solidFill>
+                <a:latin typeface="Century" pitchFamily="18" charset="0"/>
+              </a:rPr>
+              <a:t>0.99 </a:t>
+            </a:r>
+            <a:r>
+              <a:rPr lang="en-US" altLang="zh-CN" dirty="0" smtClean="0">
+                <a:solidFill>
+                  <a:srgbClr val="000000"/>
+                </a:solidFill>
+                <a:latin typeface="Century" pitchFamily="18" charset="0"/>
+              </a:rPr>
+              <a:t>which means that our model is good at predicting.</a:t>
+            </a:r>
+          </a:p>
+          <a:p>
+            <a:endParaRPr lang="en-US" altLang="zh-CN" dirty="0" smtClean="0">
+              <a:solidFill>
+                <a:srgbClr val="000000"/>
+              </a:solidFill>
+              <a:latin typeface="Century" pitchFamily="18" charset="0"/>
+            </a:endParaRPr>
+          </a:p>
+          <a:p>
+            <a:r>
+              <a:rPr lang="en-US" altLang="zh-CN" dirty="0" smtClean="0">
+                <a:solidFill>
+                  <a:srgbClr val="000000"/>
+                </a:solidFill>
+                <a:latin typeface="Century" pitchFamily="18" charset="0"/>
+              </a:rPr>
+              <a:t>Cross Validation  Recall score - </a:t>
+            </a:r>
+            <a:r>
+              <a:rPr lang="en-US" altLang="zh-CN" dirty="0" smtClean="0">
+                <a:solidFill>
+                  <a:srgbClr val="000000"/>
+                </a:solidFill>
+                <a:latin typeface="Century" pitchFamily="18" charset="0"/>
+              </a:rPr>
+              <a:t>0.98</a:t>
+            </a:r>
+            <a:endParaRPr lang="en-US" dirty="0"/>
+          </a:p>
+        </p:txBody>
+      </p:sp>
+    </p:spTree>
+  </p:cSld>
+  <p:clrMapOvr>
+    <a:masterClrMapping/>
+  </p:clrMapOvr>
+</p:sld>
+</file>
+
+<file path=ppt/slides/slide25.xml><?xml version="1.0" encoding="utf-8"?>
+<p:sld xmlns:a="http://schemas.openxmlformats.org/drawingml/2006/main" xmlns:r="http://schemas.openxmlformats.org/officeDocument/2006/relationships" xmlns:p="http://schemas.openxmlformats.org/presentationml/2006/main">
+  <p:cSld>
+    <p:spTree>
+      <p:nvGrpSpPr>
+        <p:cNvPr id="1" name=""/>
+        <p:cNvGrpSpPr/>
+        <p:nvPr/>
+      </p:nvGrpSpPr>
+      <p:grpSpPr>
+        <a:xfrm>
+          <a:off x="0" y="0"/>
+          <a:ext cx="0" cy="0"/>
+          <a:chOff x="0" y="0"/>
+          <a:chExt cx="0" cy="0"/>
+        </a:xfrm>
+      </p:grpSpPr>
+      <p:sp>
+        <p:nvSpPr>
+          <p:cNvPr id="2" name="Rectangle 1"/>
+          <p:cNvSpPr/>
+          <p:nvPr/>
+        </p:nvSpPr>
+        <p:spPr>
+          <a:xfrm>
+            <a:off x="379412" y="0"/>
+            <a:ext cx="11277600" cy="5262979"/>
+          </a:xfrm>
+          <a:prstGeom prst="rect">
+            <a:avLst/>
+          </a:prstGeom>
+        </p:spPr>
+        <p:txBody>
+          <a:bodyPr wrap="square">
+            <a:spAutoFit/>
+          </a:bodyPr>
+          <a:lstStyle/>
+          <a:p>
+            <a:endParaRPr lang="en-US" sz="1400" b="1" u="sng" dirty="0" smtClean="0">
+              <a:latin typeface="Century" panose="02040604050505020304" pitchFamily="18" charset="0"/>
+            </a:endParaRPr>
+          </a:p>
+          <a:p>
+            <a:endParaRPr lang="en-US" sz="1400" b="1" u="sng" dirty="0" smtClean="0">
+              <a:latin typeface="Century" panose="02040604050505020304" pitchFamily="18" charset="0"/>
+            </a:endParaRPr>
+          </a:p>
+          <a:p>
+            <a:r>
+              <a:rPr lang="en-US" sz="1400" b="1" u="sng" dirty="0" err="1" smtClean="0">
+                <a:latin typeface="Century" panose="02040604050505020304" pitchFamily="18" charset="0"/>
+              </a:rPr>
+              <a:t>Xgboost</a:t>
+            </a:r>
+            <a:r>
+              <a:rPr lang="en-US" sz="1400" b="1" u="sng" dirty="0" smtClean="0">
+                <a:latin typeface="Century" panose="02040604050505020304" pitchFamily="18" charset="0"/>
+              </a:rPr>
+              <a:t> Overview </a:t>
+            </a:r>
+            <a:r>
+              <a:rPr lang="en-US" sz="1400" b="1" u="sng" dirty="0" smtClean="0">
+                <a:latin typeface="Century" panose="02040604050505020304" pitchFamily="18" charset="0"/>
+              </a:rPr>
+              <a:t>:</a:t>
+            </a:r>
+          </a:p>
+          <a:p>
+            <a:pPr>
+              <a:buFont typeface="Arial" pitchFamily="34" charset="0"/>
+              <a:buChar char="•"/>
+            </a:pPr>
+            <a:r>
+              <a:rPr lang="en-US" sz="1400" dirty="0" smtClean="0">
+                <a:latin typeface="Century" panose="02040604050505020304" pitchFamily="18" charset="0"/>
+              </a:rPr>
+              <a:t>It’s  </a:t>
+            </a:r>
+            <a:r>
+              <a:rPr lang="en-US" sz="1400" dirty="0" smtClean="0">
+                <a:latin typeface="Century" panose="02040604050505020304" pitchFamily="18" charset="0"/>
+              </a:rPr>
+              <a:t>a boosting ensemble method. Boosting is a way to combine (ensemble) </a:t>
+            </a:r>
+            <a:r>
+              <a:rPr lang="en-US" sz="1400" dirty="0" smtClean="0">
+                <a:latin typeface="Century" panose="02040604050505020304" pitchFamily="18" charset="0"/>
+              </a:rPr>
+              <a:t>weak </a:t>
+            </a:r>
+            <a:r>
+              <a:rPr lang="en-US" sz="1400" dirty="0" smtClean="0">
+                <a:latin typeface="Century" panose="02040604050505020304" pitchFamily="18" charset="0"/>
+              </a:rPr>
+              <a:t>learners, primarily to reduce prediction bias</a:t>
+            </a:r>
+            <a:r>
+              <a:rPr lang="en-US" sz="1400" dirty="0" smtClean="0">
+                <a:latin typeface="Century" panose="02040604050505020304" pitchFamily="18" charset="0"/>
+              </a:rPr>
+              <a:t>.</a:t>
+            </a:r>
+          </a:p>
+          <a:p>
+            <a:pPr>
+              <a:buFont typeface="Arial" pitchFamily="34" charset="0"/>
+              <a:buChar char="•"/>
+            </a:pPr>
+            <a:endParaRPr lang="en-US" sz="1400" b="1" u="sng" dirty="0" smtClean="0">
+              <a:latin typeface="Century" panose="02040604050505020304" pitchFamily="18" charset="0"/>
+            </a:endParaRPr>
+          </a:p>
+          <a:p>
+            <a:pPr>
+              <a:buFont typeface="Arial" pitchFamily="34" charset="0"/>
+              <a:buChar char="•"/>
+            </a:pPr>
+            <a:r>
+              <a:rPr lang="en-US" sz="1400" b="1" u="sng" dirty="0" smtClean="0">
+                <a:latin typeface="Century" panose="02040604050505020304" pitchFamily="18" charset="0"/>
+              </a:rPr>
+              <a:t>Reasons for choosing :</a:t>
+            </a:r>
+          </a:p>
+          <a:p>
+            <a:pPr>
+              <a:buFont typeface="Arial" pitchFamily="34" charset="0"/>
+              <a:buChar char="•"/>
+            </a:pPr>
+            <a:r>
+              <a:rPr lang="en-US" sz="1400" dirty="0" err="1" smtClean="0">
+                <a:latin typeface="Century" panose="02040604050505020304" pitchFamily="18" charset="0"/>
+              </a:rPr>
+              <a:t>XGBoost</a:t>
+            </a:r>
+            <a:r>
+              <a:rPr lang="en-US" sz="1400" dirty="0" smtClean="0">
+                <a:latin typeface="Century" panose="02040604050505020304" pitchFamily="18" charset="0"/>
+              </a:rPr>
+              <a:t> </a:t>
+            </a:r>
+            <a:r>
+              <a:rPr lang="en-US" sz="1400" dirty="0" smtClean="0">
+                <a:latin typeface="Century" panose="02040604050505020304" pitchFamily="18" charset="0"/>
+              </a:rPr>
+              <a:t>give great performance and accuracy both on regression and classification</a:t>
+            </a:r>
+          </a:p>
+          <a:p>
+            <a:pPr>
+              <a:buFont typeface="Arial" pitchFamily="34" charset="0"/>
+              <a:buChar char="•"/>
+            </a:pPr>
+            <a:r>
+              <a:rPr lang="en-US" sz="1400" dirty="0" smtClean="0">
+                <a:latin typeface="Century" panose="02040604050505020304" pitchFamily="18" charset="0"/>
+              </a:rPr>
+              <a:t> </a:t>
+            </a:r>
+            <a:r>
+              <a:rPr lang="en-US" sz="1400" dirty="0" err="1" smtClean="0">
+                <a:latin typeface="Century" panose="02040604050505020304" pitchFamily="18" charset="0"/>
+              </a:rPr>
+              <a:t>XGBoost</a:t>
+            </a:r>
+            <a:r>
+              <a:rPr lang="en-US" sz="1400" dirty="0" smtClean="0">
+                <a:latin typeface="Century" panose="02040604050505020304" pitchFamily="18" charset="0"/>
+              </a:rPr>
+              <a:t> is fast. Really fast when compared to other implementations of gradient boosting</a:t>
+            </a:r>
+          </a:p>
+          <a:p>
+            <a:endParaRPr lang="en-US" sz="1400" dirty="0" smtClean="0">
+              <a:latin typeface="Century" panose="02040604050505020304" pitchFamily="18" charset="0"/>
+            </a:endParaRPr>
+          </a:p>
+          <a:p>
+            <a:r>
+              <a:rPr lang="en-US" sz="1400" b="1" u="sng" dirty="0" smtClean="0">
+                <a:latin typeface="Century" panose="02040604050505020304" pitchFamily="18" charset="0"/>
+              </a:rPr>
+              <a:t>Different variations :</a:t>
+            </a:r>
+          </a:p>
+          <a:p>
+            <a:pPr>
+              <a:buFont typeface="Arial" pitchFamily="34" charset="0"/>
+              <a:buChar char="•"/>
+            </a:pPr>
+            <a:r>
+              <a:rPr lang="en-US" sz="1400" dirty="0" smtClean="0">
+                <a:latin typeface="Century" panose="02040604050505020304" pitchFamily="18" charset="0"/>
+              </a:rPr>
+              <a:t>XGB_Model_1(</a:t>
+            </a:r>
+            <a:r>
+              <a:rPr lang="en-US" sz="1400" dirty="0" err="1" smtClean="0">
+                <a:latin typeface="Century" panose="02040604050505020304" pitchFamily="18" charset="0"/>
+              </a:rPr>
+              <a:t>Unoptimized</a:t>
+            </a:r>
+            <a:r>
+              <a:rPr lang="en-US" sz="1400" dirty="0" smtClean="0">
+                <a:latin typeface="Century" pitchFamily="18" charset="0"/>
+              </a:rPr>
+              <a:t>)</a:t>
+            </a:r>
+            <a:endParaRPr lang="en-US" sz="1400" dirty="0" smtClean="0">
+              <a:latin typeface="Century" pitchFamily="18" charset="0"/>
+            </a:endParaRPr>
+          </a:p>
+          <a:p>
+            <a:pPr>
+              <a:buFont typeface="Arial" pitchFamily="34" charset="0"/>
+              <a:buChar char="•"/>
+            </a:pPr>
+            <a:r>
+              <a:rPr lang="en-US" sz="1400" dirty="0" smtClean="0">
+                <a:latin typeface="Century" pitchFamily="18" charset="0"/>
+              </a:rPr>
+              <a:t>XGB_Model_2 (</a:t>
+            </a:r>
+            <a:r>
+              <a:rPr lang="en-US" sz="1400" dirty="0" err="1" smtClean="0">
+                <a:latin typeface="Century" pitchFamily="18" charset="0"/>
+              </a:rPr>
+              <a:t>Hyperparameter</a:t>
+            </a:r>
+            <a:r>
+              <a:rPr lang="en-US" sz="1400" dirty="0" smtClean="0">
+                <a:latin typeface="Century" pitchFamily="18" charset="0"/>
+              </a:rPr>
+              <a:t> tuning)</a:t>
+            </a:r>
+          </a:p>
+          <a:p>
+            <a:endParaRPr lang="en-US" sz="1400" dirty="0" smtClean="0">
+              <a:latin typeface="Century" pitchFamily="18" charset="0"/>
+            </a:endParaRPr>
+          </a:p>
+          <a:p>
+            <a:r>
+              <a:rPr lang="en-US" sz="1400" b="1" u="sng" dirty="0" smtClean="0">
+                <a:latin typeface="Century" panose="02040604050505020304" pitchFamily="18" charset="0"/>
+              </a:rPr>
+              <a:t>Observation on these models:</a:t>
+            </a:r>
+          </a:p>
+          <a:p>
+            <a:r>
+              <a:rPr lang="en-US" sz="1400" dirty="0" smtClean="0">
+                <a:latin typeface="Century" panose="02040604050505020304" pitchFamily="18" charset="0"/>
+              </a:rPr>
+              <a:t>XGB_Model_1 </a:t>
+            </a:r>
+            <a:r>
+              <a:rPr lang="en-US" sz="1400" dirty="0" smtClean="0">
+                <a:latin typeface="Century" panose="02040604050505020304" pitchFamily="18" charset="0"/>
+              </a:rPr>
+              <a:t>(</a:t>
+            </a:r>
+            <a:r>
+              <a:rPr lang="en-US" sz="1400" dirty="0" err="1" smtClean="0">
+                <a:latin typeface="Century" panose="02040604050505020304" pitchFamily="18" charset="0"/>
+              </a:rPr>
+              <a:t>UnOptimized</a:t>
+            </a:r>
+            <a:r>
+              <a:rPr lang="en-US" sz="1400" dirty="0" smtClean="0">
+                <a:latin typeface="Century" panose="02040604050505020304" pitchFamily="18" charset="0"/>
+              </a:rPr>
+              <a:t>):</a:t>
+            </a:r>
+          </a:p>
+          <a:p>
+            <a:r>
+              <a:rPr lang="en-US" sz="1400" dirty="0" smtClean="0">
+                <a:latin typeface="Century" panose="02040604050505020304" pitchFamily="18" charset="0"/>
+              </a:rPr>
+              <a:t>- Recall is 0.9 little low than </a:t>
+            </a:r>
+            <a:r>
+              <a:rPr lang="en-US" sz="1400" dirty="0" err="1" smtClean="0">
+                <a:latin typeface="Century" panose="02040604050505020304" pitchFamily="18" charset="0"/>
+              </a:rPr>
+              <a:t>hypertuned</a:t>
+            </a:r>
+            <a:r>
+              <a:rPr lang="en-US" sz="1400" dirty="0" smtClean="0">
+                <a:latin typeface="Century" panose="02040604050505020304" pitchFamily="18" charset="0"/>
+              </a:rPr>
+              <a:t> model.</a:t>
+            </a:r>
+          </a:p>
+          <a:p>
+            <a:endParaRPr lang="en-US" sz="1400" dirty="0" smtClean="0">
+              <a:latin typeface="Century" panose="02040604050505020304" pitchFamily="18" charset="0"/>
+            </a:endParaRPr>
+          </a:p>
+          <a:p>
+            <a:r>
+              <a:rPr lang="en-US" sz="1400" dirty="0" smtClean="0">
+                <a:latin typeface="Century" panose="02040604050505020304" pitchFamily="18" charset="0"/>
+              </a:rPr>
+              <a:t>XGB_Model_2(</a:t>
+            </a:r>
+            <a:r>
+              <a:rPr lang="en-US" sz="1400" dirty="0" err="1" smtClean="0">
+                <a:latin typeface="Century" panose="02040604050505020304" pitchFamily="18" charset="0"/>
+              </a:rPr>
+              <a:t>Hyperparameter</a:t>
+            </a:r>
+            <a:r>
+              <a:rPr lang="en-US" sz="1400" dirty="0" smtClean="0">
+                <a:latin typeface="Century" panose="02040604050505020304" pitchFamily="18" charset="0"/>
+              </a:rPr>
+              <a:t> Tuning ):</a:t>
+            </a:r>
+          </a:p>
+          <a:p>
+            <a:r>
+              <a:rPr lang="en-US" sz="1400" dirty="0" smtClean="0">
+                <a:latin typeface="Century" panose="02040604050505020304" pitchFamily="18" charset="0"/>
+              </a:rPr>
+              <a:t>- Recall is 0.92  after applying </a:t>
+            </a:r>
+            <a:r>
+              <a:rPr lang="en-US" sz="1400" dirty="0" err="1" smtClean="0">
+                <a:latin typeface="Century" panose="02040604050505020304" pitchFamily="18" charset="0"/>
+              </a:rPr>
+              <a:t>hyperparameter</a:t>
+            </a:r>
+            <a:r>
+              <a:rPr lang="en-US" sz="1400" dirty="0" smtClean="0">
+                <a:latin typeface="Century" panose="02040604050505020304" pitchFamily="18" charset="0"/>
+              </a:rPr>
+              <a:t> tuning using </a:t>
+            </a:r>
+            <a:r>
+              <a:rPr lang="en-US" sz="1400" dirty="0" err="1" smtClean="0">
+                <a:latin typeface="Century" panose="02040604050505020304" pitchFamily="18" charset="0"/>
+              </a:rPr>
+              <a:t>RandomizedSearchCV</a:t>
+            </a:r>
+            <a:r>
+              <a:rPr lang="en-US" sz="1400" dirty="0" smtClean="0">
+                <a:latin typeface="Century" panose="02040604050505020304" pitchFamily="18" charset="0"/>
+              </a:rPr>
+              <a:t>.</a:t>
+            </a:r>
+          </a:p>
+          <a:p>
+            <a:pPr>
+              <a:buFontTx/>
+              <a:buChar char="-"/>
+            </a:pPr>
+            <a:r>
+              <a:rPr lang="en-US" sz="1400" dirty="0" smtClean="0">
+                <a:latin typeface="Century" panose="02040604050505020304" pitchFamily="18" charset="0"/>
+              </a:rPr>
+              <a:t>Cross-</a:t>
+            </a:r>
+            <a:r>
+              <a:rPr lang="en-US" sz="1400" dirty="0" smtClean="0">
+                <a:latin typeface="Century" panose="02040604050505020304" pitchFamily="18" charset="0"/>
+              </a:rPr>
+              <a:t>V</a:t>
+            </a:r>
+            <a:r>
+              <a:rPr lang="en-US" sz="1400" dirty="0" smtClean="0">
+                <a:latin typeface="Century" panose="02040604050505020304" pitchFamily="18" charset="0"/>
+              </a:rPr>
+              <a:t>al-score(0.984</a:t>
+            </a:r>
+            <a:r>
+              <a:rPr lang="en-US" sz="1400" dirty="0" smtClean="0">
+                <a:latin typeface="Century" panose="02040604050505020304" pitchFamily="18" charset="0"/>
+              </a:rPr>
+              <a:t>) is also better than other variations of </a:t>
+            </a:r>
+            <a:r>
+              <a:rPr lang="en-US" sz="1400" dirty="0" err="1" smtClean="0">
+                <a:latin typeface="Century" panose="02040604050505020304" pitchFamily="18" charset="0"/>
+              </a:rPr>
+              <a:t>xgboost</a:t>
+            </a:r>
+            <a:endParaRPr lang="en-US" sz="1400" dirty="0" smtClean="0">
+              <a:latin typeface="Century" panose="02040604050505020304" pitchFamily="18" charset="0"/>
+            </a:endParaRPr>
+          </a:p>
+          <a:p>
+            <a:pPr>
+              <a:buFontTx/>
+              <a:buChar char="-"/>
+            </a:pPr>
+            <a:endParaRPr lang="en-US" sz="1400" dirty="0" smtClean="0">
+              <a:latin typeface="Century" panose="02040604050505020304" pitchFamily="18" charset="0"/>
+            </a:endParaRPr>
+          </a:p>
+          <a:p>
+            <a:r>
+              <a:rPr lang="en-US" sz="1400" b="1" dirty="0" smtClean="0">
+                <a:latin typeface="Century" panose="02040604050505020304" pitchFamily="18" charset="0"/>
+              </a:rPr>
+              <a:t>DT Model - Conclusion:</a:t>
+            </a:r>
+          </a:p>
+          <a:p>
+            <a:r>
+              <a:rPr lang="en-US" sz="1400" dirty="0" smtClean="0">
+                <a:latin typeface="Century" panose="02040604050505020304" pitchFamily="18" charset="0"/>
+              </a:rPr>
+              <a:t>Model built after performing </a:t>
+            </a:r>
+            <a:r>
+              <a:rPr lang="en-US" sz="1400" dirty="0" err="1" smtClean="0">
+                <a:latin typeface="Century" panose="02040604050505020304" pitchFamily="18" charset="0"/>
+              </a:rPr>
+              <a:t>hyperparameter</a:t>
+            </a:r>
+            <a:r>
+              <a:rPr lang="en-US" sz="1400" dirty="0" smtClean="0">
+                <a:latin typeface="Century" panose="02040604050505020304" pitchFamily="18" charset="0"/>
+              </a:rPr>
+              <a:t> tuning was more reliable. Therefore, we would be considering this model for further analysis.</a:t>
+            </a:r>
+            <a:endParaRPr lang="en-US" sz="1400" dirty="0">
+              <a:latin typeface="Century" panose="02040604050505020304" pitchFamily="18" charset="0"/>
+            </a:endParaRPr>
+          </a:p>
+        </p:txBody>
+      </p:sp>
+    </p:spTree>
+  </p:cSld>
+  <p:clrMapOvr>
+    <a:masterClrMapping/>
+  </p:clrMapOvr>
+</p:sld>
+</file>
+
+<file path=ppt/slides/slide26.xml><?xml version="1.0" encoding="utf-8"?>
+<p:sld xmlns:a="http://schemas.openxmlformats.org/drawingml/2006/main" xmlns:r="http://schemas.openxmlformats.org/officeDocument/2006/relationships" xmlns:p="http://schemas.openxmlformats.org/presentationml/2006/main">
+  <p:cSld>
+    <p:spTree>
+      <p:nvGrpSpPr>
+        <p:cNvPr id="1" name=""/>
+        <p:cNvGrpSpPr/>
+        <p:nvPr/>
+      </p:nvGrpSpPr>
+      <p:grpSpPr>
+        <a:xfrm>
+          <a:off x="0" y="0"/>
+          <a:ext cx="0" cy="0"/>
+          <a:chOff x="0" y="0"/>
+          <a:chExt cx="0" cy="0"/>
+        </a:xfrm>
+      </p:grpSpPr>
+    </p:spTree>
+  </p:cSld>
+  <p:clrMapOvr>
+    <a:masterClrMapping/>
+  </p:clrMapOvr>
+</p:sld>
+</file>
+
+<file path=ppt/slides/slide27.xml><?xml version="1.0" encoding="utf-8"?>
+<p:sld xmlns:a="http://schemas.openxmlformats.org/drawingml/2006/main" xmlns:r="http://schemas.openxmlformats.org/officeDocument/2006/relationships" xmlns:p="http://schemas.openxmlformats.org/presentationml/2006/main">
+  <p:cSld>
+    <p:spTree>
+      <p:nvGrpSpPr>
+        <p:cNvPr id="1" name=""/>
+        <p:cNvGrpSpPr/>
+        <p:nvPr/>
+      </p:nvGrpSpPr>
+      <p:grpSpPr>
+        <a:xfrm>
+          <a:off x="0" y="0"/>
+          <a:ext cx="0" cy="0"/>
+          <a:chOff x="0" y="0"/>
+          <a:chExt cx="0" cy="0"/>
+        </a:xfrm>
+      </p:grpSpPr>
+    </p:spTree>
+  </p:cSld>
+  <p:clrMapOvr>
+    <a:masterClrMapping/>
+  </p:clrMapOvr>
+</p:sld>
+</file>
+
+<file path=ppt/slides/slide28.xml><?xml version="1.0" encoding="utf-8"?>
+<p:sld xmlns:a="http://schemas.openxmlformats.org/drawingml/2006/main" xmlns:r="http://schemas.openxmlformats.org/officeDocument/2006/relationships" xmlns:p="http://schemas.openxmlformats.org/presentationml/2006/main">
+  <p:cSld>
+    <p:spTree>
+      <p:nvGrpSpPr>
+        <p:cNvPr id="1" name=""/>
+        <p:cNvGrpSpPr/>
+        <p:nvPr/>
+      </p:nvGrpSpPr>
+      <p:grpSpPr>
+        <a:xfrm>
+          <a:off x="0" y="0"/>
+          <a:ext cx="0" cy="0"/>
+          <a:chOff x="0" y="0"/>
+          <a:chExt cx="0" cy="0"/>
+        </a:xfrm>
+      </p:grpSpPr>
+    </p:spTree>
+  </p:cSld>
+  <p:clrMapOvr>
+    <a:masterClrMapping/>
+  </p:clrMapOvr>
 </p:sld>
 </file>
 
@@ -10494,7 +12604,7 @@
           <p:nvPr/>
         </p:nvPicPr>
         <p:blipFill>
-          <a:blip r:embed="rId1"/>
+          <a:blip r:embed="rId2"/>
           <a:stretch>
             <a:fillRect/>
           </a:stretch>
@@ -10555,13 +12665,6 @@
               </a:rPr>
               <a:t>age of customer in given data set is 45.34</a:t>
             </a:r>
-            <a:endParaRPr lang="en-US" altLang="zh-CN" sz="1400" dirty="0">
-              <a:solidFill>
-                <a:srgbClr val="000000"/>
-              </a:solidFill>
-              <a:latin typeface="Calibri" panose="020F0502020204030204" pitchFamily="34" charset="0"/>
-              <a:cs typeface="Calibri" panose="020F0502020204030204" pitchFamily="34" charset="0"/>
-            </a:endParaRPr>
           </a:p>
           <a:p>
             <a:pPr marL="342900" indent="-342900">
@@ -10578,13 +12681,6 @@
               </a:rPr>
               <a:t>Average experience of customers in years is 20.10 years. But experience Variable has -ve values which is not correct, this need to be fixed</a:t>
             </a:r>
-            <a:endParaRPr lang="en-US" altLang="zh-CN" sz="1400" dirty="0">
-              <a:solidFill>
-                <a:srgbClr val="000000"/>
-              </a:solidFill>
-              <a:latin typeface="Calibri" panose="020F0502020204030204" pitchFamily="34" charset="0"/>
-              <a:cs typeface="Calibri" panose="020F0502020204030204" pitchFamily="34" charset="0"/>
-            </a:endParaRPr>
           </a:p>
           <a:p>
             <a:pPr marL="342900" indent="-342900">
@@ -10601,13 +12697,6 @@
               </a:rPr>
               <a:t>Average income of customer in dollars is 73.77K</a:t>
             </a:r>
-            <a:endParaRPr lang="en-US" altLang="zh-CN" sz="1400" dirty="0">
-              <a:solidFill>
-                <a:srgbClr val="000000"/>
-              </a:solidFill>
-              <a:latin typeface="Calibri" panose="020F0502020204030204" pitchFamily="34" charset="0"/>
-              <a:cs typeface="Calibri" panose="020F0502020204030204" pitchFamily="34" charset="0"/>
-            </a:endParaRPr>
           </a:p>
           <a:p>
             <a:pPr marL="342900" indent="-342900">
@@ -10624,13 +12713,6 @@
               </a:rPr>
               <a:t>Average family size is 2.4</a:t>
             </a:r>
-            <a:endParaRPr lang="en-US" altLang="zh-CN" sz="1400" dirty="0">
-              <a:solidFill>
-                <a:srgbClr val="000000"/>
-              </a:solidFill>
-              <a:latin typeface="Calibri" panose="020F0502020204030204" pitchFamily="34" charset="0"/>
-              <a:cs typeface="Calibri" panose="020F0502020204030204" pitchFamily="34" charset="0"/>
-            </a:endParaRPr>
           </a:p>
           <a:p>
             <a:pPr marL="342900" indent="-342900">
@@ -10647,13 +12729,6 @@
               </a:rPr>
               <a:t>Average amount spent by customer on credit cart in dollars is 1.93K</a:t>
             </a:r>
-            <a:endParaRPr lang="en-US" altLang="zh-CN" sz="1400" dirty="0">
-              <a:solidFill>
-                <a:srgbClr val="000000"/>
-              </a:solidFill>
-              <a:latin typeface="Calibri" panose="020F0502020204030204" pitchFamily="34" charset="0"/>
-              <a:cs typeface="Calibri" panose="020F0502020204030204" pitchFamily="34" charset="0"/>
-            </a:endParaRPr>
           </a:p>
           <a:p>
             <a:pPr marL="342900" indent="-342900">
@@ -10670,13 +12745,6 @@
               </a:rPr>
               <a:t>On an average most of the customer are Under graduate or graduate</a:t>
             </a:r>
-            <a:endParaRPr lang="en-US" altLang="zh-CN" sz="1400" dirty="0">
-              <a:solidFill>
-                <a:srgbClr val="000000"/>
-              </a:solidFill>
-              <a:latin typeface="Calibri" panose="020F0502020204030204" pitchFamily="34" charset="0"/>
-              <a:cs typeface="Calibri" panose="020F0502020204030204" pitchFamily="34" charset="0"/>
-            </a:endParaRPr>
           </a:p>
           <a:p>
             <a:pPr marL="342900" indent="-342900">
@@ -10693,13 +12761,6 @@
               </a:rPr>
               <a:t>Average house loan customer availed in dollars is 56.5K</a:t>
             </a:r>
-            <a:endParaRPr lang="en-US" altLang="zh-CN" sz="1400" dirty="0">
-              <a:solidFill>
-                <a:srgbClr val="000000"/>
-              </a:solidFill>
-              <a:latin typeface="Calibri" panose="020F0502020204030204" pitchFamily="34" charset="0"/>
-              <a:cs typeface="Calibri" panose="020F0502020204030204" pitchFamily="34" charset="0"/>
-            </a:endParaRPr>
           </a:p>
           <a:p>
             <a:pPr marL="342900" indent="-342900">
@@ -10716,13 +12777,6 @@
               </a:rPr>
               <a:t>For variables: Income, CCAvg, Experience, Mortgage, Security_Account, CD_Accounts, CreditCard has big difference between mean Vs Max values, which suggest that there are some extreme values or possible outliers</a:t>
             </a:r>
-            <a:endParaRPr lang="en-US" altLang="zh-CN" sz="1400" dirty="0">
-              <a:solidFill>
-                <a:srgbClr val="000000"/>
-              </a:solidFill>
-              <a:latin typeface="Calibri" panose="020F0502020204030204" pitchFamily="34" charset="0"/>
-              <a:cs typeface="Calibri" panose="020F0502020204030204" pitchFamily="34" charset="0"/>
-            </a:endParaRPr>
           </a:p>
           <a:p>
             <a:endParaRPr lang="en-US" dirty="0"/>
@@ -10894,6 +12948,12 @@
               </a:rPr>
               <a:t>age.</a:t>
             </a:r>
+          </a:p>
+          <a:p>
+            <a:pPr>
+              <a:buFont typeface="Arial" panose="020B0604020202020204" pitchFamily="34" charset="0"/>
+              <a:buChar char="•"/>
+            </a:pPr>
             <a:endParaRPr lang="en-US" sz="1400" dirty="0" smtClean="0">
               <a:latin typeface="Century" panose="02040604050505020304" pitchFamily="18" charset="0"/>
             </a:endParaRPr>
@@ -10903,6 +12963,24 @@
               <a:buFont typeface="Arial" panose="020B0604020202020204" pitchFamily="34" charset="0"/>
               <a:buChar char="•"/>
             </a:pPr>
+            <a:r>
+              <a:rPr lang="en-US" sz="1400" dirty="0">
+                <a:latin typeface="Century" panose="02040604050505020304" pitchFamily="18" charset="0"/>
+              </a:rPr>
+              <a:t>Average experience customers has in years is around 20years.Experience variable has some negative value, which should be </a:t>
+            </a:r>
+            <a:r>
+              <a:rPr lang="en-US" sz="1400" dirty="0" smtClean="0">
+                <a:latin typeface="Century" panose="02040604050505020304" pitchFamily="18" charset="0"/>
+              </a:rPr>
+              <a:t>fixed. It is normally distributed.</a:t>
+            </a:r>
+          </a:p>
+          <a:p>
+            <a:pPr>
+              <a:buFont typeface="Arial" panose="020B0604020202020204" pitchFamily="34" charset="0"/>
+              <a:buChar char="•"/>
+            </a:pPr>
             <a:endParaRPr lang="en-US" sz="1400" dirty="0" smtClean="0">
               <a:latin typeface="Century" panose="02040604050505020304" pitchFamily="18" charset="0"/>
             </a:endParaRPr>
@@ -10916,14 +12994,50 @@
               <a:rPr lang="en-US" sz="1400" dirty="0">
                 <a:latin typeface="Century" panose="02040604050505020304" pitchFamily="18" charset="0"/>
               </a:rPr>
-              <a:t>Average experience customers has in years is around 20years.Experience variable has some negative value, which should be </a:t>
-            </a:r>
-            <a:r>
-              <a:rPr lang="en-US" sz="1400" dirty="0" smtClean="0">
-                <a:latin typeface="Century" panose="02040604050505020304" pitchFamily="18" charset="0"/>
-              </a:rPr>
-              <a:t>fixed. It is normally distributed.</a:t>
-            </a:r>
+              <a:t>Income is right </a:t>
+            </a:r>
+            <a:r>
+              <a:rPr lang="en-US" sz="1400" dirty="0" smtClean="0">
+                <a:latin typeface="Century" panose="02040604050505020304" pitchFamily="18" charset="0"/>
+              </a:rPr>
+              <a:t>skewed.Therefore, income mean(73.77) </a:t>
+            </a:r>
+            <a:r>
+              <a:rPr lang="en-US" sz="1400" dirty="0">
+                <a:latin typeface="Century" panose="02040604050505020304" pitchFamily="18" charset="0"/>
+              </a:rPr>
+              <a:t>is higher than </a:t>
+            </a:r>
+            <a:r>
+              <a:rPr lang="en-US" sz="1400" dirty="0" smtClean="0">
+                <a:latin typeface="Century" panose="02040604050505020304" pitchFamily="18" charset="0"/>
+              </a:rPr>
+              <a:t>median(64)</a:t>
+            </a:r>
+          </a:p>
+          <a:p>
+            <a:pPr>
+              <a:buFont typeface="Arial" panose="020B0604020202020204" pitchFamily="34" charset="0"/>
+              <a:buChar char="•"/>
+            </a:pPr>
+            <a:r>
+              <a:rPr lang="en-US" sz="1400" dirty="0">
+                <a:latin typeface="Century" panose="02040604050505020304" pitchFamily="18" charset="0"/>
+              </a:rPr>
+              <a:t>CCAvg is right </a:t>
+            </a:r>
+            <a:r>
+              <a:rPr lang="en-US" sz="1400" dirty="0" smtClean="0">
+                <a:latin typeface="Century" panose="02040604050505020304" pitchFamily="18" charset="0"/>
+              </a:rPr>
+              <a:t>skewed having mean higher than it’s median.</a:t>
+            </a:r>
+          </a:p>
+          <a:p>
+            <a:pPr>
+              <a:buFont typeface="Arial" panose="020B0604020202020204" pitchFamily="34" charset="0"/>
+              <a:buChar char="•"/>
+            </a:pPr>
             <a:endParaRPr lang="en-US" sz="1400" dirty="0" smtClean="0">
               <a:latin typeface="Century" panose="02040604050505020304" pitchFamily="18" charset="0"/>
             </a:endParaRPr>
@@ -10933,111 +13047,36 @@
               <a:buFont typeface="Arial" panose="020B0604020202020204" pitchFamily="34" charset="0"/>
               <a:buChar char="•"/>
             </a:pPr>
-            <a:endParaRPr lang="en-US" sz="1400" dirty="0" smtClean="0">
-              <a:latin typeface="Century" panose="02040604050505020304" pitchFamily="18" charset="0"/>
-            </a:endParaRPr>
-          </a:p>
-          <a:p>
-            <a:pPr>
-              <a:buFont typeface="Arial" panose="020B0604020202020204" pitchFamily="34" charset="0"/>
-              <a:buChar char="•"/>
-            </a:pPr>
             <a:r>
               <a:rPr lang="en-US" sz="1400" dirty="0">
                 <a:latin typeface="Century" panose="02040604050505020304" pitchFamily="18" charset="0"/>
               </a:rPr>
-              <a:t>Income is right </a:t>
-            </a:r>
-            <a:r>
-              <a:rPr lang="en-US" sz="1400" dirty="0" smtClean="0">
-                <a:latin typeface="Century" panose="02040604050505020304" pitchFamily="18" charset="0"/>
-              </a:rPr>
-              <a:t>skewed.Therefore, income mean(73.77) </a:t>
+              <a:t>Mortgage </a:t>
+            </a:r>
+            <a:r>
+              <a:rPr lang="en-US" sz="1400" dirty="0" smtClean="0">
+                <a:latin typeface="Century" panose="02040604050505020304" pitchFamily="18" charset="0"/>
+              </a:rPr>
+              <a:t>contains </a:t>
             </a:r>
             <a:r>
               <a:rPr lang="en-US" sz="1400" dirty="0">
                 <a:latin typeface="Century" panose="02040604050505020304" pitchFamily="18" charset="0"/>
               </a:rPr>
-              <a:t>is higher than </a:t>
-            </a:r>
-            <a:r>
-              <a:rPr lang="en-US" sz="1400" dirty="0" smtClean="0">
-                <a:latin typeface="Century" panose="02040604050505020304" pitchFamily="18" charset="0"/>
-              </a:rPr>
-              <a:t>median(64)</a:t>
-            </a:r>
-            <a:endParaRPr lang="en-US" sz="1400" dirty="0" smtClean="0">
-              <a:latin typeface="Century" panose="02040604050505020304" pitchFamily="18" charset="0"/>
-            </a:endParaRPr>
-          </a:p>
-          <a:p>
-            <a:pPr>
-              <a:buFont typeface="Arial" panose="020B0604020202020204" pitchFamily="34" charset="0"/>
-              <a:buChar char="•"/>
-            </a:pPr>
+              <a:t>most of the values as </a:t>
+            </a:r>
+            <a:r>
+              <a:rPr lang="en-US" sz="1400" dirty="0" smtClean="0">
+                <a:latin typeface="Century" panose="02040604050505020304" pitchFamily="18" charset="0"/>
+              </a:rPr>
+              <a:t>zero. It also contains many outliers</a:t>
+            </a:r>
             <a:r>
               <a:rPr lang="en-US" sz="1400" dirty="0">
                 <a:latin typeface="Century" panose="02040604050505020304" pitchFamily="18" charset="0"/>
               </a:rPr>
-              <a:t>CCAvg is right </a:t>
-            </a:r>
-            <a:r>
-              <a:rPr lang="en-US" sz="1400" dirty="0" smtClean="0">
-                <a:latin typeface="Century" panose="02040604050505020304" pitchFamily="18" charset="0"/>
-              </a:rPr>
-              <a:t>skewed having mean higher than it’s median.</a:t>
-            </a:r>
-            <a:endParaRPr lang="en-US" sz="1400" dirty="0" smtClean="0">
-              <a:latin typeface="Century" panose="02040604050505020304" pitchFamily="18" charset="0"/>
-            </a:endParaRPr>
-          </a:p>
-          <a:p>
-            <a:pPr>
-              <a:buFont typeface="Arial" panose="020B0604020202020204" pitchFamily="34" charset="0"/>
-              <a:buChar char="•"/>
-            </a:pPr>
-            <a:endParaRPr lang="en-US" sz="1400" dirty="0" smtClean="0">
-              <a:latin typeface="Century" panose="02040604050505020304" pitchFamily="18" charset="0"/>
-            </a:endParaRPr>
-          </a:p>
-          <a:p>
-            <a:pPr>
-              <a:buFont typeface="Arial" panose="020B0604020202020204" pitchFamily="34" charset="0"/>
-              <a:buChar char="•"/>
-            </a:pPr>
-            <a:r>
-              <a:rPr lang="en-US" sz="1400" dirty="0">
-                <a:latin typeface="Century" panose="02040604050505020304" pitchFamily="18" charset="0"/>
-              </a:rPr>
-              <a:t>Mortgage </a:t>
-            </a:r>
-            <a:r>
-              <a:rPr lang="en-US" sz="1400" dirty="0" smtClean="0">
-                <a:latin typeface="Century" panose="02040604050505020304" pitchFamily="18" charset="0"/>
-              </a:rPr>
-              <a:t>contains </a:t>
-            </a:r>
-            <a:r>
-              <a:rPr lang="en-US" sz="1400" dirty="0">
-                <a:latin typeface="Century" panose="02040604050505020304" pitchFamily="18" charset="0"/>
-              </a:rPr>
-              <a:t>most of the values as </a:t>
-            </a:r>
-            <a:r>
-              <a:rPr lang="en-US" sz="1400" dirty="0" smtClean="0">
-                <a:latin typeface="Century" panose="02040604050505020304" pitchFamily="18" charset="0"/>
-              </a:rPr>
-              <a:t>zero. It also contains many outliers</a:t>
-            </a:r>
-            <a:r>
-              <a:rPr lang="en-US" sz="1400" dirty="0">
-                <a:latin typeface="Century" panose="02040604050505020304" pitchFamily="18" charset="0"/>
-              </a:rPr>
               <a:t>.</a:t>
             </a:r>
-            <a:endParaRPr lang="en-US" sz="1400" dirty="0">
-              <a:latin typeface="Century" panose="02040604050505020304" pitchFamily="18" charset="0"/>
-            </a:endParaRPr>
           </a:p>
           <a:p>
             <a:pPr>
@@ -11057,7 +13096,7 @@
           <p:nvPr/>
         </p:nvPicPr>
         <p:blipFill>
-          <a:blip r:embed="rId1"/>
+          <a:blip r:embed="rId2"/>
           <a:stretch>
             <a:fillRect/>
           </a:stretch>
@@ -11158,9 +13197,6 @@
               </a:rPr>
               <a:t>Observations :</a:t>
             </a:r>
-            <a:endParaRPr lang="en-US" b="1" u="sng" dirty="0" smtClean="0">
-              <a:latin typeface="Century" panose="02040604050505020304" pitchFamily="18" charset="0"/>
-            </a:endParaRPr>
           </a:p>
           <a:p>
             <a:pPr>
@@ -11173,6 +13209,12 @@
               </a:rPr>
               <a:t>Family size for most of the customers is 1  </a:t>
             </a:r>
+          </a:p>
+          <a:p>
+            <a:pPr>
+              <a:buFont typeface="Arial" panose="020B0604020202020204" pitchFamily="34" charset="0"/>
+              <a:buChar char="•"/>
+            </a:pPr>
             <a:endParaRPr lang="en-US" sz="1400" dirty="0" smtClean="0">
               <a:latin typeface="Century" panose="02040604050505020304" pitchFamily="18" charset="0"/>
             </a:endParaRPr>
@@ -11182,24 +13224,12 @@
               <a:buFont typeface="Arial" panose="020B0604020202020204" pitchFamily="34" charset="0"/>
               <a:buChar char="•"/>
             </a:pPr>
-            <a:endParaRPr lang="en-US" sz="1400" dirty="0" smtClean="0">
-              <a:latin typeface="Century" panose="02040604050505020304" pitchFamily="18" charset="0"/>
-            </a:endParaRPr>
-          </a:p>
-          <a:p>
-            <a:pPr>
-              <a:buFont typeface="Arial" panose="020B0604020202020204" pitchFamily="34" charset="0"/>
-              <a:buChar char="•"/>
-            </a:pPr>
             <a:r>
               <a:rPr lang="en-US" sz="1400" dirty="0" smtClean="0">
                 <a:latin typeface="Century" panose="02040604050505020304" pitchFamily="18" charset="0"/>
               </a:rPr>
               <a:t>Education level for most of the customers is Undergraduate(1=Undergaduate, 2=Grduate, 3=Advance)</a:t>
             </a:r>
-            <a:endParaRPr lang="en-US" sz="1400" dirty="0" smtClean="0">
-              <a:latin typeface="Century" panose="02040604050505020304" pitchFamily="18" charset="0"/>
-            </a:endParaRPr>
           </a:p>
           <a:p>
             <a:pPr>
@@ -11278,7 +13308,7 @@
           <p:nvPr/>
         </p:nvPicPr>
         <p:blipFill>
-          <a:blip r:embed="rId1"/>
+          <a:blip r:embed="rId2"/>
           <a:stretch>
             <a:fillRect/>
           </a:stretch>
@@ -11363,9 +13393,6 @@
               </a:rPr>
               <a:t> </a:t>
             </a:r>
-            <a:endParaRPr lang="en-ZA" altLang="zh-CN" b="1" dirty="0" smtClean="0">
-              <a:latin typeface="Century" panose="02040604050505020304" pitchFamily="18" charset="0"/>
-            </a:endParaRPr>
           </a:p>
           <a:p>
             <a:r>
@@ -11404,9 +13431,6 @@
               </a:rPr>
               <a:t>and Family</a:t>
             </a:r>
-            <a:endParaRPr lang="en-US" altLang="en-ZA" b="1" dirty="0" smtClean="0">
-              <a:latin typeface="Century" panose="02040604050505020304" pitchFamily="18" charset="0"/>
-            </a:endParaRPr>
           </a:p>
         </p:txBody>
       </p:sp>
@@ -11438,9 +13462,6 @@
               </a:rPr>
               <a:t>Observation :</a:t>
             </a:r>
-            <a:endParaRPr lang="en-US" b="1" dirty="0" smtClean="0">
-              <a:latin typeface="Century" panose="02040604050505020304" pitchFamily="18" charset="0"/>
-            </a:endParaRPr>
           </a:p>
           <a:p>
             <a:endParaRPr lang="en-US" sz="1600" b="1" dirty="0"/>
@@ -11498,9 +13519,6 @@
               </a:rPr>
               <a:t>Observation :</a:t>
             </a:r>
-            <a:endParaRPr lang="en-US" b="1" dirty="0" smtClean="0">
-              <a:latin typeface="Century" panose="02040604050505020304" pitchFamily="18" charset="0"/>
-            </a:endParaRPr>
           </a:p>
           <a:p>
             <a:endParaRPr lang="en-US" b="1" dirty="0"/>
@@ -11528,9 +13546,6 @@
               </a:rPr>
               <a:t>.</a:t>
             </a:r>
-            <a:endParaRPr lang="en-US" sz="1600" dirty="0" smtClean="0">
-              <a:latin typeface="Century" panose="02040604050505020304" pitchFamily="18" charset="0"/>
-            </a:endParaRPr>
           </a:p>
           <a:p>
             <a:pPr>
@@ -11558,9 +13573,6 @@
               </a:rPr>
               <a:t>income level of customers is increasing ,they are more interested in taking loan.</a:t>
             </a:r>
-            <a:endParaRPr lang="en-US" sz="1600" dirty="0">
-              <a:latin typeface="Century" panose="02040604050505020304" pitchFamily="18" charset="0"/>
-            </a:endParaRPr>
           </a:p>
           <a:p>
             <a:endParaRPr lang="en-US" sz="2000" b="1" dirty="0" smtClean="0">
@@ -11595,6 +13607,7 @@
           <a:bodyPr wrap="square" rtlCol="0" anchor="t">
             <a:spAutoFit/>
           </a:bodyPr>
+          <a:lstStyle/>
           <a:p>
             <a:r>
               <a:rPr lang="en-US" b="1" dirty="0" smtClean="0">
@@ -11671,30 +13684,6 @@
       <p:pic>
         <p:nvPicPr>
           <p:cNvPr id="9" name="Picture 8"/>
-          <p:cNvPicPr>
-            <a:picLocks noChangeAspect="1"/>
-          </p:cNvPicPr>
-          <p:nvPr/>
-        </p:nvPicPr>
-        <p:blipFill>
-          <a:blip r:embed="rId1"/>
-          <a:stretch>
-            <a:fillRect/>
-          </a:stretch>
-        </p:blipFill>
-        <p:spPr>
-          <a:xfrm>
-            <a:off x="210185" y="1010285"/>
-            <a:ext cx="3861435" cy="2349500"/>
-          </a:xfrm>
-          <a:prstGeom prst="rect">
-            <a:avLst/>
-          </a:prstGeom>
-        </p:spPr>
-      </p:pic>
-      <p:pic>
-        <p:nvPicPr>
-          <p:cNvPr id="10" name="Picture 9"/>
           <p:cNvPicPr>
             <a:picLocks noChangeAspect="1"/>
           </p:cNvPicPr>
@@ -11708,6 +13697,30 @@
         </p:blipFill>
         <p:spPr>
           <a:xfrm>
+            <a:off x="210185" y="1010285"/>
+            <a:ext cx="3861435" cy="2349500"/>
+          </a:xfrm>
+          <a:prstGeom prst="rect">
+            <a:avLst/>
+          </a:prstGeom>
+        </p:spPr>
+      </p:pic>
+      <p:pic>
+        <p:nvPicPr>
+          <p:cNvPr id="10" name="Picture 9"/>
+          <p:cNvPicPr>
+            <a:picLocks noChangeAspect="1"/>
+          </p:cNvPicPr>
+          <p:nvPr/>
+        </p:nvPicPr>
+        <p:blipFill>
+          <a:blip r:embed="rId3"/>
+          <a:stretch>
+            <a:fillRect/>
+          </a:stretch>
+        </p:blipFill>
+        <p:spPr>
+          <a:xfrm>
             <a:off x="4178935" y="1086485"/>
             <a:ext cx="3562985" cy="2281555"/>
           </a:xfrm>
@@ -11725,7 +13738,7 @@
           <p:nvPr/>
         </p:nvPicPr>
         <p:blipFill>
-          <a:blip r:embed="rId3"/>
+          <a:blip r:embed="rId4"/>
           <a:stretch>
             <a:fillRect/>
           </a:stretch>
@@ -11811,9 +13824,6 @@
               </a:rPr>
               <a:t> Analysis </a:t>
             </a:r>
-            <a:endParaRPr lang="en-ZA" altLang="zh-CN" sz="2400" b="1" dirty="0" smtClean="0">
-              <a:latin typeface="Century" panose="02040604050505020304" pitchFamily="18" charset="0"/>
-            </a:endParaRPr>
           </a:p>
           <a:p>
             <a:r>
@@ -11840,9 +13850,6 @@
               </a:rPr>
               <a:t> and Education</a:t>
             </a:r>
-            <a:endParaRPr lang="en-US" altLang="en-ZA" b="1" dirty="0" smtClean="0">
-              <a:latin typeface="Century" panose="02040604050505020304" pitchFamily="18" charset="0"/>
-            </a:endParaRPr>
           </a:p>
         </p:txBody>
       </p:sp>
@@ -11873,9 +13880,6 @@
               </a:rPr>
               <a:t>Observation :</a:t>
             </a:r>
-            <a:endParaRPr lang="en-US" b="1" dirty="0" smtClean="0">
-              <a:latin typeface="Century" panose="02040604050505020304" pitchFamily="18" charset="0"/>
-            </a:endParaRPr>
           </a:p>
           <a:p>
             <a:endParaRPr lang="en-US" dirty="0" smtClean="0"/>
@@ -11919,6 +13923,7 @@
           <a:bodyPr wrap="square" rtlCol="0" anchor="t">
             <a:spAutoFit/>
           </a:bodyPr>
+          <a:lstStyle/>
           <a:p>
             <a:r>
               <a:rPr lang="en-US" b="1" dirty="0" smtClean="0">
@@ -11995,6 +14000,7 @@
           <a:bodyPr wrap="square" rtlCol="0" anchor="t">
             <a:spAutoFit/>
           </a:bodyPr>
+          <a:lstStyle/>
           <a:p>
             <a:r>
               <a:rPr lang="en-US" b="1" dirty="0" smtClean="0">
@@ -12035,30 +14041,6 @@
       <p:pic>
         <p:nvPicPr>
           <p:cNvPr id="9" name="Picture 8"/>
-          <p:cNvPicPr>
-            <a:picLocks noChangeAspect="1"/>
-          </p:cNvPicPr>
-          <p:nvPr/>
-        </p:nvPicPr>
-        <p:blipFill>
-          <a:blip r:embed="rId1"/>
-          <a:stretch>
-            <a:fillRect/>
-          </a:stretch>
-        </p:blipFill>
-        <p:spPr>
-          <a:xfrm>
-            <a:off x="243840" y="1219200"/>
-            <a:ext cx="3700145" cy="2589530"/>
-          </a:xfrm>
-          <a:prstGeom prst="rect">
-            <a:avLst/>
-          </a:prstGeom>
-        </p:spPr>
-      </p:pic>
-      <p:pic>
-        <p:nvPicPr>
-          <p:cNvPr id="12" name="Picture 11"/>
           <p:cNvPicPr>
             <a:picLocks noChangeAspect="1"/>
           </p:cNvPicPr>
@@ -12072,6 +14054,30 @@
         </p:blipFill>
         <p:spPr>
           <a:xfrm>
+            <a:off x="243840" y="1219200"/>
+            <a:ext cx="3700145" cy="2589530"/>
+          </a:xfrm>
+          <a:prstGeom prst="rect">
+            <a:avLst/>
+          </a:prstGeom>
+        </p:spPr>
+      </p:pic>
+      <p:pic>
+        <p:nvPicPr>
+          <p:cNvPr id="12" name="Picture 11"/>
+          <p:cNvPicPr>
+            <a:picLocks noChangeAspect="1"/>
+          </p:cNvPicPr>
+          <p:nvPr/>
+        </p:nvPicPr>
+        <p:blipFill>
+          <a:blip r:embed="rId3"/>
+          <a:stretch>
+            <a:fillRect/>
+          </a:stretch>
+        </p:blipFill>
+        <p:spPr>
+          <a:xfrm>
             <a:off x="4033520" y="1219200"/>
             <a:ext cx="3639185" cy="2579370"/>
           </a:xfrm>
@@ -12089,7 +14095,7 @@
           <p:nvPr/>
         </p:nvPicPr>
         <p:blipFill>
-          <a:blip r:embed="rId3"/>
+          <a:blip r:embed="rId4"/>
           <a:stretch>
             <a:fillRect/>
           </a:stretch>
@@ -12175,9 +14181,6 @@
               </a:rPr>
               <a:t> Analysis </a:t>
             </a:r>
-            <a:endParaRPr lang="en-ZA" altLang="zh-CN" b="1" dirty="0" smtClean="0">
-              <a:latin typeface="Century" panose="02040604050505020304" pitchFamily="18" charset="0"/>
-            </a:endParaRPr>
           </a:p>
           <a:p>
             <a:r>
@@ -12220,9 +14223,6 @@
               </a:rPr>
               <a:t>Observation :</a:t>
             </a:r>
-            <a:endParaRPr lang="en-US" b="1" dirty="0" smtClean="0">
-              <a:latin typeface="Century" panose="02040604050505020304" pitchFamily="18" charset="0"/>
-            </a:endParaRPr>
           </a:p>
           <a:p>
             <a:endParaRPr lang="en-US" b="1" dirty="0">
@@ -12274,9 +14274,6 @@
               </a:rPr>
               <a:t>Observation :</a:t>
             </a:r>
-            <a:endParaRPr lang="en-US" b="1" dirty="0" smtClean="0">
-              <a:latin typeface="Century" panose="02040604050505020304" pitchFamily="18" charset="0"/>
-            </a:endParaRPr>
           </a:p>
           <a:p>
             <a:endParaRPr lang="en-US" sz="1600" b="1" dirty="0" smtClean="0">
@@ -12309,7 +14306,7 @@
           <p:nvPr/>
         </p:nvPicPr>
         <p:blipFill>
-          <a:blip r:embed="rId1"/>
+          <a:blip r:embed="rId2"/>
           <a:stretch>
             <a:fillRect/>
           </a:stretch>
@@ -12333,7 +14330,7 @@
           <p:nvPr/>
         </p:nvPicPr>
         <p:blipFill>
-          <a:blip r:embed="rId2"/>
+          <a:blip r:embed="rId3"/>
           <a:stretch>
             <a:fillRect/>
           </a:stretch>
@@ -12504,7 +14501,6 @@
                         <a:rPr lang="en-US" altLang="zh-CN" dirty="0" smtClean="0"/>
                         <a:t>Observation:</a:t>
                       </a:r>
-                      <a:endParaRPr lang="en-US" altLang="zh-CN" dirty="0" smtClean="0"/>
                     </a:p>
                     <a:p>
                       <a:r>
@@ -12518,14 +14514,6 @@
                         </a:rPr>
                         <a:t>Customer with CD account has high chance of having personal loan in comparison to customer with no CD account</a:t>
                       </a:r>
-                      <a:endParaRPr kumimoji="0" lang="en-US" b="0" i="0" kern="1200" dirty="0" smtClean="0">
-                        <a:solidFill>
-                          <a:schemeClr val="dk1"/>
-                        </a:solidFill>
-                        <a:latin typeface="+mn-lt"/>
-                        <a:ea typeface="+mn-ea"/>
-                        <a:cs typeface="+mn-cs"/>
-                      </a:endParaRPr>
                     </a:p>
                     <a:p>
                       <a:endParaRPr lang="zh-CN" altLang="en-US" dirty="0"/>
@@ -12558,7 +14546,6 @@
                         <a:rPr lang="en-US" altLang="zh-CN" dirty="0" smtClean="0"/>
                         <a:t>Observation:</a:t>
                       </a:r>
-                      <a:endParaRPr lang="en-US" altLang="zh-CN" dirty="0" smtClean="0"/>
                     </a:p>
                     <a:p>
                       <a:r>
@@ -12572,14 +14559,6 @@
                         </a:rPr>
                         <a:t>Customers having Credit card or not doesn't have much impact on chances of customer having personal loan</a:t>
                       </a:r>
-                      <a:endParaRPr kumimoji="0" lang="en-US" b="0" i="0" kern="1200" dirty="0" smtClean="0">
-                        <a:solidFill>
-                          <a:schemeClr val="dk1"/>
-                        </a:solidFill>
-                        <a:latin typeface="+mn-lt"/>
-                        <a:ea typeface="+mn-ea"/>
-                        <a:cs typeface="+mn-cs"/>
-                      </a:endParaRPr>
                     </a:p>
                     <a:p>
                       <a:endParaRPr lang="zh-CN" altLang="en-US" dirty="0"/>
@@ -12612,7 +14591,6 @@
                         <a:rPr lang="en-US" altLang="zh-CN" dirty="0" smtClean="0"/>
                         <a:t>Observation:</a:t>
                       </a:r>
-                      <a:endParaRPr lang="en-US" altLang="zh-CN" dirty="0" smtClean="0"/>
                     </a:p>
                     <a:p>
                       <a:r>
@@ -12626,14 +14604,6 @@
                         </a:rPr>
                         <a:t>Customers using online banking or not doesn't have much impact on chances of customer having personal loan</a:t>
                       </a:r>
-                      <a:endParaRPr kumimoji="0" lang="en-US" b="0" i="0" kern="1200" dirty="0" smtClean="0">
-                        <a:solidFill>
-                          <a:schemeClr val="dk1"/>
-                        </a:solidFill>
-                        <a:latin typeface="+mn-lt"/>
-                        <a:ea typeface="+mn-ea"/>
-                        <a:cs typeface="+mn-cs"/>
-                      </a:endParaRPr>
                     </a:p>
                     <a:p>
                       <a:endParaRPr lang="zh-CN" altLang="en-US" dirty="0"/>
@@ -12686,40 +14656,13 @@
               </a:rPr>
               <a:t> Analysis </a:t>
             </a:r>
-            <a:endParaRPr lang="en-ZA" altLang="zh-CN" sz="1600" b="1" dirty="0" smtClean="0">
-              <a:latin typeface="Century" panose="02040604050505020304" pitchFamily="18" charset="0"/>
-            </a:endParaRPr>
           </a:p>
           <a:p>
             <a:r>
               <a:rPr lang="en-ZA" altLang="zh-CN" sz="1600" b="1" dirty="0" smtClean="0">
                 <a:latin typeface="Century" panose="02040604050505020304" pitchFamily="18" charset="0"/>
               </a:rPr>
-              <a:t>Personal </a:t>
-            </a:r>
-            <a:r>
-              <a:rPr lang="en-ZA" altLang="zh-CN" sz="1600" b="1" dirty="0" smtClean="0">
-                <a:latin typeface="Century" panose="02040604050505020304" pitchFamily="18" charset="0"/>
-              </a:rPr>
-              <a:t>Loan  Vs </a:t>
-            </a:r>
-            <a:r>
-              <a:rPr lang="en-ZA" altLang="zh-CN" sz="1600" b="1" dirty="0" smtClean="0">
-                <a:latin typeface="Century" panose="02040604050505020304" pitchFamily="18" charset="0"/>
-              </a:rPr>
-              <a:t>CD </a:t>
-            </a:r>
-            <a:r>
-              <a:rPr lang="en-ZA" altLang="zh-CN" sz="1600" b="1" dirty="0" smtClean="0">
-                <a:latin typeface="Century" panose="02040604050505020304" pitchFamily="18" charset="0"/>
-              </a:rPr>
-              <a:t>Account </a:t>
-            </a:r>
-            <a:r>
-              <a:rPr lang="en-ZA" altLang="zh-CN" sz="1600" b="1" dirty="0" smtClean="0">
-                <a:latin typeface="Century" panose="02040604050505020304" pitchFamily="18" charset="0"/>
-              </a:rPr>
-              <a:t>,Credit Card and Online </a:t>
+              <a:t>Personal Loan  Vs CD Account ,Credit Card and Online </a:t>
             </a:r>
             <a:endParaRPr lang="zh-CN" altLang="en-US" sz="1600" b="1" dirty="0">
               <a:latin typeface="Century" panose="02040604050505020304" pitchFamily="18" charset="0"/>
@@ -12730,30 +14673,6 @@
       <p:pic>
         <p:nvPicPr>
           <p:cNvPr id="7" name="Picture 6"/>
-          <p:cNvPicPr>
-            <a:picLocks noChangeAspect="1"/>
-          </p:cNvPicPr>
-          <p:nvPr/>
-        </p:nvPicPr>
-        <p:blipFill>
-          <a:blip r:embed="rId1"/>
-          <a:stretch>
-            <a:fillRect/>
-          </a:stretch>
-        </p:blipFill>
-        <p:spPr>
-          <a:xfrm>
-            <a:off x="4265930" y="1294765"/>
-            <a:ext cx="3961130" cy="2305685"/>
-          </a:xfrm>
-          <a:prstGeom prst="rect">
-            <a:avLst/>
-          </a:prstGeom>
-        </p:spPr>
-      </p:pic>
-      <p:pic>
-        <p:nvPicPr>
-          <p:cNvPr id="8" name="Picture 7"/>
           <p:cNvPicPr>
             <a:picLocks noChangeAspect="1"/>
           </p:cNvPicPr>
@@ -12767,6 +14686,30 @@
         </p:blipFill>
         <p:spPr>
           <a:xfrm>
+            <a:off x="4265930" y="1294765"/>
+            <a:ext cx="3961130" cy="2305685"/>
+          </a:xfrm>
+          <a:prstGeom prst="rect">
+            <a:avLst/>
+          </a:prstGeom>
+        </p:spPr>
+      </p:pic>
+      <p:pic>
+        <p:nvPicPr>
+          <p:cNvPr id="8" name="Picture 7"/>
+          <p:cNvPicPr>
+            <a:picLocks noChangeAspect="1"/>
+          </p:cNvPicPr>
+          <p:nvPr/>
+        </p:nvPicPr>
+        <p:blipFill>
+          <a:blip r:embed="rId3"/>
+          <a:stretch>
+            <a:fillRect/>
+          </a:stretch>
+        </p:blipFill>
+        <p:spPr>
+          <a:xfrm>
             <a:off x="8326120" y="1295400"/>
             <a:ext cx="3655695" cy="2383155"/>
           </a:xfrm>
@@ -12784,7 +14727,7 @@
           <p:nvPr/>
         </p:nvPicPr>
         <p:blipFill>
-          <a:blip r:embed="rId3"/>
+          <a:blip r:embed="rId4"/>
           <a:stretch>
             <a:fillRect/>
           </a:stretch>
@@ -13102,9 +15045,11 @@
       </a:bgFillStyleLst>
     </a:fmtScheme>
   </a:themeElements>
+  <a:objectDefaults/>
+  <a:extraClrSchemeLst/>
   <a:extLst>
     <a:ext uri="{05A4C25C-085E-4340-85A3-A5531E510DB2}">
-      <thm15:themeFamily xmlns:thm15="http://schemas.microsoft.com/office/thememl/2012/main" name="Office Theme" id="{62F939B6-93AF-4DB8-9C6B-D6C7DFDC589F}" vid="{4A3C46E8-61CC-4603-A589-7422A47A8E4A}"/>
+      <thm15:themeFamily xmlns:thm15="http://schemas.microsoft.com/office/thememl/2012/main" xmlns="" name="Office Theme" id="{62F939B6-93AF-4DB8-9C6B-D6C7DFDC589F}" vid="{4A3C46E8-61CC-4603-A589-7422A47A8E4A}"/>
     </a:ext>
   </a:extLst>
 </a:theme>
@@ -13388,9 +15333,11 @@
       </a:bgFillStyleLst>
     </a:fmtScheme>
   </a:themeElements>
+  <a:objectDefaults/>
+  <a:extraClrSchemeLst/>
   <a:extLst>
     <a:ext uri="{05A4C25C-085E-4340-85A3-A5531E510DB2}">
-      <thm15:themeFamily xmlns:thm15="http://schemas.microsoft.com/office/thememl/2012/main" name="Office Theme" id="{62F939B6-93AF-4DB8-9C6B-D6C7DFDC589F}" vid="{4A3C46E8-61CC-4603-A589-7422A47A8E4A}"/>
+      <thm15:themeFamily xmlns:thm15="http://schemas.microsoft.com/office/thememl/2012/main" xmlns="" name="Office Theme" id="{62F939B6-93AF-4DB8-9C6B-D6C7DFDC589F}" vid="{4A3C46E8-61CC-4603-A589-7422A47A8E4A}"/>
     </a:ext>
   </a:extLst>
 </a:theme>
